--- a/[FastCampus] 5주차_강의자료_김경원박사.pptx
+++ b/[FastCampus] 5주차_강의자료_김경원박사.pptx
@@ -5,53 +5,39 @@
     <p:sldMasterId id="2147483648" r:id="rId1"/>
   </p:sldMasterIdLst>
   <p:notesMasterIdLst>
-    <p:notesMasterId r:id="rId35"/>
+    <p:notesMasterId r:id="rId21"/>
   </p:notesMasterIdLst>
   <p:handoutMasterIdLst>
-    <p:handoutMasterId r:id="rId36"/>
+    <p:handoutMasterId r:id="rId22"/>
   </p:handoutMasterIdLst>
   <p:sldIdLst>
     <p:sldId id="1063" r:id="rId2"/>
     <p:sldId id="1194" r:id="rId3"/>
     <p:sldId id="1103" r:id="rId4"/>
-    <p:sldId id="1158" r:id="rId5"/>
-    <p:sldId id="1186" r:id="rId6"/>
-    <p:sldId id="1187" r:id="rId7"/>
-    <p:sldId id="1188" r:id="rId8"/>
-    <p:sldId id="1189" r:id="rId9"/>
-    <p:sldId id="1135" r:id="rId10"/>
-    <p:sldId id="1190" r:id="rId11"/>
-    <p:sldId id="1191" r:id="rId12"/>
-    <p:sldId id="1110" r:id="rId13"/>
-    <p:sldId id="1154" r:id="rId14"/>
-    <p:sldId id="1159" r:id="rId15"/>
-    <p:sldId id="1192" r:id="rId16"/>
-    <p:sldId id="1160" r:id="rId17"/>
-    <p:sldId id="1161" r:id="rId18"/>
-    <p:sldId id="1162" r:id="rId19"/>
-    <p:sldId id="1166" r:id="rId20"/>
-    <p:sldId id="1163" r:id="rId21"/>
-    <p:sldId id="1164" r:id="rId22"/>
-    <p:sldId id="1165" r:id="rId23"/>
-    <p:sldId id="1170" r:id="rId24"/>
-    <p:sldId id="1172" r:id="rId25"/>
-    <p:sldId id="1173" r:id="rId26"/>
-    <p:sldId id="1195" r:id="rId27"/>
-    <p:sldId id="1174" r:id="rId28"/>
-    <p:sldId id="1175" r:id="rId29"/>
-    <p:sldId id="1196" r:id="rId30"/>
-    <p:sldId id="1176" r:id="rId31"/>
-    <p:sldId id="1197" r:id="rId32"/>
-    <p:sldId id="1193" r:id="rId33"/>
-    <p:sldId id="1062" r:id="rId34"/>
+    <p:sldId id="1134" r:id="rId5"/>
+    <p:sldId id="1095" r:id="rId6"/>
+    <p:sldId id="1198" r:id="rId7"/>
+    <p:sldId id="1155" r:id="rId8"/>
+    <p:sldId id="1156" r:id="rId9"/>
+    <p:sldId id="1157" r:id="rId10"/>
+    <p:sldId id="1158" r:id="rId11"/>
+    <p:sldId id="1186" r:id="rId12"/>
+    <p:sldId id="1187" r:id="rId13"/>
+    <p:sldId id="1188" r:id="rId14"/>
+    <p:sldId id="1189" r:id="rId15"/>
+    <p:sldId id="1135" r:id="rId16"/>
+    <p:sldId id="1190" r:id="rId17"/>
+    <p:sldId id="1191" r:id="rId18"/>
+    <p:sldId id="1193" r:id="rId19"/>
+    <p:sldId id="1062" r:id="rId20"/>
   </p:sldIdLst>
   <p:sldSz cx="12160250" cy="6840538"/>
   <p:notesSz cx="9874250" cy="6797675"/>
   <p:embeddedFontLst>
     <p:embeddedFont>
       <p:font typeface="맑은 고딕" panose="020B0503020000020004" pitchFamily="50" charset="-127"/>
-      <p:regular r:id="rId37"/>
-      <p:bold r:id="rId38"/>
+      <p:regular r:id="rId23"/>
+      <p:bold r:id="rId24"/>
     </p:embeddedFont>
   </p:embeddedFontLst>
   <p:defaultTextStyle>
@@ -264,7 +250,7 @@
           <a:p>
             <a:fld id="{FC718EE8-BF93-4A17-BED5-FC99EECA5FC7}" type="datetimeFigureOut">
               <a:rPr lang="ko-KR" altLang="en-US" smtClean="0"/>
-              <a:t>2020-01-04</a:t>
+              <a:t>2020-06-08</a:t>
             </a:fld>
             <a:endParaRPr lang="ko-KR" altLang="en-US"/>
           </a:p>
@@ -429,7 +415,7 @@
           <a:p>
             <a:fld id="{6101F873-BA02-446B-9127-C4DE4310B943}" type="datetimeFigureOut">
               <a:rPr lang="ko-KR" altLang="en-US" smtClean="0"/>
-              <a:t>2020-01-04</a:t>
+              <a:t>2020-06-08</a:t>
             </a:fld>
             <a:endParaRPr lang="ko-KR" altLang="en-US"/>
           </a:p>
@@ -1019,7 +1005,7 @@
           <a:p>
             <a:fld id="{89B5E594-86C5-4F1D-8812-38DF40064943}" type="datetime1">
               <a:rPr lang="ko-KR" altLang="en-US" smtClean="0"/>
-              <a:t>2020-01-04</a:t>
+              <a:t>2020-06-08</a:t>
             </a:fld>
             <a:endParaRPr lang="ko-KR" altLang="en-US"/>
           </a:p>
@@ -1227,7 +1213,7 @@
           <a:p>
             <a:fld id="{05C0B17C-522D-4CD8-8139-01EDEBAB2AF6}" type="datetime1">
               <a:rPr lang="ko-KR" altLang="en-US" smtClean="0"/>
-              <a:t>2020-01-04</a:t>
+              <a:t>2020-06-08</a:t>
             </a:fld>
             <a:endParaRPr lang="ko-KR" altLang="en-US"/>
           </a:p>
@@ -1405,7 +1391,7 @@
           <a:p>
             <a:fld id="{7345261C-38F3-40E7-AAA6-CE27B727AA65}" type="datetime1">
               <a:rPr lang="ko-KR" altLang="en-US" smtClean="0"/>
-              <a:t>2020-01-04</a:t>
+              <a:t>2020-06-08</a:t>
             </a:fld>
             <a:endParaRPr lang="ko-KR" altLang="en-US"/>
           </a:p>
@@ -1573,7 +1559,7 @@
           <a:p>
             <a:fld id="{A8472951-AD8C-47B8-8787-30E2F4BFA1EA}" type="datetime1">
               <a:rPr lang="ko-KR" altLang="en-US" smtClean="0"/>
-              <a:t>2020-01-04</a:t>
+              <a:t>2020-06-08</a:t>
             </a:fld>
             <a:endParaRPr lang="ko-KR" altLang="en-US"/>
           </a:p>
@@ -1828,7 +1814,7 @@
           <a:p>
             <a:fld id="{8BCB1BBF-13D1-46E6-8B8B-C9F26A0BAD91}" type="datetime1">
               <a:rPr lang="ko-KR" altLang="en-US" smtClean="0"/>
-              <a:t>2020-01-04</a:t>
+              <a:t>2020-06-08</a:t>
             </a:fld>
             <a:endParaRPr lang="ko-KR" altLang="en-US"/>
           </a:p>
@@ -2113,7 +2099,7 @@
           <a:p>
             <a:fld id="{B16FDC3D-FD6A-49DF-B101-11717D57279F}" type="datetime1">
               <a:rPr lang="ko-KR" altLang="en-US" smtClean="0"/>
-              <a:t>2020-01-04</a:t>
+              <a:t>2020-06-08</a:t>
             </a:fld>
             <a:endParaRPr lang="ko-KR" altLang="en-US"/>
           </a:p>
@@ -2532,7 +2518,7 @@
           <a:p>
             <a:fld id="{42D411A2-FD90-4A19-98A8-25197A66BC26}" type="datetime1">
               <a:rPr lang="ko-KR" altLang="en-US" smtClean="0"/>
-              <a:t>2020-01-04</a:t>
+              <a:t>2020-06-08</a:t>
             </a:fld>
             <a:endParaRPr lang="ko-KR" altLang="en-US"/>
           </a:p>
@@ -2649,7 +2635,7 @@
           <a:p>
             <a:fld id="{F6E6B532-6471-449A-9A2F-4428556C2F98}" type="datetime1">
               <a:rPr lang="ko-KR" altLang="en-US" smtClean="0"/>
-              <a:t>2020-01-04</a:t>
+              <a:t>2020-06-08</a:t>
             </a:fld>
             <a:endParaRPr lang="ko-KR" altLang="en-US"/>
           </a:p>
@@ -2744,7 +2730,7 @@
           <a:p>
             <a:fld id="{45A9E13B-856D-4562-A86D-A2B6F7BF810F}" type="datetime1">
               <a:rPr lang="ko-KR" altLang="en-US" smtClean="0"/>
-              <a:t>2020-01-04</a:t>
+              <a:t>2020-06-08</a:t>
             </a:fld>
             <a:endParaRPr lang="ko-KR" altLang="en-US"/>
           </a:p>
@@ -3019,7 +3005,7 @@
           <a:p>
             <a:fld id="{A672FB3A-7E9E-4380-9381-6FCA87FBB41A}" type="datetime1">
               <a:rPr lang="ko-KR" altLang="en-US" smtClean="0"/>
-              <a:t>2020-01-04</a:t>
+              <a:t>2020-06-08</a:t>
             </a:fld>
             <a:endParaRPr lang="ko-KR" altLang="en-US"/>
           </a:p>
@@ -3271,7 +3257,7 @@
           <a:p>
             <a:fld id="{3948CCBA-1514-4E9E-888A-807450F810B0}" type="datetime1">
               <a:rPr lang="ko-KR" altLang="en-US" smtClean="0"/>
-              <a:t>2020-01-04</a:t>
+              <a:t>2020-06-08</a:t>
             </a:fld>
             <a:endParaRPr lang="ko-KR" altLang="en-US"/>
           </a:p>
@@ -3484,7 +3470,7 @@
           <a:p>
             <a:fld id="{170EDEE7-370E-499F-B978-ABF387098974}" type="datetime1">
               <a:rPr lang="ko-KR" altLang="en-US" smtClean="0"/>
-              <a:t>2020-01-04</a:t>
+              <a:t>2020-06-08</a:t>
             </a:fld>
             <a:endParaRPr lang="ko-KR" altLang="en-US" dirty="0"/>
           </a:p>
@@ -4185,6 +4171,895 @@
           <p:cNvPr id="2" name="그림 1">
             <a:extLst>
               <a:ext uri="{FF2B5EF4-FFF2-40B4-BE49-F238E27FC236}">
+                <a16:creationId xmlns:a16="http://schemas.microsoft.com/office/drawing/2014/main" id="{763FD5DE-0E65-41B2-A2E1-B6F049DFEB69}"/>
+              </a:ext>
+            </a:extLst>
+          </p:cNvPr>
+          <p:cNvPicPr>
+            <a:picLocks noChangeAspect="1"/>
+          </p:cNvPicPr>
+          <p:nvPr/>
+        </p:nvPicPr>
+        <p:blipFill>
+          <a:blip r:embed="rId2"/>
+          <a:stretch>
+            <a:fillRect/>
+          </a:stretch>
+        </p:blipFill>
+        <p:spPr>
+          <a:xfrm>
+            <a:off x="2084386" y="1631886"/>
+            <a:ext cx="7991475" cy="5191125"/>
+          </a:xfrm>
+          <a:prstGeom prst="rect">
+            <a:avLst/>
+          </a:prstGeom>
+        </p:spPr>
+      </p:pic>
+    </p:spTree>
+    <p:extLst>
+      <p:ext uri="{BB962C8B-B14F-4D97-AF65-F5344CB8AC3E}">
+        <p14:creationId xmlns:p14="http://schemas.microsoft.com/office/powerpoint/2010/main" val="957076208"/>
+      </p:ext>
+    </p:extLst>
+  </p:cSld>
+  <p:clrMapOvr>
+    <a:masterClrMapping/>
+  </p:clrMapOvr>
+</p:sld>
+</file>
+
+<file path=ppt/slides/slide11.xml><?xml version="1.0" encoding="utf-8"?>
+<p:sld xmlns:a="http://schemas.openxmlformats.org/drawingml/2006/main" xmlns:r="http://schemas.openxmlformats.org/officeDocument/2006/relationships" xmlns:p="http://schemas.openxmlformats.org/presentationml/2006/main">
+  <p:cSld>
+    <p:spTree>
+      <p:nvGrpSpPr>
+        <p:cNvPr id="1" name=""/>
+        <p:cNvGrpSpPr/>
+        <p:nvPr/>
+      </p:nvGrpSpPr>
+      <p:grpSpPr>
+        <a:xfrm>
+          <a:off x="0" y="0"/>
+          <a:ext cx="0" cy="0"/>
+          <a:chOff x="0" y="0"/>
+          <a:chExt cx="0" cy="0"/>
+        </a:xfrm>
+      </p:grpSpPr>
+      <p:sp>
+        <p:nvSpPr>
+          <p:cNvPr id="5" name="제목 4"/>
+          <p:cNvSpPr>
+            <a:spLocks noGrp="1"/>
+          </p:cNvSpPr>
+          <p:nvPr>
+            <p:ph type="title"/>
+          </p:nvPr>
+        </p:nvSpPr>
+        <p:spPr>
+          <a:xfrm>
+            <a:off x="608012" y="539949"/>
+            <a:ext cx="10944225" cy="1140090"/>
+          </a:xfrm>
+        </p:spPr>
+        <p:txBody>
+          <a:bodyPr>
+            <a:normAutofit/>
+          </a:bodyPr>
+          <a:lstStyle/>
+          <a:p>
+            <a:pPr algn="l"/>
+            <a:r>
+              <a:rPr lang="en-US" altLang="ko-KR" sz="4400" dirty="0">
+                <a:solidFill>
+                  <a:schemeClr val="tx1">
+                    <a:lumMod val="75000"/>
+                    <a:lumOff val="25000"/>
+                  </a:schemeClr>
+                </a:solidFill>
+                <a:latin typeface="Noto Sans CJK KR Black" pitchFamily="34" charset="-127"/>
+                <a:ea typeface="Noto Sans CJK KR Black" pitchFamily="34" charset="-127"/>
+              </a:rPr>
+              <a:t>4. </a:t>
+            </a:r>
+            <a:r>
+              <a:rPr lang="ko-KR" altLang="en-US" sz="4400" dirty="0">
+                <a:solidFill>
+                  <a:schemeClr val="tx1">
+                    <a:lumMod val="75000"/>
+                    <a:lumOff val="25000"/>
+                  </a:schemeClr>
+                </a:solidFill>
+                <a:latin typeface="Noto Sans CJK KR Black" pitchFamily="34" charset="-127"/>
+                <a:ea typeface="Noto Sans CJK KR Black" pitchFamily="34" charset="-127"/>
+              </a:rPr>
+              <a:t>시계열 분석</a:t>
+            </a:r>
+            <a:endParaRPr lang="ko-KR" altLang="en-US" sz="4400" dirty="0">
+              <a:solidFill>
+                <a:schemeClr val="tx1">
+                  <a:lumMod val="75000"/>
+                  <a:lumOff val="25000"/>
+                </a:schemeClr>
+              </a:solidFill>
+            </a:endParaRPr>
+          </a:p>
+        </p:txBody>
+      </p:sp>
+      <p:sp>
+        <p:nvSpPr>
+          <p:cNvPr id="3" name="슬라이드 번호 개체 틀 2"/>
+          <p:cNvSpPr>
+            <a:spLocks noGrp="1"/>
+          </p:cNvSpPr>
+          <p:nvPr>
+            <p:ph type="sldNum" sz="quarter" idx="12"/>
+          </p:nvPr>
+        </p:nvSpPr>
+        <p:spPr/>
+        <p:txBody>
+          <a:bodyPr/>
+          <a:lstStyle/>
+          <a:p>
+            <a:fld id="{6DDAE2C3-1A0B-474A-8CE8-AE55B8D9D4B1}" type="slidenum">
+              <a:rPr lang="ko-KR" altLang="en-US" smtClean="0"/>
+              <a:pPr/>
+              <a:t>11</a:t>
+            </a:fld>
+            <a:endParaRPr lang="ko-KR" altLang="en-US" dirty="0"/>
+          </a:p>
+        </p:txBody>
+      </p:sp>
+      <p:pic>
+        <p:nvPicPr>
+          <p:cNvPr id="2" name="그림 1">
+            <a:extLst>
+              <a:ext uri="{FF2B5EF4-FFF2-40B4-BE49-F238E27FC236}">
+                <a16:creationId xmlns:a16="http://schemas.microsoft.com/office/drawing/2014/main" id="{7FBA5C46-3D2F-46A2-900A-DD48DE4E16B4}"/>
+              </a:ext>
+            </a:extLst>
+          </p:cNvPr>
+          <p:cNvPicPr>
+            <a:picLocks noChangeAspect="1"/>
+          </p:cNvPicPr>
+          <p:nvPr/>
+        </p:nvPicPr>
+        <p:blipFill>
+          <a:blip r:embed="rId2"/>
+          <a:stretch>
+            <a:fillRect/>
+          </a:stretch>
+        </p:blipFill>
+        <p:spPr>
+          <a:xfrm>
+            <a:off x="2560637" y="2696369"/>
+            <a:ext cx="7038975" cy="1447800"/>
+          </a:xfrm>
+          <a:prstGeom prst="rect">
+            <a:avLst/>
+          </a:prstGeom>
+        </p:spPr>
+      </p:pic>
+    </p:spTree>
+    <p:extLst>
+      <p:ext uri="{BB962C8B-B14F-4D97-AF65-F5344CB8AC3E}">
+        <p14:creationId xmlns:p14="http://schemas.microsoft.com/office/powerpoint/2010/main" val="3246411210"/>
+      </p:ext>
+    </p:extLst>
+  </p:cSld>
+  <p:clrMapOvr>
+    <a:masterClrMapping/>
+  </p:clrMapOvr>
+</p:sld>
+</file>
+
+<file path=ppt/slides/slide12.xml><?xml version="1.0" encoding="utf-8"?>
+<p:sld xmlns:a="http://schemas.openxmlformats.org/drawingml/2006/main" xmlns:r="http://schemas.openxmlformats.org/officeDocument/2006/relationships" xmlns:p="http://schemas.openxmlformats.org/presentationml/2006/main">
+  <p:cSld>
+    <p:spTree>
+      <p:nvGrpSpPr>
+        <p:cNvPr id="1" name=""/>
+        <p:cNvGrpSpPr/>
+        <p:nvPr/>
+      </p:nvGrpSpPr>
+      <p:grpSpPr>
+        <a:xfrm>
+          <a:off x="0" y="0"/>
+          <a:ext cx="0" cy="0"/>
+          <a:chOff x="0" y="0"/>
+          <a:chExt cx="0" cy="0"/>
+        </a:xfrm>
+      </p:grpSpPr>
+      <p:sp>
+        <p:nvSpPr>
+          <p:cNvPr id="5" name="제목 4"/>
+          <p:cNvSpPr>
+            <a:spLocks noGrp="1"/>
+          </p:cNvSpPr>
+          <p:nvPr>
+            <p:ph type="title"/>
+          </p:nvPr>
+        </p:nvSpPr>
+        <p:spPr>
+          <a:xfrm>
+            <a:off x="608012" y="539949"/>
+            <a:ext cx="10944225" cy="1140090"/>
+          </a:xfrm>
+        </p:spPr>
+        <p:txBody>
+          <a:bodyPr>
+            <a:normAutofit/>
+          </a:bodyPr>
+          <a:lstStyle/>
+          <a:p>
+            <a:pPr algn="l"/>
+            <a:r>
+              <a:rPr lang="en-US" altLang="ko-KR" sz="4400" dirty="0">
+                <a:solidFill>
+                  <a:schemeClr val="tx1">
+                    <a:lumMod val="75000"/>
+                    <a:lumOff val="25000"/>
+                  </a:schemeClr>
+                </a:solidFill>
+                <a:latin typeface="Noto Sans CJK KR Black" pitchFamily="34" charset="-127"/>
+                <a:ea typeface="Noto Sans CJK KR Black" pitchFamily="34" charset="-127"/>
+              </a:rPr>
+              <a:t>4. </a:t>
+            </a:r>
+            <a:r>
+              <a:rPr lang="ko-KR" altLang="en-US" sz="4400" dirty="0">
+                <a:solidFill>
+                  <a:schemeClr val="tx1">
+                    <a:lumMod val="75000"/>
+                    <a:lumOff val="25000"/>
+                  </a:schemeClr>
+                </a:solidFill>
+                <a:latin typeface="Noto Sans CJK KR Black" pitchFamily="34" charset="-127"/>
+                <a:ea typeface="Noto Sans CJK KR Black" pitchFamily="34" charset="-127"/>
+              </a:rPr>
+              <a:t>시계열 분석</a:t>
+            </a:r>
+            <a:endParaRPr lang="ko-KR" altLang="en-US" sz="4400" dirty="0">
+              <a:solidFill>
+                <a:schemeClr val="tx1">
+                  <a:lumMod val="75000"/>
+                  <a:lumOff val="25000"/>
+                </a:schemeClr>
+              </a:solidFill>
+            </a:endParaRPr>
+          </a:p>
+        </p:txBody>
+      </p:sp>
+      <p:sp>
+        <p:nvSpPr>
+          <p:cNvPr id="3" name="슬라이드 번호 개체 틀 2"/>
+          <p:cNvSpPr>
+            <a:spLocks noGrp="1"/>
+          </p:cNvSpPr>
+          <p:nvPr>
+            <p:ph type="sldNum" sz="quarter" idx="12"/>
+          </p:nvPr>
+        </p:nvSpPr>
+        <p:spPr/>
+        <p:txBody>
+          <a:bodyPr/>
+          <a:lstStyle/>
+          <a:p>
+            <a:fld id="{6DDAE2C3-1A0B-474A-8CE8-AE55B8D9D4B1}" type="slidenum">
+              <a:rPr lang="ko-KR" altLang="en-US" smtClean="0"/>
+              <a:pPr/>
+              <a:t>12</a:t>
+            </a:fld>
+            <a:endParaRPr lang="ko-KR" altLang="en-US" dirty="0"/>
+          </a:p>
+        </p:txBody>
+      </p:sp>
+      <p:pic>
+        <p:nvPicPr>
+          <p:cNvPr id="2" name="그림 1">
+            <a:extLst>
+              <a:ext uri="{FF2B5EF4-FFF2-40B4-BE49-F238E27FC236}">
+                <a16:creationId xmlns:a16="http://schemas.microsoft.com/office/drawing/2014/main" id="{1D485D62-8083-4629-9C3C-6DDC8DCAB4A2}"/>
+              </a:ext>
+            </a:extLst>
+          </p:cNvPr>
+          <p:cNvPicPr>
+            <a:picLocks noChangeAspect="1"/>
+          </p:cNvPicPr>
+          <p:nvPr/>
+        </p:nvPicPr>
+        <p:blipFill>
+          <a:blip r:embed="rId2"/>
+          <a:stretch>
+            <a:fillRect/>
+          </a:stretch>
+        </p:blipFill>
+        <p:spPr>
+          <a:xfrm>
+            <a:off x="4711973" y="0"/>
+            <a:ext cx="7112511" cy="6840538"/>
+          </a:xfrm>
+          <a:prstGeom prst="rect">
+            <a:avLst/>
+          </a:prstGeom>
+        </p:spPr>
+      </p:pic>
+    </p:spTree>
+    <p:extLst>
+      <p:ext uri="{BB962C8B-B14F-4D97-AF65-F5344CB8AC3E}">
+        <p14:creationId xmlns:p14="http://schemas.microsoft.com/office/powerpoint/2010/main" val="1226727300"/>
+      </p:ext>
+    </p:extLst>
+  </p:cSld>
+  <p:clrMapOvr>
+    <a:masterClrMapping/>
+  </p:clrMapOvr>
+</p:sld>
+</file>
+
+<file path=ppt/slides/slide13.xml><?xml version="1.0" encoding="utf-8"?>
+<p:sld xmlns:a="http://schemas.openxmlformats.org/drawingml/2006/main" xmlns:r="http://schemas.openxmlformats.org/officeDocument/2006/relationships" xmlns:p="http://schemas.openxmlformats.org/presentationml/2006/main">
+  <p:cSld>
+    <p:spTree>
+      <p:nvGrpSpPr>
+        <p:cNvPr id="1" name=""/>
+        <p:cNvGrpSpPr/>
+        <p:nvPr/>
+      </p:nvGrpSpPr>
+      <p:grpSpPr>
+        <a:xfrm>
+          <a:off x="0" y="0"/>
+          <a:ext cx="0" cy="0"/>
+          <a:chOff x="0" y="0"/>
+          <a:chExt cx="0" cy="0"/>
+        </a:xfrm>
+      </p:grpSpPr>
+      <p:sp>
+        <p:nvSpPr>
+          <p:cNvPr id="5" name="제목 4"/>
+          <p:cNvSpPr>
+            <a:spLocks noGrp="1"/>
+          </p:cNvSpPr>
+          <p:nvPr>
+            <p:ph type="title"/>
+          </p:nvPr>
+        </p:nvSpPr>
+        <p:spPr>
+          <a:xfrm>
+            <a:off x="608012" y="539949"/>
+            <a:ext cx="10944225" cy="1140090"/>
+          </a:xfrm>
+        </p:spPr>
+        <p:txBody>
+          <a:bodyPr>
+            <a:normAutofit fontScale="90000"/>
+          </a:bodyPr>
+          <a:lstStyle/>
+          <a:p>
+            <a:pPr algn="l"/>
+            <a:r>
+              <a:rPr lang="en-US" altLang="ko-KR" sz="4400" dirty="0">
+                <a:solidFill>
+                  <a:schemeClr val="tx1">
+                    <a:lumMod val="75000"/>
+                    <a:lumOff val="25000"/>
+                  </a:schemeClr>
+                </a:solidFill>
+                <a:latin typeface="Noto Sans CJK KR Black" pitchFamily="34" charset="-127"/>
+                <a:ea typeface="Noto Sans CJK KR Black" pitchFamily="34" charset="-127"/>
+              </a:rPr>
+              <a:t>4. </a:t>
+            </a:r>
+            <a:r>
+              <a:rPr lang="ko-KR" altLang="en-US" sz="4400" dirty="0">
+                <a:solidFill>
+                  <a:schemeClr val="tx1">
+                    <a:lumMod val="75000"/>
+                    <a:lumOff val="25000"/>
+                  </a:schemeClr>
+                </a:solidFill>
+                <a:latin typeface="Noto Sans CJK KR Black" pitchFamily="34" charset="-127"/>
+                <a:ea typeface="Noto Sans CJK KR Black" pitchFamily="34" charset="-127"/>
+              </a:rPr>
+              <a:t>시계열 </a:t>
+            </a:r>
+            <a:br>
+              <a:rPr lang="en-US" altLang="ko-KR" sz="4400" dirty="0">
+                <a:solidFill>
+                  <a:schemeClr val="tx1">
+                    <a:lumMod val="75000"/>
+                    <a:lumOff val="25000"/>
+                  </a:schemeClr>
+                </a:solidFill>
+                <a:latin typeface="Noto Sans CJK KR Black" pitchFamily="34" charset="-127"/>
+                <a:ea typeface="Noto Sans CJK KR Black" pitchFamily="34" charset="-127"/>
+              </a:rPr>
+            </a:br>
+            <a:r>
+              <a:rPr lang="ko-KR" altLang="en-US" sz="4400" dirty="0">
+                <a:solidFill>
+                  <a:schemeClr val="tx1">
+                    <a:lumMod val="75000"/>
+                    <a:lumOff val="25000"/>
+                  </a:schemeClr>
+                </a:solidFill>
+                <a:latin typeface="Noto Sans CJK KR Black" pitchFamily="34" charset="-127"/>
+                <a:ea typeface="Noto Sans CJK KR Black" pitchFamily="34" charset="-127"/>
+              </a:rPr>
+              <a:t>분석</a:t>
+            </a:r>
+            <a:endParaRPr lang="ko-KR" altLang="en-US" sz="4400" dirty="0">
+              <a:solidFill>
+                <a:schemeClr val="tx1">
+                  <a:lumMod val="75000"/>
+                  <a:lumOff val="25000"/>
+                </a:schemeClr>
+              </a:solidFill>
+            </a:endParaRPr>
+          </a:p>
+        </p:txBody>
+      </p:sp>
+      <p:sp>
+        <p:nvSpPr>
+          <p:cNvPr id="3" name="슬라이드 번호 개체 틀 2"/>
+          <p:cNvSpPr>
+            <a:spLocks noGrp="1"/>
+          </p:cNvSpPr>
+          <p:nvPr>
+            <p:ph type="sldNum" sz="quarter" idx="12"/>
+          </p:nvPr>
+        </p:nvSpPr>
+        <p:spPr/>
+        <p:txBody>
+          <a:bodyPr/>
+          <a:lstStyle/>
+          <a:p>
+            <a:fld id="{6DDAE2C3-1A0B-474A-8CE8-AE55B8D9D4B1}" type="slidenum">
+              <a:rPr lang="ko-KR" altLang="en-US" smtClean="0"/>
+              <a:pPr/>
+              <a:t>13</a:t>
+            </a:fld>
+            <a:endParaRPr lang="ko-KR" altLang="en-US" dirty="0"/>
+          </a:p>
+        </p:txBody>
+      </p:sp>
+      <p:pic>
+        <p:nvPicPr>
+          <p:cNvPr id="2" name="그림 1">
+            <a:extLst>
+              <a:ext uri="{FF2B5EF4-FFF2-40B4-BE49-F238E27FC236}">
+                <a16:creationId xmlns:a16="http://schemas.microsoft.com/office/drawing/2014/main" id="{BCDAF3F1-D511-4CD9-8F3F-3A49C30AE126}"/>
+              </a:ext>
+            </a:extLst>
+          </p:cNvPr>
+          <p:cNvPicPr>
+            <a:picLocks noChangeAspect="1"/>
+          </p:cNvPicPr>
+          <p:nvPr/>
+        </p:nvPicPr>
+        <p:blipFill>
+          <a:blip r:embed="rId2"/>
+          <a:stretch>
+            <a:fillRect/>
+          </a:stretch>
+        </p:blipFill>
+        <p:spPr>
+          <a:xfrm>
+            <a:off x="3940175" y="144370"/>
+            <a:ext cx="8220075" cy="6410325"/>
+          </a:xfrm>
+          <a:prstGeom prst="rect">
+            <a:avLst/>
+          </a:prstGeom>
+        </p:spPr>
+      </p:pic>
+    </p:spTree>
+    <p:extLst>
+      <p:ext uri="{BB962C8B-B14F-4D97-AF65-F5344CB8AC3E}">
+        <p14:creationId xmlns:p14="http://schemas.microsoft.com/office/powerpoint/2010/main" val="3061122883"/>
+      </p:ext>
+    </p:extLst>
+  </p:cSld>
+  <p:clrMapOvr>
+    <a:masterClrMapping/>
+  </p:clrMapOvr>
+</p:sld>
+</file>
+
+<file path=ppt/slides/slide14.xml><?xml version="1.0" encoding="utf-8"?>
+<p:sld xmlns:a="http://schemas.openxmlformats.org/drawingml/2006/main" xmlns:r="http://schemas.openxmlformats.org/officeDocument/2006/relationships" xmlns:p="http://schemas.openxmlformats.org/presentationml/2006/main">
+  <p:cSld>
+    <p:spTree>
+      <p:nvGrpSpPr>
+        <p:cNvPr id="1" name=""/>
+        <p:cNvGrpSpPr/>
+        <p:nvPr/>
+      </p:nvGrpSpPr>
+      <p:grpSpPr>
+        <a:xfrm>
+          <a:off x="0" y="0"/>
+          <a:ext cx="0" cy="0"/>
+          <a:chOff x="0" y="0"/>
+          <a:chExt cx="0" cy="0"/>
+        </a:xfrm>
+      </p:grpSpPr>
+      <p:sp>
+        <p:nvSpPr>
+          <p:cNvPr id="5" name="제목 4"/>
+          <p:cNvSpPr>
+            <a:spLocks noGrp="1"/>
+          </p:cNvSpPr>
+          <p:nvPr>
+            <p:ph type="title"/>
+          </p:nvPr>
+        </p:nvSpPr>
+        <p:spPr>
+          <a:xfrm>
+            <a:off x="608012" y="539949"/>
+            <a:ext cx="10944225" cy="1140090"/>
+          </a:xfrm>
+        </p:spPr>
+        <p:txBody>
+          <a:bodyPr>
+            <a:normAutofit/>
+          </a:bodyPr>
+          <a:lstStyle/>
+          <a:p>
+            <a:pPr algn="l"/>
+            <a:r>
+              <a:rPr lang="en-US" altLang="ko-KR" sz="4400" dirty="0">
+                <a:solidFill>
+                  <a:schemeClr val="tx1">
+                    <a:lumMod val="75000"/>
+                    <a:lumOff val="25000"/>
+                  </a:schemeClr>
+                </a:solidFill>
+                <a:latin typeface="Noto Sans CJK KR Black" pitchFamily="34" charset="-127"/>
+                <a:ea typeface="Noto Sans CJK KR Black" pitchFamily="34" charset="-127"/>
+              </a:rPr>
+              <a:t>4. </a:t>
+            </a:r>
+            <a:r>
+              <a:rPr lang="ko-KR" altLang="en-US" sz="4400" dirty="0">
+                <a:solidFill>
+                  <a:schemeClr val="tx1">
+                    <a:lumMod val="75000"/>
+                    <a:lumOff val="25000"/>
+                  </a:schemeClr>
+                </a:solidFill>
+                <a:latin typeface="Noto Sans CJK KR Black" pitchFamily="34" charset="-127"/>
+                <a:ea typeface="Noto Sans CJK KR Black" pitchFamily="34" charset="-127"/>
+              </a:rPr>
+              <a:t>시계열 분석</a:t>
+            </a:r>
+            <a:endParaRPr lang="ko-KR" altLang="en-US" sz="4400" dirty="0">
+              <a:solidFill>
+                <a:schemeClr val="tx1">
+                  <a:lumMod val="75000"/>
+                  <a:lumOff val="25000"/>
+                </a:schemeClr>
+              </a:solidFill>
+            </a:endParaRPr>
+          </a:p>
+        </p:txBody>
+      </p:sp>
+      <p:sp>
+        <p:nvSpPr>
+          <p:cNvPr id="3" name="슬라이드 번호 개체 틀 2"/>
+          <p:cNvSpPr>
+            <a:spLocks noGrp="1"/>
+          </p:cNvSpPr>
+          <p:nvPr>
+            <p:ph type="sldNum" sz="quarter" idx="12"/>
+          </p:nvPr>
+        </p:nvSpPr>
+        <p:spPr/>
+        <p:txBody>
+          <a:bodyPr/>
+          <a:lstStyle/>
+          <a:p>
+            <a:fld id="{6DDAE2C3-1A0B-474A-8CE8-AE55B8D9D4B1}" type="slidenum">
+              <a:rPr lang="ko-KR" altLang="en-US" smtClean="0"/>
+              <a:pPr/>
+              <a:t>14</a:t>
+            </a:fld>
+            <a:endParaRPr lang="ko-KR" altLang="en-US" dirty="0"/>
+          </a:p>
+        </p:txBody>
+      </p:sp>
+      <p:pic>
+        <p:nvPicPr>
+          <p:cNvPr id="2" name="그림 1">
+            <a:extLst>
+              <a:ext uri="{FF2B5EF4-FFF2-40B4-BE49-F238E27FC236}">
+                <a16:creationId xmlns:a16="http://schemas.microsoft.com/office/drawing/2014/main" id="{EDB00A33-E6AE-42B4-8F68-3A531ABA67B9}"/>
+              </a:ext>
+            </a:extLst>
+          </p:cNvPr>
+          <p:cNvPicPr>
+            <a:picLocks noChangeAspect="1"/>
+          </p:cNvPicPr>
+          <p:nvPr/>
+        </p:nvPicPr>
+        <p:blipFill>
+          <a:blip r:embed="rId2"/>
+          <a:stretch>
+            <a:fillRect/>
+          </a:stretch>
+        </p:blipFill>
+        <p:spPr>
+          <a:xfrm>
+            <a:off x="2012949" y="1662329"/>
+            <a:ext cx="8134350" cy="5067300"/>
+          </a:xfrm>
+          <a:prstGeom prst="rect">
+            <a:avLst/>
+          </a:prstGeom>
+        </p:spPr>
+      </p:pic>
+    </p:spTree>
+    <p:extLst>
+      <p:ext uri="{BB962C8B-B14F-4D97-AF65-F5344CB8AC3E}">
+        <p14:creationId xmlns:p14="http://schemas.microsoft.com/office/powerpoint/2010/main" val="1316906789"/>
+      </p:ext>
+    </p:extLst>
+  </p:cSld>
+  <p:clrMapOvr>
+    <a:masterClrMapping/>
+  </p:clrMapOvr>
+</p:sld>
+</file>
+
+<file path=ppt/slides/slide15.xml><?xml version="1.0" encoding="utf-8"?>
+<p:sld xmlns:a="http://schemas.openxmlformats.org/drawingml/2006/main" xmlns:r="http://schemas.openxmlformats.org/officeDocument/2006/relationships" xmlns:p="http://schemas.openxmlformats.org/presentationml/2006/main">
+  <p:cSld>
+    <p:spTree>
+      <p:nvGrpSpPr>
+        <p:cNvPr id="1" name=""/>
+        <p:cNvGrpSpPr/>
+        <p:nvPr/>
+      </p:nvGrpSpPr>
+      <p:grpSpPr>
+        <a:xfrm>
+          <a:off x="0" y="0"/>
+          <a:ext cx="0" cy="0"/>
+          <a:chOff x="0" y="0"/>
+          <a:chExt cx="0" cy="0"/>
+        </a:xfrm>
+      </p:grpSpPr>
+      <p:sp>
+        <p:nvSpPr>
+          <p:cNvPr id="5" name="제목 4"/>
+          <p:cNvSpPr>
+            <a:spLocks noGrp="1"/>
+          </p:cNvSpPr>
+          <p:nvPr>
+            <p:ph type="title"/>
+          </p:nvPr>
+        </p:nvSpPr>
+        <p:spPr>
+          <a:xfrm>
+            <a:off x="608012" y="539949"/>
+            <a:ext cx="10944225" cy="1140090"/>
+          </a:xfrm>
+        </p:spPr>
+        <p:txBody>
+          <a:bodyPr>
+            <a:normAutofit/>
+          </a:bodyPr>
+          <a:lstStyle/>
+          <a:p>
+            <a:pPr algn="l"/>
+            <a:r>
+              <a:rPr lang="en-US" altLang="ko-KR" sz="4400" dirty="0">
+                <a:solidFill>
+                  <a:schemeClr val="tx1">
+                    <a:lumMod val="75000"/>
+                    <a:lumOff val="25000"/>
+                  </a:schemeClr>
+                </a:solidFill>
+                <a:latin typeface="Noto Sans CJK KR Black" pitchFamily="34" charset="-127"/>
+                <a:ea typeface="Noto Sans CJK KR Black" pitchFamily="34" charset="-127"/>
+              </a:rPr>
+              <a:t>4. </a:t>
+            </a:r>
+            <a:r>
+              <a:rPr lang="ko-KR" altLang="en-US" sz="4400" dirty="0">
+                <a:solidFill>
+                  <a:schemeClr val="tx1">
+                    <a:lumMod val="75000"/>
+                    <a:lumOff val="25000"/>
+                  </a:schemeClr>
+                </a:solidFill>
+                <a:latin typeface="Noto Sans CJK KR Black" pitchFamily="34" charset="-127"/>
+                <a:ea typeface="Noto Sans CJK KR Black" pitchFamily="34" charset="-127"/>
+              </a:rPr>
+              <a:t>시계열 분석</a:t>
+            </a:r>
+            <a:endParaRPr lang="ko-KR" altLang="en-US" sz="4400" dirty="0">
+              <a:solidFill>
+                <a:schemeClr val="tx1">
+                  <a:lumMod val="75000"/>
+                  <a:lumOff val="25000"/>
+                </a:schemeClr>
+              </a:solidFill>
+            </a:endParaRPr>
+          </a:p>
+        </p:txBody>
+      </p:sp>
+      <p:sp>
+        <p:nvSpPr>
+          <p:cNvPr id="3" name="슬라이드 번호 개체 틀 2"/>
+          <p:cNvSpPr>
+            <a:spLocks noGrp="1"/>
+          </p:cNvSpPr>
+          <p:nvPr>
+            <p:ph type="sldNum" sz="quarter" idx="12"/>
+          </p:nvPr>
+        </p:nvSpPr>
+        <p:spPr/>
+        <p:txBody>
+          <a:bodyPr/>
+          <a:lstStyle/>
+          <a:p>
+            <a:fld id="{6DDAE2C3-1A0B-474A-8CE8-AE55B8D9D4B1}" type="slidenum">
+              <a:rPr lang="ko-KR" altLang="en-US" smtClean="0"/>
+              <a:pPr/>
+              <a:t>15</a:t>
+            </a:fld>
+            <a:endParaRPr lang="ko-KR" altLang="en-US" dirty="0"/>
+          </a:p>
+        </p:txBody>
+      </p:sp>
+      <p:pic>
+        <p:nvPicPr>
+          <p:cNvPr id="2" name="그림 1">
+            <a:extLst>
+              <a:ext uri="{FF2B5EF4-FFF2-40B4-BE49-F238E27FC236}">
+                <a16:creationId xmlns:a16="http://schemas.microsoft.com/office/drawing/2014/main" id="{E2885BFB-3005-4C7E-B401-182E6E62D384}"/>
+              </a:ext>
+            </a:extLst>
+          </p:cNvPr>
+          <p:cNvPicPr>
+            <a:picLocks noChangeAspect="1"/>
+          </p:cNvPicPr>
+          <p:nvPr/>
+        </p:nvPicPr>
+        <p:blipFill>
+          <a:blip r:embed="rId2"/>
+          <a:stretch>
+            <a:fillRect/>
+          </a:stretch>
+        </p:blipFill>
+        <p:spPr>
+          <a:xfrm>
+            <a:off x="2179636" y="1392238"/>
+            <a:ext cx="7800975" cy="5448300"/>
+          </a:xfrm>
+          <a:prstGeom prst="rect">
+            <a:avLst/>
+          </a:prstGeom>
+        </p:spPr>
+      </p:pic>
+    </p:spTree>
+    <p:extLst>
+      <p:ext uri="{BB962C8B-B14F-4D97-AF65-F5344CB8AC3E}">
+        <p14:creationId xmlns:p14="http://schemas.microsoft.com/office/powerpoint/2010/main" val="1916119711"/>
+      </p:ext>
+    </p:extLst>
+  </p:cSld>
+  <p:clrMapOvr>
+    <a:masterClrMapping/>
+  </p:clrMapOvr>
+</p:sld>
+</file>
+
+<file path=ppt/slides/slide16.xml><?xml version="1.0" encoding="utf-8"?>
+<p:sld xmlns:a="http://schemas.openxmlformats.org/drawingml/2006/main" xmlns:r="http://schemas.openxmlformats.org/officeDocument/2006/relationships" xmlns:p="http://schemas.openxmlformats.org/presentationml/2006/main">
+  <p:cSld>
+    <p:spTree>
+      <p:nvGrpSpPr>
+        <p:cNvPr id="1" name=""/>
+        <p:cNvGrpSpPr/>
+        <p:nvPr/>
+      </p:nvGrpSpPr>
+      <p:grpSpPr>
+        <a:xfrm>
+          <a:off x="0" y="0"/>
+          <a:ext cx="0" cy="0"/>
+          <a:chOff x="0" y="0"/>
+          <a:chExt cx="0" cy="0"/>
+        </a:xfrm>
+      </p:grpSpPr>
+      <p:sp>
+        <p:nvSpPr>
+          <p:cNvPr id="5" name="제목 4"/>
+          <p:cNvSpPr>
+            <a:spLocks noGrp="1"/>
+          </p:cNvSpPr>
+          <p:nvPr>
+            <p:ph type="title"/>
+          </p:nvPr>
+        </p:nvSpPr>
+        <p:spPr>
+          <a:xfrm>
+            <a:off x="608012" y="539949"/>
+            <a:ext cx="10944225" cy="1140090"/>
+          </a:xfrm>
+        </p:spPr>
+        <p:txBody>
+          <a:bodyPr>
+            <a:normAutofit/>
+          </a:bodyPr>
+          <a:lstStyle/>
+          <a:p>
+            <a:pPr algn="l"/>
+            <a:r>
+              <a:rPr lang="en-US" altLang="ko-KR" sz="4400" dirty="0">
+                <a:solidFill>
+                  <a:schemeClr val="tx1">
+                    <a:lumMod val="75000"/>
+                    <a:lumOff val="25000"/>
+                  </a:schemeClr>
+                </a:solidFill>
+                <a:latin typeface="Noto Sans CJK KR Black" pitchFamily="34" charset="-127"/>
+                <a:ea typeface="Noto Sans CJK KR Black" pitchFamily="34" charset="-127"/>
+              </a:rPr>
+              <a:t>4. </a:t>
+            </a:r>
+            <a:r>
+              <a:rPr lang="ko-KR" altLang="en-US" sz="4400" dirty="0">
+                <a:solidFill>
+                  <a:schemeClr val="tx1">
+                    <a:lumMod val="75000"/>
+                    <a:lumOff val="25000"/>
+                  </a:schemeClr>
+                </a:solidFill>
+                <a:latin typeface="Noto Sans CJK KR Black" pitchFamily="34" charset="-127"/>
+                <a:ea typeface="Noto Sans CJK KR Black" pitchFamily="34" charset="-127"/>
+              </a:rPr>
+              <a:t>시계열 분석</a:t>
+            </a:r>
+            <a:endParaRPr lang="ko-KR" altLang="en-US" sz="4400" dirty="0">
+              <a:solidFill>
+                <a:schemeClr val="tx1">
+                  <a:lumMod val="75000"/>
+                  <a:lumOff val="25000"/>
+                </a:schemeClr>
+              </a:solidFill>
+            </a:endParaRPr>
+          </a:p>
+        </p:txBody>
+      </p:sp>
+      <p:sp>
+        <p:nvSpPr>
+          <p:cNvPr id="3" name="슬라이드 번호 개체 틀 2"/>
+          <p:cNvSpPr>
+            <a:spLocks noGrp="1"/>
+          </p:cNvSpPr>
+          <p:nvPr>
+            <p:ph type="sldNum" sz="quarter" idx="12"/>
+          </p:nvPr>
+        </p:nvSpPr>
+        <p:spPr/>
+        <p:txBody>
+          <a:bodyPr/>
+          <a:lstStyle/>
+          <a:p>
+            <a:fld id="{6DDAE2C3-1A0B-474A-8CE8-AE55B8D9D4B1}" type="slidenum">
+              <a:rPr lang="ko-KR" altLang="en-US" smtClean="0"/>
+              <a:pPr/>
+              <a:t>16</a:t>
+            </a:fld>
+            <a:endParaRPr lang="ko-KR" altLang="en-US" dirty="0"/>
+          </a:p>
+        </p:txBody>
+      </p:sp>
+      <p:pic>
+        <p:nvPicPr>
+          <p:cNvPr id="2" name="그림 1">
+            <a:extLst>
+              <a:ext uri="{FF2B5EF4-FFF2-40B4-BE49-F238E27FC236}">
                 <a16:creationId xmlns:a16="http://schemas.microsoft.com/office/drawing/2014/main" id="{50FA562C-261B-4CEA-9591-2F5B18EBC9A1}"/>
               </a:ext>
             </a:extLst>
@@ -4223,7 +5098,7 @@
 </p:sld>
 </file>
 
-<file path=ppt/slides/slide11.xml><?xml version="1.0" encoding="utf-8"?>
+<file path=ppt/slides/slide17.xml><?xml version="1.0" encoding="utf-8"?>
 <p:sld xmlns:a="http://schemas.openxmlformats.org/drawingml/2006/main" xmlns:r="http://schemas.openxmlformats.org/officeDocument/2006/relationships" xmlns:p="http://schemas.openxmlformats.org/presentationml/2006/main">
   <p:cSld>
     <p:spTree>
@@ -4343,7 +5218,7 @@
             <a:fld id="{6DDAE2C3-1A0B-474A-8CE8-AE55B8D9D4B1}" type="slidenum">
               <a:rPr lang="ko-KR" altLang="en-US" smtClean="0"/>
               <a:pPr/>
-              <a:t>11</a:t>
+              <a:t>17</a:t>
             </a:fld>
             <a:endParaRPr lang="ko-KR" altLang="en-US" dirty="0"/>
           </a:p>
@@ -4392,970 +5267,6 @@
 </p:sld>
 </file>
 
-<file path=ppt/slides/slide12.xml><?xml version="1.0" encoding="utf-8"?>
-<p:sld xmlns:a="http://schemas.openxmlformats.org/drawingml/2006/main" xmlns:r="http://schemas.openxmlformats.org/officeDocument/2006/relationships" xmlns:p="http://schemas.openxmlformats.org/presentationml/2006/main">
-  <p:cSld>
-    <p:spTree>
-      <p:nvGrpSpPr>
-        <p:cNvPr id="1" name=""/>
-        <p:cNvGrpSpPr/>
-        <p:nvPr/>
-      </p:nvGrpSpPr>
-      <p:grpSpPr>
-        <a:xfrm>
-          <a:off x="0" y="0"/>
-          <a:ext cx="0" cy="0"/>
-          <a:chOff x="0" y="0"/>
-          <a:chExt cx="0" cy="0"/>
-        </a:xfrm>
-      </p:grpSpPr>
-      <p:sp>
-        <p:nvSpPr>
-          <p:cNvPr id="5" name="제목 4"/>
-          <p:cNvSpPr>
-            <a:spLocks noGrp="1"/>
-          </p:cNvSpPr>
-          <p:nvPr>
-            <p:ph type="title"/>
-          </p:nvPr>
-        </p:nvSpPr>
-        <p:spPr>
-          <a:xfrm>
-            <a:off x="608016" y="551987"/>
-            <a:ext cx="10944225" cy="1140090"/>
-          </a:xfrm>
-        </p:spPr>
-        <p:txBody>
-          <a:bodyPr>
-            <a:normAutofit/>
-          </a:bodyPr>
-          <a:lstStyle/>
-          <a:p>
-            <a:pPr algn="l"/>
-            <a:r>
-              <a:rPr lang="en-US" altLang="ko-KR" sz="4400" dirty="0">
-                <a:solidFill>
-                  <a:schemeClr val="tx1">
-                    <a:lumMod val="75000"/>
-                    <a:lumOff val="25000"/>
-                  </a:schemeClr>
-                </a:solidFill>
-                <a:latin typeface="Noto Sans CJK KR Black" pitchFamily="34" charset="-127"/>
-                <a:ea typeface="Noto Sans CJK KR Black" pitchFamily="34" charset="-127"/>
-              </a:rPr>
-              <a:t>1. </a:t>
-            </a:r>
-            <a:r>
-              <a:rPr lang="ko-KR" altLang="en-US" sz="4400" dirty="0">
-                <a:solidFill>
-                  <a:schemeClr val="tx1">
-                    <a:lumMod val="75000"/>
-                    <a:lumOff val="25000"/>
-                  </a:schemeClr>
-                </a:solidFill>
-                <a:latin typeface="Noto Sans CJK KR Black" pitchFamily="34" charset="-127"/>
-                <a:ea typeface="Noto Sans CJK KR Black" pitchFamily="34" charset="-127"/>
-              </a:rPr>
-              <a:t>기계학습 알고리즘</a:t>
-            </a:r>
-            <a:endParaRPr lang="ko-KR" altLang="en-US" sz="4400" dirty="0">
-              <a:solidFill>
-                <a:schemeClr val="tx1">
-                  <a:lumMod val="75000"/>
-                  <a:lumOff val="25000"/>
-                </a:schemeClr>
-              </a:solidFill>
-            </a:endParaRPr>
-          </a:p>
-        </p:txBody>
-      </p:sp>
-      <p:sp>
-        <p:nvSpPr>
-          <p:cNvPr id="3" name="슬라이드 번호 개체 틀 2"/>
-          <p:cNvSpPr>
-            <a:spLocks noGrp="1"/>
-          </p:cNvSpPr>
-          <p:nvPr>
-            <p:ph type="sldNum" sz="quarter" idx="12"/>
-          </p:nvPr>
-        </p:nvSpPr>
-        <p:spPr/>
-        <p:txBody>
-          <a:bodyPr/>
-          <a:lstStyle/>
-          <a:p>
-            <a:fld id="{6DDAE2C3-1A0B-474A-8CE8-AE55B8D9D4B1}" type="slidenum">
-              <a:rPr lang="ko-KR" altLang="en-US" smtClean="0"/>
-              <a:pPr/>
-              <a:t>12</a:t>
-            </a:fld>
-            <a:endParaRPr lang="ko-KR" altLang="en-US" dirty="0"/>
-          </a:p>
-        </p:txBody>
-      </p:sp>
-      <p:pic>
-        <p:nvPicPr>
-          <p:cNvPr id="4" name="그림 3">
-            <a:extLst>
-              <a:ext uri="{FF2B5EF4-FFF2-40B4-BE49-F238E27FC236}">
-                <a16:creationId xmlns:a16="http://schemas.microsoft.com/office/drawing/2014/main" id="{09249471-4BC7-4876-95C7-AFB6CCF0382C}"/>
-              </a:ext>
-            </a:extLst>
-          </p:cNvPr>
-          <p:cNvPicPr>
-            <a:picLocks noChangeAspect="1"/>
-          </p:cNvPicPr>
-          <p:nvPr/>
-        </p:nvPicPr>
-        <p:blipFill>
-          <a:blip r:embed="rId2"/>
-          <a:stretch>
-            <a:fillRect/>
-          </a:stretch>
-        </p:blipFill>
-        <p:spPr>
-          <a:xfrm>
-            <a:off x="1746250" y="1666990"/>
-            <a:ext cx="8667750" cy="5000625"/>
-          </a:xfrm>
-          <a:prstGeom prst="rect">
-            <a:avLst/>
-          </a:prstGeom>
-        </p:spPr>
-      </p:pic>
-    </p:spTree>
-    <p:extLst>
-      <p:ext uri="{BB962C8B-B14F-4D97-AF65-F5344CB8AC3E}">
-        <p14:creationId xmlns:p14="http://schemas.microsoft.com/office/powerpoint/2010/main" val="203672146"/>
-      </p:ext>
-    </p:extLst>
-  </p:cSld>
-  <p:clrMapOvr>
-    <a:masterClrMapping/>
-  </p:clrMapOvr>
-</p:sld>
-</file>
-
-<file path=ppt/slides/slide13.xml><?xml version="1.0" encoding="utf-8"?>
-<p:sld xmlns:a="http://schemas.openxmlformats.org/drawingml/2006/main" xmlns:r="http://schemas.openxmlformats.org/officeDocument/2006/relationships" xmlns:p="http://schemas.openxmlformats.org/presentationml/2006/main">
-  <p:cSld>
-    <p:spTree>
-      <p:nvGrpSpPr>
-        <p:cNvPr id="1" name=""/>
-        <p:cNvGrpSpPr/>
-        <p:nvPr/>
-      </p:nvGrpSpPr>
-      <p:grpSpPr>
-        <a:xfrm>
-          <a:off x="0" y="0"/>
-          <a:ext cx="0" cy="0"/>
-          <a:chOff x="0" y="0"/>
-          <a:chExt cx="0" cy="0"/>
-        </a:xfrm>
-      </p:grpSpPr>
-      <p:sp>
-        <p:nvSpPr>
-          <p:cNvPr id="5" name="제목 4"/>
-          <p:cNvSpPr>
-            <a:spLocks noGrp="1"/>
-          </p:cNvSpPr>
-          <p:nvPr>
-            <p:ph type="title"/>
-          </p:nvPr>
-        </p:nvSpPr>
-        <p:spPr>
-          <a:xfrm>
-            <a:off x="608016" y="551987"/>
-            <a:ext cx="10944225" cy="1140090"/>
-          </a:xfrm>
-        </p:spPr>
-        <p:txBody>
-          <a:bodyPr>
-            <a:normAutofit fontScale="90000"/>
-          </a:bodyPr>
-          <a:lstStyle/>
-          <a:p>
-            <a:pPr algn="l"/>
-            <a:r>
-              <a:rPr lang="en-US" altLang="ko-KR" sz="4400" dirty="0">
-                <a:solidFill>
-                  <a:schemeClr val="tx1">
-                    <a:lumMod val="75000"/>
-                    <a:lumOff val="25000"/>
-                  </a:schemeClr>
-                </a:solidFill>
-                <a:latin typeface="Noto Sans CJK KR Black" pitchFamily="34" charset="-127"/>
-                <a:ea typeface="Noto Sans CJK KR Black" pitchFamily="34" charset="-127"/>
-              </a:rPr>
-              <a:t>1. </a:t>
-            </a:r>
-            <a:r>
-              <a:rPr lang="ko-KR" altLang="en-US" sz="4400" dirty="0">
-                <a:solidFill>
-                  <a:schemeClr val="tx1">
-                    <a:lumMod val="75000"/>
-                    <a:lumOff val="25000"/>
-                  </a:schemeClr>
-                </a:solidFill>
-                <a:latin typeface="Noto Sans CJK KR Black" pitchFamily="34" charset="-127"/>
-                <a:ea typeface="Noto Sans CJK KR Black" pitchFamily="34" charset="-127"/>
-              </a:rPr>
-              <a:t>기계학습 </a:t>
-            </a:r>
-            <a:br>
-              <a:rPr lang="en-US" altLang="ko-KR" sz="4400" dirty="0">
-                <a:solidFill>
-                  <a:schemeClr val="tx1">
-                    <a:lumMod val="75000"/>
-                    <a:lumOff val="25000"/>
-                  </a:schemeClr>
-                </a:solidFill>
-                <a:latin typeface="Noto Sans CJK KR Black" pitchFamily="34" charset="-127"/>
-                <a:ea typeface="Noto Sans CJK KR Black" pitchFamily="34" charset="-127"/>
-              </a:rPr>
-            </a:br>
-            <a:r>
-              <a:rPr lang="ko-KR" altLang="en-US" sz="4400" dirty="0">
-                <a:solidFill>
-                  <a:schemeClr val="tx1">
-                    <a:lumMod val="75000"/>
-                    <a:lumOff val="25000"/>
-                  </a:schemeClr>
-                </a:solidFill>
-                <a:latin typeface="Noto Sans CJK KR Black" pitchFamily="34" charset="-127"/>
-                <a:ea typeface="Noto Sans CJK KR Black" pitchFamily="34" charset="-127"/>
-              </a:rPr>
-              <a:t>알고리즘</a:t>
-            </a:r>
-            <a:endParaRPr lang="ko-KR" altLang="en-US" sz="4400" dirty="0">
-              <a:solidFill>
-                <a:schemeClr val="tx1">
-                  <a:lumMod val="75000"/>
-                  <a:lumOff val="25000"/>
-                </a:schemeClr>
-              </a:solidFill>
-            </a:endParaRPr>
-          </a:p>
-        </p:txBody>
-      </p:sp>
-      <p:sp>
-        <p:nvSpPr>
-          <p:cNvPr id="3" name="슬라이드 번호 개체 틀 2"/>
-          <p:cNvSpPr>
-            <a:spLocks noGrp="1"/>
-          </p:cNvSpPr>
-          <p:nvPr>
-            <p:ph type="sldNum" sz="quarter" idx="12"/>
-          </p:nvPr>
-        </p:nvSpPr>
-        <p:spPr/>
-        <p:txBody>
-          <a:bodyPr/>
-          <a:lstStyle/>
-          <a:p>
-            <a:fld id="{6DDAE2C3-1A0B-474A-8CE8-AE55B8D9D4B1}" type="slidenum">
-              <a:rPr lang="ko-KR" altLang="en-US" smtClean="0"/>
-              <a:pPr/>
-              <a:t>13</a:t>
-            </a:fld>
-            <a:endParaRPr lang="ko-KR" altLang="en-US" dirty="0"/>
-          </a:p>
-        </p:txBody>
-      </p:sp>
-      <p:pic>
-        <p:nvPicPr>
-          <p:cNvPr id="2" name="그림 1">
-            <a:extLst>
-              <a:ext uri="{FF2B5EF4-FFF2-40B4-BE49-F238E27FC236}">
-                <a16:creationId xmlns:a16="http://schemas.microsoft.com/office/drawing/2014/main" id="{E4D3435D-FD4B-48CE-9553-303962CF0C4E}"/>
-              </a:ext>
-            </a:extLst>
-          </p:cNvPr>
-          <p:cNvPicPr>
-            <a:picLocks noChangeAspect="1"/>
-          </p:cNvPicPr>
-          <p:nvPr/>
-        </p:nvPicPr>
-        <p:blipFill>
-          <a:blip r:embed="rId2"/>
-          <a:stretch>
-            <a:fillRect/>
-          </a:stretch>
-        </p:blipFill>
-        <p:spPr>
-          <a:xfrm>
-            <a:off x="4063901" y="484894"/>
-            <a:ext cx="7572375" cy="5895975"/>
-          </a:xfrm>
-          <a:prstGeom prst="rect">
-            <a:avLst/>
-          </a:prstGeom>
-        </p:spPr>
-      </p:pic>
-    </p:spTree>
-    <p:extLst>
-      <p:ext uri="{BB962C8B-B14F-4D97-AF65-F5344CB8AC3E}">
-        <p14:creationId xmlns:p14="http://schemas.microsoft.com/office/powerpoint/2010/main" val="2693577044"/>
-      </p:ext>
-    </p:extLst>
-  </p:cSld>
-  <p:clrMapOvr>
-    <a:masterClrMapping/>
-  </p:clrMapOvr>
-</p:sld>
-</file>
-
-<file path=ppt/slides/slide14.xml><?xml version="1.0" encoding="utf-8"?>
-<p:sld xmlns:a="http://schemas.openxmlformats.org/drawingml/2006/main" xmlns:r="http://schemas.openxmlformats.org/officeDocument/2006/relationships" xmlns:p="http://schemas.openxmlformats.org/presentationml/2006/main">
-  <p:cSld>
-    <p:spTree>
-      <p:nvGrpSpPr>
-        <p:cNvPr id="1" name=""/>
-        <p:cNvGrpSpPr/>
-        <p:nvPr/>
-      </p:nvGrpSpPr>
-      <p:grpSpPr>
-        <a:xfrm>
-          <a:off x="0" y="0"/>
-          <a:ext cx="0" cy="0"/>
-          <a:chOff x="0" y="0"/>
-          <a:chExt cx="0" cy="0"/>
-        </a:xfrm>
-      </p:grpSpPr>
-      <p:sp>
-        <p:nvSpPr>
-          <p:cNvPr id="5" name="제목 4"/>
-          <p:cNvSpPr>
-            <a:spLocks noGrp="1"/>
-          </p:cNvSpPr>
-          <p:nvPr>
-            <p:ph type="title"/>
-          </p:nvPr>
-        </p:nvSpPr>
-        <p:spPr>
-          <a:xfrm>
-            <a:off x="608016" y="551987"/>
-            <a:ext cx="10944225" cy="1140090"/>
-          </a:xfrm>
-        </p:spPr>
-        <p:txBody>
-          <a:bodyPr>
-            <a:normAutofit fontScale="90000"/>
-          </a:bodyPr>
-          <a:lstStyle/>
-          <a:p>
-            <a:pPr algn="l"/>
-            <a:r>
-              <a:rPr lang="en-US" altLang="ko-KR" sz="4400" dirty="0">
-                <a:solidFill>
-                  <a:schemeClr val="tx1">
-                    <a:lumMod val="75000"/>
-                    <a:lumOff val="25000"/>
-                  </a:schemeClr>
-                </a:solidFill>
-                <a:latin typeface="Noto Sans CJK KR Black" pitchFamily="34" charset="-127"/>
-                <a:ea typeface="Noto Sans CJK KR Black" pitchFamily="34" charset="-127"/>
-              </a:rPr>
-              <a:t>1. </a:t>
-            </a:r>
-            <a:r>
-              <a:rPr lang="ko-KR" altLang="en-US" sz="4400" dirty="0">
-                <a:solidFill>
-                  <a:schemeClr val="tx1">
-                    <a:lumMod val="75000"/>
-                    <a:lumOff val="25000"/>
-                  </a:schemeClr>
-                </a:solidFill>
-                <a:latin typeface="Noto Sans CJK KR Black" pitchFamily="34" charset="-127"/>
-                <a:ea typeface="Noto Sans CJK KR Black" pitchFamily="34" charset="-127"/>
-              </a:rPr>
-              <a:t>기계학습 </a:t>
-            </a:r>
-            <a:br>
-              <a:rPr lang="en-US" altLang="ko-KR" sz="4400" dirty="0">
-                <a:solidFill>
-                  <a:schemeClr val="tx1">
-                    <a:lumMod val="75000"/>
-                    <a:lumOff val="25000"/>
-                  </a:schemeClr>
-                </a:solidFill>
-                <a:latin typeface="Noto Sans CJK KR Black" pitchFamily="34" charset="-127"/>
-                <a:ea typeface="Noto Sans CJK KR Black" pitchFamily="34" charset="-127"/>
-              </a:rPr>
-            </a:br>
-            <a:r>
-              <a:rPr lang="ko-KR" altLang="en-US" sz="4400" dirty="0">
-                <a:solidFill>
-                  <a:schemeClr val="tx1">
-                    <a:lumMod val="75000"/>
-                    <a:lumOff val="25000"/>
-                  </a:schemeClr>
-                </a:solidFill>
-                <a:latin typeface="Noto Sans CJK KR Black" pitchFamily="34" charset="-127"/>
-                <a:ea typeface="Noto Sans CJK KR Black" pitchFamily="34" charset="-127"/>
-              </a:rPr>
-              <a:t>알고리즘</a:t>
-            </a:r>
-            <a:endParaRPr lang="ko-KR" altLang="en-US" sz="4400" dirty="0">
-              <a:solidFill>
-                <a:schemeClr val="tx1">
-                  <a:lumMod val="75000"/>
-                  <a:lumOff val="25000"/>
-                </a:schemeClr>
-              </a:solidFill>
-            </a:endParaRPr>
-          </a:p>
-        </p:txBody>
-      </p:sp>
-      <p:sp>
-        <p:nvSpPr>
-          <p:cNvPr id="3" name="슬라이드 번호 개체 틀 2"/>
-          <p:cNvSpPr>
-            <a:spLocks noGrp="1"/>
-          </p:cNvSpPr>
-          <p:nvPr>
-            <p:ph type="sldNum" sz="quarter" idx="12"/>
-          </p:nvPr>
-        </p:nvSpPr>
-        <p:spPr/>
-        <p:txBody>
-          <a:bodyPr/>
-          <a:lstStyle/>
-          <a:p>
-            <a:fld id="{6DDAE2C3-1A0B-474A-8CE8-AE55B8D9D4B1}" type="slidenum">
-              <a:rPr lang="ko-KR" altLang="en-US" smtClean="0"/>
-              <a:pPr/>
-              <a:t>14</a:t>
-            </a:fld>
-            <a:endParaRPr lang="ko-KR" altLang="en-US" dirty="0"/>
-          </a:p>
-        </p:txBody>
-      </p:sp>
-      <p:pic>
-        <p:nvPicPr>
-          <p:cNvPr id="2" name="그림 1">
-            <a:extLst>
-              <a:ext uri="{FF2B5EF4-FFF2-40B4-BE49-F238E27FC236}">
-                <a16:creationId xmlns:a16="http://schemas.microsoft.com/office/drawing/2014/main" id="{8EEB68CE-E61E-417C-A750-AFCFFEE46BD2}"/>
-              </a:ext>
-            </a:extLst>
-          </p:cNvPr>
-          <p:cNvPicPr>
-            <a:picLocks noChangeAspect="1"/>
-          </p:cNvPicPr>
-          <p:nvPr/>
-        </p:nvPicPr>
-        <p:blipFill>
-          <a:blip r:embed="rId2"/>
-          <a:stretch>
-            <a:fillRect/>
-          </a:stretch>
-        </p:blipFill>
-        <p:spPr>
-          <a:xfrm>
-            <a:off x="4135909" y="267494"/>
-            <a:ext cx="6886575" cy="6305550"/>
-          </a:xfrm>
-          <a:prstGeom prst="rect">
-            <a:avLst/>
-          </a:prstGeom>
-        </p:spPr>
-      </p:pic>
-    </p:spTree>
-    <p:extLst>
-      <p:ext uri="{BB962C8B-B14F-4D97-AF65-F5344CB8AC3E}">
-        <p14:creationId xmlns:p14="http://schemas.microsoft.com/office/powerpoint/2010/main" val="936272146"/>
-      </p:ext>
-    </p:extLst>
-  </p:cSld>
-  <p:clrMapOvr>
-    <a:masterClrMapping/>
-  </p:clrMapOvr>
-</p:sld>
-</file>
-
-<file path=ppt/slides/slide15.xml><?xml version="1.0" encoding="utf-8"?>
-<p:sld xmlns:a="http://schemas.openxmlformats.org/drawingml/2006/main" xmlns:r="http://schemas.openxmlformats.org/officeDocument/2006/relationships" xmlns:p="http://schemas.openxmlformats.org/presentationml/2006/main">
-  <p:cSld>
-    <p:spTree>
-      <p:nvGrpSpPr>
-        <p:cNvPr id="1" name=""/>
-        <p:cNvGrpSpPr/>
-        <p:nvPr/>
-      </p:nvGrpSpPr>
-      <p:grpSpPr>
-        <a:xfrm>
-          <a:off x="0" y="0"/>
-          <a:ext cx="0" cy="0"/>
-          <a:chOff x="0" y="0"/>
-          <a:chExt cx="0" cy="0"/>
-        </a:xfrm>
-      </p:grpSpPr>
-      <p:sp>
-        <p:nvSpPr>
-          <p:cNvPr id="5" name="제목 4"/>
-          <p:cNvSpPr>
-            <a:spLocks noGrp="1"/>
-          </p:cNvSpPr>
-          <p:nvPr>
-            <p:ph type="title"/>
-          </p:nvPr>
-        </p:nvSpPr>
-        <p:spPr>
-          <a:xfrm>
-            <a:off x="608016" y="551987"/>
-            <a:ext cx="10944225" cy="1140090"/>
-          </a:xfrm>
-        </p:spPr>
-        <p:txBody>
-          <a:bodyPr>
-            <a:normAutofit fontScale="90000"/>
-          </a:bodyPr>
-          <a:lstStyle/>
-          <a:p>
-            <a:pPr algn="l"/>
-            <a:r>
-              <a:rPr lang="en-US" altLang="ko-KR" sz="4400" dirty="0">
-                <a:solidFill>
-                  <a:schemeClr val="tx1">
-                    <a:lumMod val="75000"/>
-                    <a:lumOff val="25000"/>
-                  </a:schemeClr>
-                </a:solidFill>
-                <a:latin typeface="Noto Sans CJK KR Black" pitchFamily="34" charset="-127"/>
-                <a:ea typeface="Noto Sans CJK KR Black" pitchFamily="34" charset="-127"/>
-              </a:rPr>
-              <a:t>1. </a:t>
-            </a:r>
-            <a:r>
-              <a:rPr lang="ko-KR" altLang="en-US" sz="4400" dirty="0">
-                <a:solidFill>
-                  <a:schemeClr val="tx1">
-                    <a:lumMod val="75000"/>
-                    <a:lumOff val="25000"/>
-                  </a:schemeClr>
-                </a:solidFill>
-                <a:latin typeface="Noto Sans CJK KR Black" pitchFamily="34" charset="-127"/>
-                <a:ea typeface="Noto Sans CJK KR Black" pitchFamily="34" charset="-127"/>
-              </a:rPr>
-              <a:t>기계학습 </a:t>
-            </a:r>
-            <a:br>
-              <a:rPr lang="en-US" altLang="ko-KR" sz="4400" dirty="0">
-                <a:solidFill>
-                  <a:schemeClr val="tx1">
-                    <a:lumMod val="75000"/>
-                    <a:lumOff val="25000"/>
-                  </a:schemeClr>
-                </a:solidFill>
-                <a:latin typeface="Noto Sans CJK KR Black" pitchFamily="34" charset="-127"/>
-                <a:ea typeface="Noto Sans CJK KR Black" pitchFamily="34" charset="-127"/>
-              </a:rPr>
-            </a:br>
-            <a:r>
-              <a:rPr lang="ko-KR" altLang="en-US" sz="4400" dirty="0">
-                <a:solidFill>
-                  <a:schemeClr val="tx1">
-                    <a:lumMod val="75000"/>
-                    <a:lumOff val="25000"/>
-                  </a:schemeClr>
-                </a:solidFill>
-                <a:latin typeface="Noto Sans CJK KR Black" pitchFamily="34" charset="-127"/>
-                <a:ea typeface="Noto Sans CJK KR Black" pitchFamily="34" charset="-127"/>
-              </a:rPr>
-              <a:t>알고리즘</a:t>
-            </a:r>
-            <a:endParaRPr lang="ko-KR" altLang="en-US" sz="4400" dirty="0">
-              <a:solidFill>
-                <a:schemeClr val="tx1">
-                  <a:lumMod val="75000"/>
-                  <a:lumOff val="25000"/>
-                </a:schemeClr>
-              </a:solidFill>
-            </a:endParaRPr>
-          </a:p>
-        </p:txBody>
-      </p:sp>
-      <p:sp>
-        <p:nvSpPr>
-          <p:cNvPr id="3" name="슬라이드 번호 개체 틀 2"/>
-          <p:cNvSpPr>
-            <a:spLocks noGrp="1"/>
-          </p:cNvSpPr>
-          <p:nvPr>
-            <p:ph type="sldNum" sz="quarter" idx="12"/>
-          </p:nvPr>
-        </p:nvSpPr>
-        <p:spPr/>
-        <p:txBody>
-          <a:bodyPr/>
-          <a:lstStyle/>
-          <a:p>
-            <a:fld id="{6DDAE2C3-1A0B-474A-8CE8-AE55B8D9D4B1}" type="slidenum">
-              <a:rPr lang="ko-KR" altLang="en-US" smtClean="0"/>
-              <a:pPr/>
-              <a:t>15</a:t>
-            </a:fld>
-            <a:endParaRPr lang="ko-KR" altLang="en-US" dirty="0"/>
-          </a:p>
-        </p:txBody>
-      </p:sp>
-      <p:pic>
-        <p:nvPicPr>
-          <p:cNvPr id="4" name="그림 3">
-            <a:extLst>
-              <a:ext uri="{FF2B5EF4-FFF2-40B4-BE49-F238E27FC236}">
-                <a16:creationId xmlns:a16="http://schemas.microsoft.com/office/drawing/2014/main" id="{6895CB8E-8C14-4E0D-AD86-D155C7214376}"/>
-              </a:ext>
-            </a:extLst>
-          </p:cNvPr>
-          <p:cNvPicPr>
-            <a:picLocks noChangeAspect="1"/>
-          </p:cNvPicPr>
-          <p:nvPr/>
-        </p:nvPicPr>
-        <p:blipFill>
-          <a:blip r:embed="rId2"/>
-          <a:stretch>
-            <a:fillRect/>
-          </a:stretch>
-        </p:blipFill>
-        <p:spPr>
-          <a:xfrm>
-            <a:off x="3114302" y="1287349"/>
-            <a:ext cx="8905875" cy="5505450"/>
-          </a:xfrm>
-          <a:prstGeom prst="rect">
-            <a:avLst/>
-          </a:prstGeom>
-        </p:spPr>
-      </p:pic>
-    </p:spTree>
-    <p:extLst>
-      <p:ext uri="{BB962C8B-B14F-4D97-AF65-F5344CB8AC3E}">
-        <p14:creationId xmlns:p14="http://schemas.microsoft.com/office/powerpoint/2010/main" val="1653717065"/>
-      </p:ext>
-    </p:extLst>
-  </p:cSld>
-  <p:clrMapOvr>
-    <a:masterClrMapping/>
-  </p:clrMapOvr>
-</p:sld>
-</file>
-
-<file path=ppt/slides/slide16.xml><?xml version="1.0" encoding="utf-8"?>
-<p:sld xmlns:a="http://schemas.openxmlformats.org/drawingml/2006/main" xmlns:r="http://schemas.openxmlformats.org/officeDocument/2006/relationships" xmlns:p="http://schemas.openxmlformats.org/presentationml/2006/main">
-  <p:cSld>
-    <p:spTree>
-      <p:nvGrpSpPr>
-        <p:cNvPr id="1" name=""/>
-        <p:cNvGrpSpPr/>
-        <p:nvPr/>
-      </p:nvGrpSpPr>
-      <p:grpSpPr>
-        <a:xfrm>
-          <a:off x="0" y="0"/>
-          <a:ext cx="0" cy="0"/>
-          <a:chOff x="0" y="0"/>
-          <a:chExt cx="0" cy="0"/>
-        </a:xfrm>
-      </p:grpSpPr>
-      <p:sp>
-        <p:nvSpPr>
-          <p:cNvPr id="5" name="제목 4"/>
-          <p:cNvSpPr>
-            <a:spLocks noGrp="1"/>
-          </p:cNvSpPr>
-          <p:nvPr>
-            <p:ph type="title"/>
-          </p:nvPr>
-        </p:nvSpPr>
-        <p:spPr>
-          <a:xfrm>
-            <a:off x="608016" y="551987"/>
-            <a:ext cx="10944225" cy="1140090"/>
-          </a:xfrm>
-        </p:spPr>
-        <p:txBody>
-          <a:bodyPr>
-            <a:normAutofit fontScale="90000"/>
-          </a:bodyPr>
-          <a:lstStyle/>
-          <a:p>
-            <a:pPr algn="l"/>
-            <a:r>
-              <a:rPr lang="en-US" altLang="ko-KR" sz="4400" dirty="0">
-                <a:solidFill>
-                  <a:schemeClr val="tx1">
-                    <a:lumMod val="75000"/>
-                    <a:lumOff val="25000"/>
-                  </a:schemeClr>
-                </a:solidFill>
-                <a:latin typeface="Noto Sans CJK KR Black" pitchFamily="34" charset="-127"/>
-                <a:ea typeface="Noto Sans CJK KR Black" pitchFamily="34" charset="-127"/>
-              </a:rPr>
-              <a:t>1. </a:t>
-            </a:r>
-            <a:r>
-              <a:rPr lang="ko-KR" altLang="en-US" sz="4400" dirty="0">
-                <a:solidFill>
-                  <a:schemeClr val="tx1">
-                    <a:lumMod val="75000"/>
-                    <a:lumOff val="25000"/>
-                  </a:schemeClr>
-                </a:solidFill>
-                <a:latin typeface="Noto Sans CJK KR Black" pitchFamily="34" charset="-127"/>
-                <a:ea typeface="Noto Sans CJK KR Black" pitchFamily="34" charset="-127"/>
-              </a:rPr>
-              <a:t>기계학습 </a:t>
-            </a:r>
-            <a:br>
-              <a:rPr lang="en-US" altLang="ko-KR" sz="4400" dirty="0">
-                <a:solidFill>
-                  <a:schemeClr val="tx1">
-                    <a:lumMod val="75000"/>
-                    <a:lumOff val="25000"/>
-                  </a:schemeClr>
-                </a:solidFill>
-                <a:latin typeface="Noto Sans CJK KR Black" pitchFamily="34" charset="-127"/>
-                <a:ea typeface="Noto Sans CJK KR Black" pitchFamily="34" charset="-127"/>
-              </a:rPr>
-            </a:br>
-            <a:r>
-              <a:rPr lang="ko-KR" altLang="en-US" sz="4400" dirty="0">
-                <a:solidFill>
-                  <a:schemeClr val="tx1">
-                    <a:lumMod val="75000"/>
-                    <a:lumOff val="25000"/>
-                  </a:schemeClr>
-                </a:solidFill>
-                <a:latin typeface="Noto Sans CJK KR Black" pitchFamily="34" charset="-127"/>
-                <a:ea typeface="Noto Sans CJK KR Black" pitchFamily="34" charset="-127"/>
-              </a:rPr>
-              <a:t>알고리즘</a:t>
-            </a:r>
-            <a:endParaRPr lang="ko-KR" altLang="en-US" sz="4400" dirty="0">
-              <a:solidFill>
-                <a:schemeClr val="tx1">
-                  <a:lumMod val="75000"/>
-                  <a:lumOff val="25000"/>
-                </a:schemeClr>
-              </a:solidFill>
-            </a:endParaRPr>
-          </a:p>
-        </p:txBody>
-      </p:sp>
-      <p:sp>
-        <p:nvSpPr>
-          <p:cNvPr id="3" name="슬라이드 번호 개체 틀 2"/>
-          <p:cNvSpPr>
-            <a:spLocks noGrp="1"/>
-          </p:cNvSpPr>
-          <p:nvPr>
-            <p:ph type="sldNum" sz="quarter" idx="12"/>
-          </p:nvPr>
-        </p:nvSpPr>
-        <p:spPr/>
-        <p:txBody>
-          <a:bodyPr/>
-          <a:lstStyle/>
-          <a:p>
-            <a:fld id="{6DDAE2C3-1A0B-474A-8CE8-AE55B8D9D4B1}" type="slidenum">
-              <a:rPr lang="ko-KR" altLang="en-US" smtClean="0"/>
-              <a:pPr/>
-              <a:t>16</a:t>
-            </a:fld>
-            <a:endParaRPr lang="ko-KR" altLang="en-US" dirty="0"/>
-          </a:p>
-        </p:txBody>
-      </p:sp>
-      <p:pic>
-        <p:nvPicPr>
-          <p:cNvPr id="2" name="그림 1">
-            <a:extLst>
-              <a:ext uri="{FF2B5EF4-FFF2-40B4-BE49-F238E27FC236}">
-                <a16:creationId xmlns:a16="http://schemas.microsoft.com/office/drawing/2014/main" id="{43A7046E-2CAF-4605-8467-A2A9B26B85CD}"/>
-              </a:ext>
-            </a:extLst>
-          </p:cNvPr>
-          <p:cNvPicPr>
-            <a:picLocks noChangeAspect="1"/>
-          </p:cNvPicPr>
-          <p:nvPr/>
-        </p:nvPicPr>
-        <p:blipFill>
-          <a:blip r:embed="rId2"/>
-          <a:stretch>
-            <a:fillRect/>
-          </a:stretch>
-        </p:blipFill>
-        <p:spPr>
-          <a:xfrm>
-            <a:off x="3139821" y="1302112"/>
-            <a:ext cx="8858250" cy="5467350"/>
-          </a:xfrm>
-          <a:prstGeom prst="rect">
-            <a:avLst/>
-          </a:prstGeom>
-        </p:spPr>
-      </p:pic>
-    </p:spTree>
-    <p:extLst>
-      <p:ext uri="{BB962C8B-B14F-4D97-AF65-F5344CB8AC3E}">
-        <p14:creationId xmlns:p14="http://schemas.microsoft.com/office/powerpoint/2010/main" val="832087844"/>
-      </p:ext>
-    </p:extLst>
-  </p:cSld>
-  <p:clrMapOvr>
-    <a:masterClrMapping/>
-  </p:clrMapOvr>
-</p:sld>
-</file>
-
-<file path=ppt/slides/slide17.xml><?xml version="1.0" encoding="utf-8"?>
-<p:sld xmlns:a="http://schemas.openxmlformats.org/drawingml/2006/main" xmlns:r="http://schemas.openxmlformats.org/officeDocument/2006/relationships" xmlns:p="http://schemas.openxmlformats.org/presentationml/2006/main">
-  <p:cSld>
-    <p:spTree>
-      <p:nvGrpSpPr>
-        <p:cNvPr id="1" name=""/>
-        <p:cNvGrpSpPr/>
-        <p:nvPr/>
-      </p:nvGrpSpPr>
-      <p:grpSpPr>
-        <a:xfrm>
-          <a:off x="0" y="0"/>
-          <a:ext cx="0" cy="0"/>
-          <a:chOff x="0" y="0"/>
-          <a:chExt cx="0" cy="0"/>
-        </a:xfrm>
-      </p:grpSpPr>
-      <p:sp>
-        <p:nvSpPr>
-          <p:cNvPr id="5" name="제목 4"/>
-          <p:cNvSpPr>
-            <a:spLocks noGrp="1"/>
-          </p:cNvSpPr>
-          <p:nvPr>
-            <p:ph type="title"/>
-          </p:nvPr>
-        </p:nvSpPr>
-        <p:spPr>
-          <a:xfrm>
-            <a:off x="608016" y="551987"/>
-            <a:ext cx="10944225" cy="1140090"/>
-          </a:xfrm>
-        </p:spPr>
-        <p:txBody>
-          <a:bodyPr>
-            <a:normAutofit/>
-          </a:bodyPr>
-          <a:lstStyle/>
-          <a:p>
-            <a:pPr algn="l"/>
-            <a:r>
-              <a:rPr lang="en-US" altLang="ko-KR" sz="4400" dirty="0">
-                <a:solidFill>
-                  <a:schemeClr val="tx1">
-                    <a:lumMod val="75000"/>
-                    <a:lumOff val="25000"/>
-                  </a:schemeClr>
-                </a:solidFill>
-                <a:latin typeface="Noto Sans CJK KR Black" pitchFamily="34" charset="-127"/>
-                <a:ea typeface="Noto Sans CJK KR Black" pitchFamily="34" charset="-127"/>
-              </a:rPr>
-              <a:t>1. </a:t>
-            </a:r>
-            <a:r>
-              <a:rPr lang="ko-KR" altLang="en-US" sz="4400" dirty="0">
-                <a:solidFill>
-                  <a:schemeClr val="tx1">
-                    <a:lumMod val="75000"/>
-                    <a:lumOff val="25000"/>
-                  </a:schemeClr>
-                </a:solidFill>
-                <a:latin typeface="Noto Sans CJK KR Black" pitchFamily="34" charset="-127"/>
-                <a:ea typeface="Noto Sans CJK KR Black" pitchFamily="34" charset="-127"/>
-              </a:rPr>
-              <a:t>기계학습 알고리즘</a:t>
-            </a:r>
-            <a:endParaRPr lang="ko-KR" altLang="en-US" sz="4400" dirty="0">
-              <a:solidFill>
-                <a:schemeClr val="tx1">
-                  <a:lumMod val="75000"/>
-                  <a:lumOff val="25000"/>
-                </a:schemeClr>
-              </a:solidFill>
-            </a:endParaRPr>
-          </a:p>
-        </p:txBody>
-      </p:sp>
-      <p:sp>
-        <p:nvSpPr>
-          <p:cNvPr id="3" name="슬라이드 번호 개체 틀 2"/>
-          <p:cNvSpPr>
-            <a:spLocks noGrp="1"/>
-          </p:cNvSpPr>
-          <p:nvPr>
-            <p:ph type="sldNum" sz="quarter" idx="12"/>
-          </p:nvPr>
-        </p:nvSpPr>
-        <p:spPr/>
-        <p:txBody>
-          <a:bodyPr/>
-          <a:lstStyle/>
-          <a:p>
-            <a:fld id="{6DDAE2C3-1A0B-474A-8CE8-AE55B8D9D4B1}" type="slidenum">
-              <a:rPr lang="ko-KR" altLang="en-US" smtClean="0"/>
-              <a:pPr/>
-              <a:t>17</a:t>
-            </a:fld>
-            <a:endParaRPr lang="ko-KR" altLang="en-US" dirty="0"/>
-          </a:p>
-        </p:txBody>
-      </p:sp>
-      <p:pic>
-        <p:nvPicPr>
-          <p:cNvPr id="2" name="그림 1">
-            <a:extLst>
-              <a:ext uri="{FF2B5EF4-FFF2-40B4-BE49-F238E27FC236}">
-                <a16:creationId xmlns:a16="http://schemas.microsoft.com/office/drawing/2014/main" id="{8251BBF9-A868-4E1A-9B63-92D10B6B8018}"/>
-              </a:ext>
-            </a:extLst>
-          </p:cNvPr>
-          <p:cNvPicPr>
-            <a:picLocks noChangeAspect="1"/>
-          </p:cNvPicPr>
-          <p:nvPr/>
-        </p:nvPicPr>
-        <p:blipFill>
-          <a:blip r:embed="rId2"/>
-          <a:stretch>
-            <a:fillRect/>
-          </a:stretch>
-        </p:blipFill>
-        <p:spPr>
-          <a:xfrm>
-            <a:off x="2751137" y="1670014"/>
-            <a:ext cx="6657975" cy="5010150"/>
-          </a:xfrm>
-          <a:prstGeom prst="rect">
-            <a:avLst/>
-          </a:prstGeom>
-        </p:spPr>
-      </p:pic>
-    </p:spTree>
-    <p:extLst>
-      <p:ext uri="{BB962C8B-B14F-4D97-AF65-F5344CB8AC3E}">
-        <p14:creationId xmlns:p14="http://schemas.microsoft.com/office/powerpoint/2010/main" val="2183607618"/>
-      </p:ext>
-    </p:extLst>
-  </p:cSld>
-  <p:clrMapOvr>
-    <a:masterClrMapping/>
-  </p:clrMapOvr>
-</p:sld>
-</file>
-
 <file path=ppt/slides/slide18.xml><?xml version="1.0" encoding="utf-8"?>
 <p:sld xmlns:a="http://schemas.openxmlformats.org/drawingml/2006/main" xmlns:r="http://schemas.openxmlformats.org/officeDocument/2006/relationships" xmlns:p="http://schemas.openxmlformats.org/presentationml/2006/main">
   <p:cSld>
@@ -5385,2779 +5296,6 @@
         </p:nvSpPr>
         <p:spPr>
           <a:xfrm>
-            <a:off x="608016" y="551987"/>
-            <a:ext cx="10944225" cy="1140090"/>
-          </a:xfrm>
-        </p:spPr>
-        <p:txBody>
-          <a:bodyPr>
-            <a:normAutofit/>
-          </a:bodyPr>
-          <a:lstStyle/>
-          <a:p>
-            <a:pPr algn="l"/>
-            <a:r>
-              <a:rPr lang="en-US" altLang="ko-KR" sz="4400" dirty="0">
-                <a:solidFill>
-                  <a:schemeClr val="tx1">
-                    <a:lumMod val="75000"/>
-                    <a:lumOff val="25000"/>
-                  </a:schemeClr>
-                </a:solidFill>
-                <a:latin typeface="Noto Sans CJK KR Black" pitchFamily="34" charset="-127"/>
-                <a:ea typeface="Noto Sans CJK KR Black" pitchFamily="34" charset="-127"/>
-              </a:rPr>
-              <a:t>1. </a:t>
-            </a:r>
-            <a:r>
-              <a:rPr lang="ko-KR" altLang="en-US" sz="4400" dirty="0">
-                <a:solidFill>
-                  <a:schemeClr val="tx1">
-                    <a:lumMod val="75000"/>
-                    <a:lumOff val="25000"/>
-                  </a:schemeClr>
-                </a:solidFill>
-                <a:latin typeface="Noto Sans CJK KR Black" pitchFamily="34" charset="-127"/>
-                <a:ea typeface="Noto Sans CJK KR Black" pitchFamily="34" charset="-127"/>
-              </a:rPr>
-              <a:t>기계학습 알고리즘</a:t>
-            </a:r>
-            <a:endParaRPr lang="ko-KR" altLang="en-US" sz="4400" dirty="0">
-              <a:solidFill>
-                <a:schemeClr val="tx1">
-                  <a:lumMod val="75000"/>
-                  <a:lumOff val="25000"/>
-                </a:schemeClr>
-              </a:solidFill>
-            </a:endParaRPr>
-          </a:p>
-        </p:txBody>
-      </p:sp>
-      <p:sp>
-        <p:nvSpPr>
-          <p:cNvPr id="3" name="슬라이드 번호 개체 틀 2"/>
-          <p:cNvSpPr>
-            <a:spLocks noGrp="1"/>
-          </p:cNvSpPr>
-          <p:nvPr>
-            <p:ph type="sldNum" sz="quarter" idx="12"/>
-          </p:nvPr>
-        </p:nvSpPr>
-        <p:spPr/>
-        <p:txBody>
-          <a:bodyPr/>
-          <a:lstStyle/>
-          <a:p>
-            <a:fld id="{6DDAE2C3-1A0B-474A-8CE8-AE55B8D9D4B1}" type="slidenum">
-              <a:rPr lang="ko-KR" altLang="en-US" smtClean="0"/>
-              <a:pPr/>
-              <a:t>18</a:t>
-            </a:fld>
-            <a:endParaRPr lang="ko-KR" altLang="en-US" dirty="0"/>
-          </a:p>
-        </p:txBody>
-      </p:sp>
-      <p:pic>
-        <p:nvPicPr>
-          <p:cNvPr id="2" name="그림 1">
-            <a:extLst>
-              <a:ext uri="{FF2B5EF4-FFF2-40B4-BE49-F238E27FC236}">
-                <a16:creationId xmlns:a16="http://schemas.microsoft.com/office/drawing/2014/main" id="{84E0E80A-1404-4117-9400-9B26A81DFF85}"/>
-              </a:ext>
-            </a:extLst>
-          </p:cNvPr>
-          <p:cNvPicPr>
-            <a:picLocks noChangeAspect="1"/>
-          </p:cNvPicPr>
-          <p:nvPr/>
-        </p:nvPicPr>
-        <p:blipFill>
-          <a:blip r:embed="rId2"/>
-          <a:stretch>
-            <a:fillRect/>
-          </a:stretch>
-        </p:blipFill>
-        <p:spPr>
-          <a:xfrm>
-            <a:off x="2341562" y="1851112"/>
-            <a:ext cx="7477125" cy="4362450"/>
-          </a:xfrm>
-          <a:prstGeom prst="rect">
-            <a:avLst/>
-          </a:prstGeom>
-        </p:spPr>
-      </p:pic>
-    </p:spTree>
-    <p:extLst>
-      <p:ext uri="{BB962C8B-B14F-4D97-AF65-F5344CB8AC3E}">
-        <p14:creationId xmlns:p14="http://schemas.microsoft.com/office/powerpoint/2010/main" val="2811243867"/>
-      </p:ext>
-    </p:extLst>
-  </p:cSld>
-  <p:clrMapOvr>
-    <a:masterClrMapping/>
-  </p:clrMapOvr>
-</p:sld>
-</file>
-
-<file path=ppt/slides/slide19.xml><?xml version="1.0" encoding="utf-8"?>
-<p:sld xmlns:a="http://schemas.openxmlformats.org/drawingml/2006/main" xmlns:r="http://schemas.openxmlformats.org/officeDocument/2006/relationships" xmlns:p="http://schemas.openxmlformats.org/presentationml/2006/main">
-  <p:cSld>
-    <p:spTree>
-      <p:nvGrpSpPr>
-        <p:cNvPr id="1" name=""/>
-        <p:cNvGrpSpPr/>
-        <p:nvPr/>
-      </p:nvGrpSpPr>
-      <p:grpSpPr>
-        <a:xfrm>
-          <a:off x="0" y="0"/>
-          <a:ext cx="0" cy="0"/>
-          <a:chOff x="0" y="0"/>
-          <a:chExt cx="0" cy="0"/>
-        </a:xfrm>
-      </p:grpSpPr>
-      <p:sp>
-        <p:nvSpPr>
-          <p:cNvPr id="5" name="제목 4"/>
-          <p:cNvSpPr>
-            <a:spLocks noGrp="1"/>
-          </p:cNvSpPr>
-          <p:nvPr>
-            <p:ph type="title"/>
-          </p:nvPr>
-        </p:nvSpPr>
-        <p:spPr>
-          <a:xfrm>
-            <a:off x="608016" y="551987"/>
-            <a:ext cx="10944225" cy="1140090"/>
-          </a:xfrm>
-        </p:spPr>
-        <p:txBody>
-          <a:bodyPr>
-            <a:normAutofit/>
-          </a:bodyPr>
-          <a:lstStyle/>
-          <a:p>
-            <a:pPr algn="l"/>
-            <a:r>
-              <a:rPr lang="en-US" altLang="ko-KR" sz="4400" dirty="0">
-                <a:solidFill>
-                  <a:schemeClr val="tx1">
-                    <a:lumMod val="75000"/>
-                    <a:lumOff val="25000"/>
-                  </a:schemeClr>
-                </a:solidFill>
-                <a:latin typeface="Noto Sans CJK KR Black" pitchFamily="34" charset="-127"/>
-                <a:ea typeface="Noto Sans CJK KR Black" pitchFamily="34" charset="-127"/>
-              </a:rPr>
-              <a:t>1. </a:t>
-            </a:r>
-            <a:r>
-              <a:rPr lang="ko-KR" altLang="en-US" sz="4400" dirty="0">
-                <a:solidFill>
-                  <a:schemeClr val="tx1">
-                    <a:lumMod val="75000"/>
-                    <a:lumOff val="25000"/>
-                  </a:schemeClr>
-                </a:solidFill>
-                <a:latin typeface="Noto Sans CJK KR Black" pitchFamily="34" charset="-127"/>
-                <a:ea typeface="Noto Sans CJK KR Black" pitchFamily="34" charset="-127"/>
-              </a:rPr>
-              <a:t>기계학습 알고리즘</a:t>
-            </a:r>
-            <a:endParaRPr lang="ko-KR" altLang="en-US" sz="4400" dirty="0">
-              <a:solidFill>
-                <a:schemeClr val="tx1">
-                  <a:lumMod val="75000"/>
-                  <a:lumOff val="25000"/>
-                </a:schemeClr>
-              </a:solidFill>
-            </a:endParaRPr>
-          </a:p>
-        </p:txBody>
-      </p:sp>
-      <p:sp>
-        <p:nvSpPr>
-          <p:cNvPr id="3" name="슬라이드 번호 개체 틀 2"/>
-          <p:cNvSpPr>
-            <a:spLocks noGrp="1"/>
-          </p:cNvSpPr>
-          <p:nvPr>
-            <p:ph type="sldNum" sz="quarter" idx="12"/>
-          </p:nvPr>
-        </p:nvSpPr>
-        <p:spPr/>
-        <p:txBody>
-          <a:bodyPr/>
-          <a:lstStyle/>
-          <a:p>
-            <a:fld id="{6DDAE2C3-1A0B-474A-8CE8-AE55B8D9D4B1}" type="slidenum">
-              <a:rPr lang="ko-KR" altLang="en-US" smtClean="0"/>
-              <a:pPr/>
-              <a:t>19</a:t>
-            </a:fld>
-            <a:endParaRPr lang="ko-KR" altLang="en-US" dirty="0"/>
-          </a:p>
-        </p:txBody>
-      </p:sp>
-      <p:pic>
-        <p:nvPicPr>
-          <p:cNvPr id="2" name="그림 1">
-            <a:extLst>
-              <a:ext uri="{FF2B5EF4-FFF2-40B4-BE49-F238E27FC236}">
-                <a16:creationId xmlns:a16="http://schemas.microsoft.com/office/drawing/2014/main" id="{0A201080-61C0-4055-AFB9-4FF0690834AF}"/>
-              </a:ext>
-            </a:extLst>
-          </p:cNvPr>
-          <p:cNvPicPr>
-            <a:picLocks noChangeAspect="1"/>
-          </p:cNvPicPr>
-          <p:nvPr/>
-        </p:nvPicPr>
-        <p:blipFill>
-          <a:blip r:embed="rId2"/>
-          <a:stretch>
-            <a:fillRect/>
-          </a:stretch>
-        </p:blipFill>
-        <p:spPr>
-          <a:xfrm>
-            <a:off x="1851025" y="1943473"/>
-            <a:ext cx="8458200" cy="4429125"/>
-          </a:xfrm>
-          <a:prstGeom prst="rect">
-            <a:avLst/>
-          </a:prstGeom>
-        </p:spPr>
-      </p:pic>
-    </p:spTree>
-    <p:extLst>
-      <p:ext uri="{BB962C8B-B14F-4D97-AF65-F5344CB8AC3E}">
-        <p14:creationId xmlns:p14="http://schemas.microsoft.com/office/powerpoint/2010/main" val="3825927226"/>
-      </p:ext>
-    </p:extLst>
-  </p:cSld>
-  <p:clrMapOvr>
-    <a:masterClrMapping/>
-  </p:clrMapOvr>
-</p:sld>
-</file>
-
-<file path=ppt/slides/slide2.xml><?xml version="1.0" encoding="utf-8"?>
-<p:sld xmlns:a="http://schemas.openxmlformats.org/drawingml/2006/main" xmlns:r="http://schemas.openxmlformats.org/officeDocument/2006/relationships" xmlns:p="http://schemas.openxmlformats.org/presentationml/2006/main">
-  <p:cSld>
-    <p:bg>
-      <p:bgPr>
-        <a:solidFill>
-          <a:schemeClr val="bg1">
-            <a:lumMod val="65000"/>
-          </a:schemeClr>
-        </a:solidFill>
-        <a:effectLst/>
-      </p:bgPr>
-    </p:bg>
-    <p:spTree>
-      <p:nvGrpSpPr>
-        <p:cNvPr id="1" name=""/>
-        <p:cNvGrpSpPr/>
-        <p:nvPr/>
-      </p:nvGrpSpPr>
-      <p:grpSpPr>
-        <a:xfrm>
-          <a:off x="0" y="0"/>
-          <a:ext cx="0" cy="0"/>
-          <a:chOff x="0" y="0"/>
-          <a:chExt cx="0" cy="0"/>
-        </a:xfrm>
-      </p:grpSpPr>
-      <p:sp>
-        <p:nvSpPr>
-          <p:cNvPr id="5" name="슬라이드 번호 개체 틀 3">
-            <a:extLst>
-              <a:ext uri="{FF2B5EF4-FFF2-40B4-BE49-F238E27FC236}">
-                <a16:creationId xmlns:a16="http://schemas.microsoft.com/office/drawing/2014/main" id="{FD142860-410A-4F4E-92DC-DC5FC1E8F9C8}"/>
-              </a:ext>
-            </a:extLst>
-          </p:cNvPr>
-          <p:cNvSpPr>
-            <a:spLocks noGrp="1"/>
-          </p:cNvSpPr>
-          <p:nvPr>
-            <p:ph type="sldNum" sz="quarter" idx="12"/>
-          </p:nvPr>
-        </p:nvSpPr>
-        <p:spPr>
-          <a:xfrm>
-            <a:off x="9160679" y="6372598"/>
-            <a:ext cx="2837392" cy="364195"/>
-          </a:xfrm>
-        </p:spPr>
-        <p:txBody>
-          <a:bodyPr/>
-          <a:lstStyle/>
-          <a:p>
-            <a:pPr marL="0" marR="0" lvl="0" indent="0" algn="r" defTabSz="1107796" rtl="0" eaLnBrk="1" fontAlgn="auto" latinLnBrk="1" hangingPunct="1">
-              <a:lnSpc>
-                <a:spcPct val="100000"/>
-              </a:lnSpc>
-              <a:spcBef>
-                <a:spcPts val="0"/>
-              </a:spcBef>
-              <a:spcAft>
-                <a:spcPts val="0"/>
-              </a:spcAft>
-              <a:buClrTx/>
-              <a:buSzTx/>
-              <a:buFontTx/>
-              <a:buNone/>
-              <a:tabLst/>
-              <a:defRPr/>
-            </a:pPr>
-            <a:fld id="{6DDAE2C3-1A0B-474A-8CE8-AE55B8D9D4B1}" type="slidenum">
-              <a:rPr kumimoji="0" lang="ko-KR" altLang="en-US" sz="900" b="0" i="0" u="none" strike="noStrike" kern="1200" cap="none" spc="0" normalizeH="0" baseline="0" noProof="0" smtClean="0">
-                <a:ln>
-                  <a:noFill/>
-                </a:ln>
-                <a:solidFill>
-                  <a:prstClr val="black">
-                    <a:tint val="75000"/>
-                  </a:prstClr>
-                </a:solidFill>
-                <a:effectLst/>
-                <a:uLnTx/>
-                <a:uFillTx/>
-                <a:ea typeface="Noto Sans CJK KR Bold" panose="020B0800000000000000" pitchFamily="34" charset="-127"/>
-                <a:cs typeface="+mn-cs"/>
-              </a:rPr>
-              <a:pPr marL="0" marR="0" lvl="0" indent="0" algn="r" defTabSz="1107796" rtl="0" eaLnBrk="1" fontAlgn="auto" latinLnBrk="1" hangingPunct="1">
-                <a:lnSpc>
-                  <a:spcPct val="100000"/>
-                </a:lnSpc>
-                <a:spcBef>
-                  <a:spcPts val="0"/>
-                </a:spcBef>
-                <a:spcAft>
-                  <a:spcPts val="0"/>
-                </a:spcAft>
-                <a:buClrTx/>
-                <a:buSzTx/>
-                <a:buFontTx/>
-                <a:buNone/>
-                <a:tabLst/>
-                <a:defRPr/>
-              </a:pPr>
-              <a:t>2</a:t>
-            </a:fld>
-            <a:endParaRPr kumimoji="0" lang="ko-KR" altLang="en-US" sz="900" b="0" i="0" u="none" strike="noStrike" kern="1200" cap="none" spc="0" normalizeH="0" baseline="0" noProof="0" dirty="0">
-              <a:ln>
-                <a:noFill/>
-              </a:ln>
-              <a:solidFill>
-                <a:prstClr val="black">
-                  <a:tint val="75000"/>
-                </a:prstClr>
-              </a:solidFill>
-              <a:effectLst/>
-              <a:uLnTx/>
-              <a:uFillTx/>
-              <a:ea typeface="Noto Sans CJK KR Bold" panose="020B0800000000000000" pitchFamily="34" charset="-127"/>
-              <a:cs typeface="+mn-cs"/>
-            </a:endParaRPr>
-          </a:p>
-        </p:txBody>
-      </p:sp>
-      <p:sp>
-        <p:nvSpPr>
-          <p:cNvPr id="6" name="TextBox 5">
-            <a:extLst>
-              <a:ext uri="{FF2B5EF4-FFF2-40B4-BE49-F238E27FC236}">
-                <a16:creationId xmlns:a16="http://schemas.microsoft.com/office/drawing/2014/main" id="{E4D60102-B1D1-4963-AAA4-EA2400320AB9}"/>
-              </a:ext>
-            </a:extLst>
-          </p:cNvPr>
-          <p:cNvSpPr txBox="1"/>
-          <p:nvPr/>
-        </p:nvSpPr>
-        <p:spPr>
-          <a:xfrm>
-            <a:off x="542135" y="855851"/>
-            <a:ext cx="11298630" cy="2708434"/>
-          </a:xfrm>
-          <a:prstGeom prst="rect">
-            <a:avLst/>
-          </a:prstGeom>
-          <a:noFill/>
-        </p:spPr>
-        <p:txBody>
-          <a:bodyPr wrap="square" lIns="0" tIns="0" rIns="0" bIns="0" rtlCol="0" anchor="t">
-            <a:spAutoFit/>
-          </a:bodyPr>
-          <a:lstStyle/>
-          <a:p>
-            <a:pPr marL="0" marR="0" lvl="0" indent="0" algn="l" defTabSz="1107796" rtl="0" eaLnBrk="1" fontAlgn="auto" latinLnBrk="1" hangingPunct="1">
-              <a:lnSpc>
-                <a:spcPct val="100000"/>
-              </a:lnSpc>
-              <a:spcBef>
-                <a:spcPts val="0"/>
-              </a:spcBef>
-              <a:spcAft>
-                <a:spcPts val="0"/>
-              </a:spcAft>
-              <a:buClrTx/>
-              <a:buSzTx/>
-              <a:buFontTx/>
-              <a:buNone/>
-              <a:tabLst/>
-              <a:defRPr/>
-            </a:pPr>
-            <a:r>
-              <a:rPr kumimoji="0" lang="en-US" altLang="ko-KR" sz="4400" b="0" i="0" u="none" strike="noStrike" kern="1200" cap="none" spc="0" normalizeH="0" baseline="0" noProof="0" dirty="0">
-                <a:ln>
-                  <a:noFill/>
-                </a:ln>
-                <a:solidFill>
-                  <a:prstClr val="white"/>
-                </a:solidFill>
-                <a:effectLst/>
-                <a:uLnTx/>
-                <a:uFillTx/>
-                <a:latin typeface="Noto Sans CJK KR Black" panose="020B0A00000000000000" pitchFamily="34" charset="-127"/>
-                <a:ea typeface="Noto Sans CJK KR Black" panose="020B0A00000000000000" pitchFamily="34" charset="-127"/>
-                <a:cs typeface="+mn-cs"/>
-              </a:rPr>
-              <a:t>5</a:t>
-            </a:r>
-            <a:r>
-              <a:rPr kumimoji="0" lang="ko-KR" altLang="en-US" sz="4400" b="0" i="0" u="none" strike="noStrike" kern="1200" cap="none" spc="0" normalizeH="0" baseline="0" noProof="0" dirty="0">
-                <a:ln>
-                  <a:noFill/>
-                </a:ln>
-                <a:solidFill>
-                  <a:prstClr val="white"/>
-                </a:solidFill>
-                <a:effectLst/>
-                <a:uLnTx/>
-                <a:uFillTx/>
-                <a:latin typeface="Noto Sans CJK KR Black" panose="020B0A00000000000000" pitchFamily="34" charset="-127"/>
-                <a:ea typeface="Noto Sans CJK KR Black" panose="020B0A00000000000000" pitchFamily="34" charset="-127"/>
-                <a:cs typeface="+mn-cs"/>
-              </a:rPr>
-              <a:t>주차 </a:t>
-            </a:r>
-            <a:endParaRPr kumimoji="0" lang="en-US" altLang="ko-KR" sz="4400" b="0" i="0" u="none" strike="noStrike" kern="1200" cap="none" spc="0" normalizeH="0" baseline="0" noProof="0" dirty="0">
-              <a:ln>
-                <a:noFill/>
-              </a:ln>
-              <a:solidFill>
-                <a:prstClr val="white"/>
-              </a:solidFill>
-              <a:effectLst/>
-              <a:uLnTx/>
-              <a:uFillTx/>
-              <a:latin typeface="Noto Sans CJK KR Black" panose="020B0A00000000000000" pitchFamily="34" charset="-127"/>
-              <a:ea typeface="Noto Sans CJK KR Black" panose="020B0A00000000000000" pitchFamily="34" charset="-127"/>
-              <a:cs typeface="+mn-cs"/>
-            </a:endParaRPr>
-          </a:p>
-          <a:p>
-            <a:pPr marL="0" marR="0" lvl="0" indent="0" algn="l" defTabSz="1107796" rtl="0" eaLnBrk="1" fontAlgn="auto" latinLnBrk="1" hangingPunct="1">
-              <a:lnSpc>
-                <a:spcPct val="100000"/>
-              </a:lnSpc>
-              <a:spcBef>
-                <a:spcPts val="0"/>
-              </a:spcBef>
-              <a:spcAft>
-                <a:spcPts val="0"/>
-              </a:spcAft>
-              <a:buClrTx/>
-              <a:buSzTx/>
-              <a:buFontTx/>
-              <a:buNone/>
-              <a:tabLst/>
-              <a:defRPr/>
-            </a:pPr>
-            <a:r>
-              <a:rPr kumimoji="0" lang="ko-KR" altLang="en-US" sz="4400" b="0" i="0" u="none" strike="noStrike" kern="1200" cap="none" spc="0" normalizeH="0" baseline="0" noProof="0" dirty="0">
-                <a:ln>
-                  <a:noFill/>
-                </a:ln>
-                <a:solidFill>
-                  <a:prstClr val="white"/>
-                </a:solidFill>
-                <a:effectLst/>
-                <a:uLnTx/>
-                <a:uFillTx/>
-                <a:latin typeface="Noto Sans CJK KR Black" panose="020B0A00000000000000" pitchFamily="34" charset="-127"/>
-                <a:ea typeface="Noto Sans CJK KR Black" panose="020B0A00000000000000" pitchFamily="34" charset="-127"/>
-                <a:cs typeface="+mn-cs"/>
-              </a:rPr>
-              <a:t>강의의 목적</a:t>
-            </a:r>
-            <a:endParaRPr kumimoji="0" lang="en-US" altLang="ko-KR" sz="4400" b="0" i="0" u="none" strike="noStrike" kern="1200" cap="none" spc="0" normalizeH="0" baseline="0" noProof="0" dirty="0">
-              <a:ln>
-                <a:noFill/>
-              </a:ln>
-              <a:solidFill>
-                <a:prstClr val="white"/>
-              </a:solidFill>
-              <a:effectLst/>
-              <a:uLnTx/>
-              <a:uFillTx/>
-              <a:latin typeface="Noto Sans CJK KR Black" panose="020B0A00000000000000" pitchFamily="34" charset="-127"/>
-              <a:ea typeface="Noto Sans CJK KR Black" panose="020B0A00000000000000" pitchFamily="34" charset="-127"/>
-              <a:cs typeface="+mn-cs"/>
-            </a:endParaRPr>
-          </a:p>
-          <a:p>
-            <a:pPr marL="0" marR="0" lvl="0" indent="0" algn="l" defTabSz="1107796" rtl="0" eaLnBrk="1" fontAlgn="auto" latinLnBrk="1" hangingPunct="1">
-              <a:lnSpc>
-                <a:spcPct val="100000"/>
-              </a:lnSpc>
-              <a:spcBef>
-                <a:spcPts val="0"/>
-              </a:spcBef>
-              <a:spcAft>
-                <a:spcPts val="0"/>
-              </a:spcAft>
-              <a:buClrTx/>
-              <a:buSzTx/>
-              <a:buFontTx/>
-              <a:buNone/>
-              <a:tabLst/>
-              <a:defRPr/>
-            </a:pPr>
-            <a:endParaRPr kumimoji="0" lang="en-US" altLang="ko-KR" sz="4400" b="0" i="0" u="none" strike="noStrike" kern="1200" cap="none" spc="0" normalizeH="0" baseline="0" noProof="0" dirty="0">
-              <a:ln>
-                <a:noFill/>
-              </a:ln>
-              <a:solidFill>
-                <a:prstClr val="white"/>
-              </a:solidFill>
-              <a:effectLst/>
-              <a:uLnTx/>
-              <a:uFillTx/>
-              <a:latin typeface="Noto Sans CJK KR Black" panose="020B0A00000000000000" pitchFamily="34" charset="-127"/>
-              <a:ea typeface="Noto Sans CJK KR Black" panose="020B0A00000000000000" pitchFamily="34" charset="-127"/>
-              <a:cs typeface="+mn-cs"/>
-            </a:endParaRPr>
-          </a:p>
-          <a:p>
-            <a:pPr marL="0" marR="0" lvl="0" indent="0" algn="l" defTabSz="1107796" rtl="0" eaLnBrk="1" fontAlgn="auto" latinLnBrk="1" hangingPunct="1">
-              <a:lnSpc>
-                <a:spcPct val="100000"/>
-              </a:lnSpc>
-              <a:spcBef>
-                <a:spcPts val="0"/>
-              </a:spcBef>
-              <a:spcAft>
-                <a:spcPts val="0"/>
-              </a:spcAft>
-              <a:buClrTx/>
-              <a:buSzTx/>
-              <a:buFontTx/>
-              <a:buNone/>
-              <a:tabLst/>
-              <a:defRPr/>
-            </a:pPr>
-            <a:endParaRPr kumimoji="0" lang="en-US" altLang="ko-KR" sz="4400" b="0" i="0" u="none" strike="noStrike" kern="1200" cap="none" spc="0" normalizeH="0" baseline="0" noProof="0" dirty="0">
-              <a:ln>
-                <a:noFill/>
-              </a:ln>
-              <a:solidFill>
-                <a:prstClr val="white"/>
-              </a:solidFill>
-              <a:effectLst/>
-              <a:uLnTx/>
-              <a:uFillTx/>
-              <a:latin typeface="Noto Sans CJK KR Black" panose="020B0A00000000000000" pitchFamily="34" charset="-127"/>
-              <a:ea typeface="Noto Sans CJK KR Black" panose="020B0A00000000000000" pitchFamily="34" charset="-127"/>
-              <a:cs typeface="+mn-cs"/>
-            </a:endParaRPr>
-          </a:p>
-        </p:txBody>
-      </p:sp>
-      <p:sp>
-        <p:nvSpPr>
-          <p:cNvPr id="7" name="TextBox 6">
-            <a:extLst>
-              <a:ext uri="{FF2B5EF4-FFF2-40B4-BE49-F238E27FC236}">
-                <a16:creationId xmlns:a16="http://schemas.microsoft.com/office/drawing/2014/main" id="{6CFF4F43-C036-4E6F-B642-467B0A6413FE}"/>
-              </a:ext>
-            </a:extLst>
-          </p:cNvPr>
-          <p:cNvSpPr txBox="1"/>
-          <p:nvPr/>
-        </p:nvSpPr>
-        <p:spPr>
-          <a:xfrm>
-            <a:off x="4783981" y="611957"/>
-            <a:ext cx="7056784" cy="216726"/>
-          </a:xfrm>
-          <a:prstGeom prst="rect">
-            <a:avLst/>
-          </a:prstGeom>
-          <a:noFill/>
-        </p:spPr>
-        <p:txBody>
-          <a:bodyPr wrap="square" lIns="0" tIns="0" rIns="0" bIns="0" rtlCol="0" anchor="t">
-            <a:spAutoFit/>
-          </a:bodyPr>
-          <a:lstStyle/>
-          <a:p>
-            <a:pPr marL="0" marR="0" lvl="0" indent="0" algn="l" defTabSz="1107796" rtl="0" eaLnBrk="1" fontAlgn="auto" latinLnBrk="1" hangingPunct="1">
-              <a:lnSpc>
-                <a:spcPct val="150000"/>
-              </a:lnSpc>
-              <a:spcBef>
-                <a:spcPts val="0"/>
-              </a:spcBef>
-              <a:spcAft>
-                <a:spcPts val="0"/>
-              </a:spcAft>
-              <a:buClrTx/>
-              <a:buSzTx/>
-              <a:buFontTx/>
-              <a:buNone/>
-              <a:tabLst/>
-              <a:defRPr/>
-            </a:pPr>
-            <a:endParaRPr kumimoji="0" lang="en-US" altLang="ko-KR" sz="1050" b="0" i="0" u="none" strike="noStrike" kern="1200" cap="none" spc="0" normalizeH="0" baseline="0" noProof="0" dirty="0">
-              <a:ln>
-                <a:noFill/>
-              </a:ln>
-              <a:solidFill>
-                <a:prstClr val="white"/>
-              </a:solidFill>
-              <a:effectLst/>
-              <a:uLnTx/>
-              <a:uFillTx/>
-              <a:latin typeface="Noto Sans CJK KR Medium" panose="020B0600000000000000" pitchFamily="34" charset="-127"/>
-              <a:ea typeface="Noto Sans CJK KR Medium" panose="020B0600000000000000" pitchFamily="34" charset="-127"/>
-              <a:cs typeface="+mn-cs"/>
-            </a:endParaRPr>
-          </a:p>
-        </p:txBody>
-      </p:sp>
-      <p:pic>
-        <p:nvPicPr>
-          <p:cNvPr id="3" name="그림 2">
-            <a:extLst>
-              <a:ext uri="{FF2B5EF4-FFF2-40B4-BE49-F238E27FC236}">
-                <a16:creationId xmlns:a16="http://schemas.microsoft.com/office/drawing/2014/main" id="{1C0EFEA9-A95C-43DF-998F-50A3E45D5D97}"/>
-              </a:ext>
-            </a:extLst>
-          </p:cNvPr>
-          <p:cNvPicPr>
-            <a:picLocks noChangeAspect="1"/>
-          </p:cNvPicPr>
-          <p:nvPr/>
-        </p:nvPicPr>
-        <p:blipFill>
-          <a:blip r:embed="rId3">
-            <a:extLst>
-              <a:ext uri="{28A0092B-C50C-407E-A947-70E740481C1C}">
-                <a14:useLocalDpi xmlns:a14="http://schemas.microsoft.com/office/drawing/2010/main" val="0"/>
-              </a:ext>
-            </a:extLst>
-          </a:blip>
-          <a:stretch>
-            <a:fillRect/>
-          </a:stretch>
-        </p:blipFill>
-        <p:spPr>
-          <a:xfrm>
-            <a:off x="5509976" y="0"/>
-            <a:ext cx="6690829" cy="6840538"/>
-          </a:xfrm>
-          <a:prstGeom prst="rect">
-            <a:avLst/>
-          </a:prstGeom>
-        </p:spPr>
-      </p:pic>
-      <p:sp>
-        <p:nvSpPr>
-          <p:cNvPr id="4" name="TextBox 3">
-            <a:extLst>
-              <a:ext uri="{FF2B5EF4-FFF2-40B4-BE49-F238E27FC236}">
-                <a16:creationId xmlns:a16="http://schemas.microsoft.com/office/drawing/2014/main" id="{19B31AAF-43A9-467F-A682-A1470A682AD3}"/>
-              </a:ext>
-            </a:extLst>
-          </p:cNvPr>
-          <p:cNvSpPr txBox="1"/>
-          <p:nvPr/>
-        </p:nvSpPr>
-        <p:spPr>
-          <a:xfrm>
-            <a:off x="5576069" y="539949"/>
-            <a:ext cx="3168352" cy="2304256"/>
-          </a:xfrm>
-          <a:prstGeom prst="rect">
-            <a:avLst/>
-          </a:prstGeom>
-          <a:noFill/>
-          <a:ln w="38100">
-            <a:solidFill>
-              <a:srgbClr val="FF0000"/>
-            </a:solidFill>
-          </a:ln>
-        </p:spPr>
-        <p:txBody>
-          <a:bodyPr wrap="square" rtlCol="0">
-            <a:spAutoFit/>
-          </a:bodyPr>
-          <a:lstStyle/>
-          <a:p>
-            <a:endParaRPr lang="ko-KR" altLang="en-US" dirty="0"/>
-          </a:p>
-        </p:txBody>
-      </p:sp>
-    </p:spTree>
-    <p:extLst>
-      <p:ext uri="{BB962C8B-B14F-4D97-AF65-F5344CB8AC3E}">
-        <p14:creationId xmlns:p14="http://schemas.microsoft.com/office/powerpoint/2010/main" val="2038914197"/>
-      </p:ext>
-    </p:extLst>
-  </p:cSld>
-  <p:clrMapOvr>
-    <a:masterClrMapping/>
-  </p:clrMapOvr>
-</p:sld>
-</file>
-
-<file path=ppt/slides/slide20.xml><?xml version="1.0" encoding="utf-8"?>
-<p:sld xmlns:a="http://schemas.openxmlformats.org/drawingml/2006/main" xmlns:r="http://schemas.openxmlformats.org/officeDocument/2006/relationships" xmlns:p="http://schemas.openxmlformats.org/presentationml/2006/main">
-  <p:cSld>
-    <p:spTree>
-      <p:nvGrpSpPr>
-        <p:cNvPr id="1" name=""/>
-        <p:cNvGrpSpPr/>
-        <p:nvPr/>
-      </p:nvGrpSpPr>
-      <p:grpSpPr>
-        <a:xfrm>
-          <a:off x="0" y="0"/>
-          <a:ext cx="0" cy="0"/>
-          <a:chOff x="0" y="0"/>
-          <a:chExt cx="0" cy="0"/>
-        </a:xfrm>
-      </p:grpSpPr>
-      <p:sp>
-        <p:nvSpPr>
-          <p:cNvPr id="5" name="제목 4"/>
-          <p:cNvSpPr>
-            <a:spLocks noGrp="1"/>
-          </p:cNvSpPr>
-          <p:nvPr>
-            <p:ph type="title"/>
-          </p:nvPr>
-        </p:nvSpPr>
-        <p:spPr>
-          <a:xfrm>
-            <a:off x="608016" y="551987"/>
-            <a:ext cx="10944225" cy="1140090"/>
-          </a:xfrm>
-        </p:spPr>
-        <p:txBody>
-          <a:bodyPr>
-            <a:normAutofit/>
-          </a:bodyPr>
-          <a:lstStyle/>
-          <a:p>
-            <a:pPr algn="l"/>
-            <a:r>
-              <a:rPr lang="en-US" altLang="ko-KR" sz="4400" dirty="0">
-                <a:solidFill>
-                  <a:schemeClr val="tx1">
-                    <a:lumMod val="75000"/>
-                    <a:lumOff val="25000"/>
-                  </a:schemeClr>
-                </a:solidFill>
-                <a:latin typeface="Noto Sans CJK KR Black" pitchFamily="34" charset="-127"/>
-                <a:ea typeface="Noto Sans CJK KR Black" pitchFamily="34" charset="-127"/>
-              </a:rPr>
-              <a:t>1. </a:t>
-            </a:r>
-            <a:r>
-              <a:rPr lang="ko-KR" altLang="en-US" sz="4400" dirty="0">
-                <a:solidFill>
-                  <a:schemeClr val="tx1">
-                    <a:lumMod val="75000"/>
-                    <a:lumOff val="25000"/>
-                  </a:schemeClr>
-                </a:solidFill>
-                <a:latin typeface="Noto Sans CJK KR Black" pitchFamily="34" charset="-127"/>
-                <a:ea typeface="Noto Sans CJK KR Black" pitchFamily="34" charset="-127"/>
-              </a:rPr>
-              <a:t>기계학습 알고리즘</a:t>
-            </a:r>
-            <a:endParaRPr lang="ko-KR" altLang="en-US" sz="4400" dirty="0">
-              <a:solidFill>
-                <a:schemeClr val="tx1">
-                  <a:lumMod val="75000"/>
-                  <a:lumOff val="25000"/>
-                </a:schemeClr>
-              </a:solidFill>
-            </a:endParaRPr>
-          </a:p>
-        </p:txBody>
-      </p:sp>
-      <p:sp>
-        <p:nvSpPr>
-          <p:cNvPr id="3" name="슬라이드 번호 개체 틀 2"/>
-          <p:cNvSpPr>
-            <a:spLocks noGrp="1"/>
-          </p:cNvSpPr>
-          <p:nvPr>
-            <p:ph type="sldNum" sz="quarter" idx="12"/>
-          </p:nvPr>
-        </p:nvSpPr>
-        <p:spPr/>
-        <p:txBody>
-          <a:bodyPr/>
-          <a:lstStyle/>
-          <a:p>
-            <a:fld id="{6DDAE2C3-1A0B-474A-8CE8-AE55B8D9D4B1}" type="slidenum">
-              <a:rPr lang="ko-KR" altLang="en-US" smtClean="0"/>
-              <a:pPr/>
-              <a:t>20</a:t>
-            </a:fld>
-            <a:endParaRPr lang="ko-KR" altLang="en-US" dirty="0"/>
-          </a:p>
-        </p:txBody>
-      </p:sp>
-      <p:pic>
-        <p:nvPicPr>
-          <p:cNvPr id="4" name="그림 3">
-            <a:extLst>
-              <a:ext uri="{FF2B5EF4-FFF2-40B4-BE49-F238E27FC236}">
-                <a16:creationId xmlns:a16="http://schemas.microsoft.com/office/drawing/2014/main" id="{9B971A19-C12F-4C23-B3D9-E6C211D2D26E}"/>
-              </a:ext>
-            </a:extLst>
-          </p:cNvPr>
-          <p:cNvPicPr>
-            <a:picLocks noChangeAspect="1"/>
-          </p:cNvPicPr>
-          <p:nvPr/>
-        </p:nvPicPr>
-        <p:blipFill>
-          <a:blip r:embed="rId2"/>
-          <a:stretch>
-            <a:fillRect/>
-          </a:stretch>
-        </p:blipFill>
-        <p:spPr>
-          <a:xfrm>
-            <a:off x="1874837" y="2024919"/>
-            <a:ext cx="8410575" cy="4352925"/>
-          </a:xfrm>
-          <a:prstGeom prst="rect">
-            <a:avLst/>
-          </a:prstGeom>
-        </p:spPr>
-      </p:pic>
-    </p:spTree>
-    <p:extLst>
-      <p:ext uri="{BB962C8B-B14F-4D97-AF65-F5344CB8AC3E}">
-        <p14:creationId xmlns:p14="http://schemas.microsoft.com/office/powerpoint/2010/main" val="2133787294"/>
-      </p:ext>
-    </p:extLst>
-  </p:cSld>
-  <p:clrMapOvr>
-    <a:masterClrMapping/>
-  </p:clrMapOvr>
-</p:sld>
-</file>
-
-<file path=ppt/slides/slide21.xml><?xml version="1.0" encoding="utf-8"?>
-<p:sld xmlns:a="http://schemas.openxmlformats.org/drawingml/2006/main" xmlns:r="http://schemas.openxmlformats.org/officeDocument/2006/relationships" xmlns:p="http://schemas.openxmlformats.org/presentationml/2006/main">
-  <p:cSld>
-    <p:spTree>
-      <p:nvGrpSpPr>
-        <p:cNvPr id="1" name=""/>
-        <p:cNvGrpSpPr/>
-        <p:nvPr/>
-      </p:nvGrpSpPr>
-      <p:grpSpPr>
-        <a:xfrm>
-          <a:off x="0" y="0"/>
-          <a:ext cx="0" cy="0"/>
-          <a:chOff x="0" y="0"/>
-          <a:chExt cx="0" cy="0"/>
-        </a:xfrm>
-      </p:grpSpPr>
-      <p:sp>
-        <p:nvSpPr>
-          <p:cNvPr id="5" name="제목 4"/>
-          <p:cNvSpPr>
-            <a:spLocks noGrp="1"/>
-          </p:cNvSpPr>
-          <p:nvPr>
-            <p:ph type="title"/>
-          </p:nvPr>
-        </p:nvSpPr>
-        <p:spPr>
-          <a:xfrm>
-            <a:off x="608016" y="551987"/>
-            <a:ext cx="10944225" cy="1140090"/>
-          </a:xfrm>
-        </p:spPr>
-        <p:txBody>
-          <a:bodyPr>
-            <a:normAutofit fontScale="90000"/>
-          </a:bodyPr>
-          <a:lstStyle/>
-          <a:p>
-            <a:pPr algn="l"/>
-            <a:r>
-              <a:rPr lang="en-US" altLang="ko-KR" sz="4400" dirty="0">
-                <a:solidFill>
-                  <a:schemeClr val="tx1">
-                    <a:lumMod val="75000"/>
-                    <a:lumOff val="25000"/>
-                  </a:schemeClr>
-                </a:solidFill>
-                <a:latin typeface="Noto Sans CJK KR Black" pitchFamily="34" charset="-127"/>
-                <a:ea typeface="Noto Sans CJK KR Black" pitchFamily="34" charset="-127"/>
-              </a:rPr>
-              <a:t>1. </a:t>
-            </a:r>
-            <a:r>
-              <a:rPr lang="ko-KR" altLang="en-US" sz="4400" dirty="0">
-                <a:solidFill>
-                  <a:schemeClr val="tx1">
-                    <a:lumMod val="75000"/>
-                    <a:lumOff val="25000"/>
-                  </a:schemeClr>
-                </a:solidFill>
-                <a:latin typeface="Noto Sans CJK KR Black" pitchFamily="34" charset="-127"/>
-                <a:ea typeface="Noto Sans CJK KR Black" pitchFamily="34" charset="-127"/>
-              </a:rPr>
-              <a:t>기계학습</a:t>
-            </a:r>
-            <a:br>
-              <a:rPr lang="en-US" altLang="ko-KR" sz="4400" dirty="0">
-                <a:solidFill>
-                  <a:schemeClr val="tx1">
-                    <a:lumMod val="75000"/>
-                    <a:lumOff val="25000"/>
-                  </a:schemeClr>
-                </a:solidFill>
-                <a:latin typeface="Noto Sans CJK KR Black" pitchFamily="34" charset="-127"/>
-                <a:ea typeface="Noto Sans CJK KR Black" pitchFamily="34" charset="-127"/>
-              </a:rPr>
-            </a:br>
-            <a:r>
-              <a:rPr lang="ko-KR" altLang="en-US" sz="4400" dirty="0">
-                <a:solidFill>
-                  <a:schemeClr val="tx1">
-                    <a:lumMod val="75000"/>
-                    <a:lumOff val="25000"/>
-                  </a:schemeClr>
-                </a:solidFill>
-                <a:latin typeface="Noto Sans CJK KR Black" pitchFamily="34" charset="-127"/>
-                <a:ea typeface="Noto Sans CJK KR Black" pitchFamily="34" charset="-127"/>
-              </a:rPr>
-              <a:t> 알고리즘</a:t>
-            </a:r>
-            <a:endParaRPr lang="ko-KR" altLang="en-US" sz="4400" dirty="0">
-              <a:solidFill>
-                <a:schemeClr val="tx1">
-                  <a:lumMod val="75000"/>
-                  <a:lumOff val="25000"/>
-                </a:schemeClr>
-              </a:solidFill>
-            </a:endParaRPr>
-          </a:p>
-        </p:txBody>
-      </p:sp>
-      <p:sp>
-        <p:nvSpPr>
-          <p:cNvPr id="3" name="슬라이드 번호 개체 틀 2"/>
-          <p:cNvSpPr>
-            <a:spLocks noGrp="1"/>
-          </p:cNvSpPr>
-          <p:nvPr>
-            <p:ph type="sldNum" sz="quarter" idx="12"/>
-          </p:nvPr>
-        </p:nvSpPr>
-        <p:spPr/>
-        <p:txBody>
-          <a:bodyPr/>
-          <a:lstStyle/>
-          <a:p>
-            <a:fld id="{6DDAE2C3-1A0B-474A-8CE8-AE55B8D9D4B1}" type="slidenum">
-              <a:rPr lang="ko-KR" altLang="en-US" smtClean="0"/>
-              <a:pPr/>
-              <a:t>21</a:t>
-            </a:fld>
-            <a:endParaRPr lang="ko-KR" altLang="en-US" dirty="0"/>
-          </a:p>
-        </p:txBody>
-      </p:sp>
-      <p:pic>
-        <p:nvPicPr>
-          <p:cNvPr id="2" name="그림 1">
-            <a:extLst>
-              <a:ext uri="{FF2B5EF4-FFF2-40B4-BE49-F238E27FC236}">
-                <a16:creationId xmlns:a16="http://schemas.microsoft.com/office/drawing/2014/main" id="{A4143997-BD5B-467F-9C94-93A6F2673CB4}"/>
-              </a:ext>
-            </a:extLst>
-          </p:cNvPr>
-          <p:cNvPicPr>
-            <a:picLocks noChangeAspect="1"/>
-          </p:cNvPicPr>
-          <p:nvPr/>
-        </p:nvPicPr>
-        <p:blipFill>
-          <a:blip r:embed="rId2"/>
-          <a:stretch>
-            <a:fillRect/>
-          </a:stretch>
-        </p:blipFill>
-        <p:spPr>
-          <a:xfrm>
-            <a:off x="3750102" y="0"/>
-            <a:ext cx="8256779" cy="6840538"/>
-          </a:xfrm>
-          <a:prstGeom prst="rect">
-            <a:avLst/>
-          </a:prstGeom>
-        </p:spPr>
-      </p:pic>
-    </p:spTree>
-    <p:extLst>
-      <p:ext uri="{BB962C8B-B14F-4D97-AF65-F5344CB8AC3E}">
-        <p14:creationId xmlns:p14="http://schemas.microsoft.com/office/powerpoint/2010/main" val="945379000"/>
-      </p:ext>
-    </p:extLst>
-  </p:cSld>
-  <p:clrMapOvr>
-    <a:masterClrMapping/>
-  </p:clrMapOvr>
-</p:sld>
-</file>
-
-<file path=ppt/slides/slide22.xml><?xml version="1.0" encoding="utf-8"?>
-<p:sld xmlns:a="http://schemas.openxmlformats.org/drawingml/2006/main" xmlns:r="http://schemas.openxmlformats.org/officeDocument/2006/relationships" xmlns:p="http://schemas.openxmlformats.org/presentationml/2006/main">
-  <p:cSld>
-    <p:spTree>
-      <p:nvGrpSpPr>
-        <p:cNvPr id="1" name=""/>
-        <p:cNvGrpSpPr/>
-        <p:nvPr/>
-      </p:nvGrpSpPr>
-      <p:grpSpPr>
-        <a:xfrm>
-          <a:off x="0" y="0"/>
-          <a:ext cx="0" cy="0"/>
-          <a:chOff x="0" y="0"/>
-          <a:chExt cx="0" cy="0"/>
-        </a:xfrm>
-      </p:grpSpPr>
-      <p:sp>
-        <p:nvSpPr>
-          <p:cNvPr id="5" name="제목 4"/>
-          <p:cNvSpPr>
-            <a:spLocks noGrp="1"/>
-          </p:cNvSpPr>
-          <p:nvPr>
-            <p:ph type="title"/>
-          </p:nvPr>
-        </p:nvSpPr>
-        <p:spPr>
-          <a:xfrm>
-            <a:off x="608016" y="551987"/>
-            <a:ext cx="10944225" cy="1140090"/>
-          </a:xfrm>
-        </p:spPr>
-        <p:txBody>
-          <a:bodyPr>
-            <a:normAutofit/>
-          </a:bodyPr>
-          <a:lstStyle/>
-          <a:p>
-            <a:pPr algn="l"/>
-            <a:r>
-              <a:rPr lang="en-US" altLang="ko-KR" sz="4400" dirty="0">
-                <a:solidFill>
-                  <a:schemeClr val="tx1">
-                    <a:lumMod val="75000"/>
-                    <a:lumOff val="25000"/>
-                  </a:schemeClr>
-                </a:solidFill>
-                <a:latin typeface="Noto Sans CJK KR Black" pitchFamily="34" charset="-127"/>
-                <a:ea typeface="Noto Sans CJK KR Black" pitchFamily="34" charset="-127"/>
-              </a:rPr>
-              <a:t>1. </a:t>
-            </a:r>
-            <a:r>
-              <a:rPr lang="ko-KR" altLang="en-US" sz="4400" dirty="0">
-                <a:solidFill>
-                  <a:schemeClr val="tx1">
-                    <a:lumMod val="75000"/>
-                    <a:lumOff val="25000"/>
-                  </a:schemeClr>
-                </a:solidFill>
-                <a:latin typeface="Noto Sans CJK KR Black" pitchFamily="34" charset="-127"/>
-                <a:ea typeface="Noto Sans CJK KR Black" pitchFamily="34" charset="-127"/>
-              </a:rPr>
-              <a:t>기계학습 알고리즘</a:t>
-            </a:r>
-            <a:endParaRPr lang="ko-KR" altLang="en-US" sz="4400" dirty="0">
-              <a:solidFill>
-                <a:schemeClr val="tx1">
-                  <a:lumMod val="75000"/>
-                  <a:lumOff val="25000"/>
-                </a:schemeClr>
-              </a:solidFill>
-            </a:endParaRPr>
-          </a:p>
-        </p:txBody>
-      </p:sp>
-      <p:sp>
-        <p:nvSpPr>
-          <p:cNvPr id="3" name="슬라이드 번호 개체 틀 2"/>
-          <p:cNvSpPr>
-            <a:spLocks noGrp="1"/>
-          </p:cNvSpPr>
-          <p:nvPr>
-            <p:ph type="sldNum" sz="quarter" idx="12"/>
-          </p:nvPr>
-        </p:nvSpPr>
-        <p:spPr/>
-        <p:txBody>
-          <a:bodyPr/>
-          <a:lstStyle/>
-          <a:p>
-            <a:fld id="{6DDAE2C3-1A0B-474A-8CE8-AE55B8D9D4B1}" type="slidenum">
-              <a:rPr lang="ko-KR" altLang="en-US" smtClean="0"/>
-              <a:pPr/>
-              <a:t>22</a:t>
-            </a:fld>
-            <a:endParaRPr lang="ko-KR" altLang="en-US" dirty="0"/>
-          </a:p>
-        </p:txBody>
-      </p:sp>
-      <p:pic>
-        <p:nvPicPr>
-          <p:cNvPr id="2" name="그림 1">
-            <a:extLst>
-              <a:ext uri="{FF2B5EF4-FFF2-40B4-BE49-F238E27FC236}">
-                <a16:creationId xmlns:a16="http://schemas.microsoft.com/office/drawing/2014/main" id="{EE4031B8-D31C-4DD6-8A8A-855EE98771BE}"/>
-              </a:ext>
-            </a:extLst>
-          </p:cNvPr>
-          <p:cNvPicPr>
-            <a:picLocks noChangeAspect="1"/>
-          </p:cNvPicPr>
-          <p:nvPr/>
-        </p:nvPicPr>
-        <p:blipFill>
-          <a:blip r:embed="rId2"/>
-          <a:stretch>
-            <a:fillRect/>
-          </a:stretch>
-        </p:blipFill>
-        <p:spPr>
-          <a:xfrm>
-            <a:off x="2513012" y="1589175"/>
-            <a:ext cx="7134225" cy="4886325"/>
-          </a:xfrm>
-          <a:prstGeom prst="rect">
-            <a:avLst/>
-          </a:prstGeom>
-        </p:spPr>
-      </p:pic>
-    </p:spTree>
-    <p:extLst>
-      <p:ext uri="{BB962C8B-B14F-4D97-AF65-F5344CB8AC3E}">
-        <p14:creationId xmlns:p14="http://schemas.microsoft.com/office/powerpoint/2010/main" val="446366101"/>
-      </p:ext>
-    </p:extLst>
-  </p:cSld>
-  <p:clrMapOvr>
-    <a:masterClrMapping/>
-  </p:clrMapOvr>
-</p:sld>
-</file>
-
-<file path=ppt/slides/slide23.xml><?xml version="1.0" encoding="utf-8"?>
-<p:sld xmlns:a="http://schemas.openxmlformats.org/drawingml/2006/main" xmlns:r="http://schemas.openxmlformats.org/officeDocument/2006/relationships" xmlns:p="http://schemas.openxmlformats.org/presentationml/2006/main">
-  <p:cSld>
-    <p:spTree>
-      <p:nvGrpSpPr>
-        <p:cNvPr id="1" name=""/>
-        <p:cNvGrpSpPr/>
-        <p:nvPr/>
-      </p:nvGrpSpPr>
-      <p:grpSpPr>
-        <a:xfrm>
-          <a:off x="0" y="0"/>
-          <a:ext cx="0" cy="0"/>
-          <a:chOff x="0" y="0"/>
-          <a:chExt cx="0" cy="0"/>
-        </a:xfrm>
-      </p:grpSpPr>
-      <p:sp>
-        <p:nvSpPr>
-          <p:cNvPr id="5" name="제목 4"/>
-          <p:cNvSpPr>
-            <a:spLocks noGrp="1"/>
-          </p:cNvSpPr>
-          <p:nvPr>
-            <p:ph type="title"/>
-          </p:nvPr>
-        </p:nvSpPr>
-        <p:spPr>
-          <a:xfrm>
-            <a:off x="608016" y="551987"/>
-            <a:ext cx="10944225" cy="1140090"/>
-          </a:xfrm>
-        </p:spPr>
-        <p:txBody>
-          <a:bodyPr>
-            <a:normAutofit/>
-          </a:bodyPr>
-          <a:lstStyle/>
-          <a:p>
-            <a:pPr algn="l"/>
-            <a:r>
-              <a:rPr lang="en-US" altLang="ko-KR" sz="4400" dirty="0">
-                <a:solidFill>
-                  <a:schemeClr val="tx1">
-                    <a:lumMod val="75000"/>
-                    <a:lumOff val="25000"/>
-                  </a:schemeClr>
-                </a:solidFill>
-                <a:latin typeface="Noto Sans CJK KR Black" pitchFamily="34" charset="-127"/>
-                <a:ea typeface="Noto Sans CJK KR Black" pitchFamily="34" charset="-127"/>
-              </a:rPr>
-              <a:t>1. </a:t>
-            </a:r>
-            <a:r>
-              <a:rPr lang="ko-KR" altLang="en-US" sz="4400" dirty="0">
-                <a:solidFill>
-                  <a:schemeClr val="tx1">
-                    <a:lumMod val="75000"/>
-                    <a:lumOff val="25000"/>
-                  </a:schemeClr>
-                </a:solidFill>
-                <a:latin typeface="Noto Sans CJK KR Black" pitchFamily="34" charset="-127"/>
-                <a:ea typeface="Noto Sans CJK KR Black" pitchFamily="34" charset="-127"/>
-              </a:rPr>
-              <a:t>기계학습 알고리즘</a:t>
-            </a:r>
-            <a:endParaRPr lang="ko-KR" altLang="en-US" sz="4400" dirty="0">
-              <a:solidFill>
-                <a:schemeClr val="tx1">
-                  <a:lumMod val="75000"/>
-                  <a:lumOff val="25000"/>
-                </a:schemeClr>
-              </a:solidFill>
-            </a:endParaRPr>
-          </a:p>
-        </p:txBody>
-      </p:sp>
-      <p:sp>
-        <p:nvSpPr>
-          <p:cNvPr id="3" name="슬라이드 번호 개체 틀 2"/>
-          <p:cNvSpPr>
-            <a:spLocks noGrp="1"/>
-          </p:cNvSpPr>
-          <p:nvPr>
-            <p:ph type="sldNum" sz="quarter" idx="12"/>
-          </p:nvPr>
-        </p:nvSpPr>
-        <p:spPr/>
-        <p:txBody>
-          <a:bodyPr/>
-          <a:lstStyle/>
-          <a:p>
-            <a:fld id="{6DDAE2C3-1A0B-474A-8CE8-AE55B8D9D4B1}" type="slidenum">
-              <a:rPr lang="ko-KR" altLang="en-US" smtClean="0"/>
-              <a:pPr/>
-              <a:t>23</a:t>
-            </a:fld>
-            <a:endParaRPr lang="ko-KR" altLang="en-US" dirty="0"/>
-          </a:p>
-        </p:txBody>
-      </p:sp>
-      <p:pic>
-        <p:nvPicPr>
-          <p:cNvPr id="4" name="그림 3">
-            <a:extLst>
-              <a:ext uri="{FF2B5EF4-FFF2-40B4-BE49-F238E27FC236}">
-                <a16:creationId xmlns:a16="http://schemas.microsoft.com/office/drawing/2014/main" id="{E960642D-16AA-42EE-9E10-D3EDD102A8E6}"/>
-              </a:ext>
-            </a:extLst>
-          </p:cNvPr>
-          <p:cNvPicPr>
-            <a:picLocks noChangeAspect="1"/>
-          </p:cNvPicPr>
-          <p:nvPr/>
-        </p:nvPicPr>
-        <p:blipFill>
-          <a:blip r:embed="rId2"/>
-          <a:stretch>
-            <a:fillRect/>
-          </a:stretch>
-        </p:blipFill>
-        <p:spPr>
-          <a:xfrm>
-            <a:off x="587783" y="1705348"/>
-            <a:ext cx="6810375" cy="4667250"/>
-          </a:xfrm>
-          <a:prstGeom prst="rect">
-            <a:avLst/>
-          </a:prstGeom>
-        </p:spPr>
-      </p:pic>
-      <p:pic>
-        <p:nvPicPr>
-          <p:cNvPr id="6" name="그림 5">
-            <a:extLst>
-              <a:ext uri="{FF2B5EF4-FFF2-40B4-BE49-F238E27FC236}">
-                <a16:creationId xmlns:a16="http://schemas.microsoft.com/office/drawing/2014/main" id="{518C9C44-EC8E-47A3-861A-2D657280D31F}"/>
-              </a:ext>
-            </a:extLst>
-          </p:cNvPr>
-          <p:cNvPicPr>
-            <a:picLocks noChangeAspect="1"/>
-          </p:cNvPicPr>
-          <p:nvPr/>
-        </p:nvPicPr>
-        <p:blipFill>
-          <a:blip r:embed="rId3"/>
-          <a:stretch>
-            <a:fillRect/>
-          </a:stretch>
-        </p:blipFill>
-        <p:spPr>
-          <a:xfrm>
-            <a:off x="7398158" y="2804469"/>
-            <a:ext cx="3790950" cy="3581400"/>
-          </a:xfrm>
-          <a:prstGeom prst="rect">
-            <a:avLst/>
-          </a:prstGeom>
-        </p:spPr>
-      </p:pic>
-    </p:spTree>
-    <p:extLst>
-      <p:ext uri="{BB962C8B-B14F-4D97-AF65-F5344CB8AC3E}">
-        <p14:creationId xmlns:p14="http://schemas.microsoft.com/office/powerpoint/2010/main" val="343394198"/>
-      </p:ext>
-    </p:extLst>
-  </p:cSld>
-  <p:clrMapOvr>
-    <a:masterClrMapping/>
-  </p:clrMapOvr>
-</p:sld>
-</file>
-
-<file path=ppt/slides/slide24.xml><?xml version="1.0" encoding="utf-8"?>
-<p:sld xmlns:a="http://schemas.openxmlformats.org/drawingml/2006/main" xmlns:r="http://schemas.openxmlformats.org/officeDocument/2006/relationships" xmlns:p="http://schemas.openxmlformats.org/presentationml/2006/main">
-  <p:cSld>
-    <p:spTree>
-      <p:nvGrpSpPr>
-        <p:cNvPr id="1" name=""/>
-        <p:cNvGrpSpPr/>
-        <p:nvPr/>
-      </p:nvGrpSpPr>
-      <p:grpSpPr>
-        <a:xfrm>
-          <a:off x="0" y="0"/>
-          <a:ext cx="0" cy="0"/>
-          <a:chOff x="0" y="0"/>
-          <a:chExt cx="0" cy="0"/>
-        </a:xfrm>
-      </p:grpSpPr>
-      <p:sp>
-        <p:nvSpPr>
-          <p:cNvPr id="5" name="제목 4"/>
-          <p:cNvSpPr>
-            <a:spLocks noGrp="1"/>
-          </p:cNvSpPr>
-          <p:nvPr>
-            <p:ph type="title"/>
-          </p:nvPr>
-        </p:nvSpPr>
-        <p:spPr>
-          <a:xfrm>
-            <a:off x="608016" y="551987"/>
-            <a:ext cx="10944225" cy="1140090"/>
-          </a:xfrm>
-        </p:spPr>
-        <p:txBody>
-          <a:bodyPr>
-            <a:normAutofit/>
-          </a:bodyPr>
-          <a:lstStyle/>
-          <a:p>
-            <a:pPr algn="l"/>
-            <a:r>
-              <a:rPr lang="en-US" altLang="ko-KR" sz="4400" dirty="0">
-                <a:solidFill>
-                  <a:schemeClr val="tx1">
-                    <a:lumMod val="75000"/>
-                    <a:lumOff val="25000"/>
-                  </a:schemeClr>
-                </a:solidFill>
-                <a:latin typeface="Noto Sans CJK KR Black" pitchFamily="34" charset="-127"/>
-                <a:ea typeface="Noto Sans CJK KR Black" pitchFamily="34" charset="-127"/>
-              </a:rPr>
-              <a:t>1. </a:t>
-            </a:r>
-            <a:r>
-              <a:rPr lang="ko-KR" altLang="en-US" sz="4400" dirty="0">
-                <a:solidFill>
-                  <a:schemeClr val="tx1">
-                    <a:lumMod val="75000"/>
-                    <a:lumOff val="25000"/>
-                  </a:schemeClr>
-                </a:solidFill>
-                <a:latin typeface="Noto Sans CJK KR Black" pitchFamily="34" charset="-127"/>
-                <a:ea typeface="Noto Sans CJK KR Black" pitchFamily="34" charset="-127"/>
-              </a:rPr>
-              <a:t>기계학습 알고리즘</a:t>
-            </a:r>
-            <a:endParaRPr lang="ko-KR" altLang="en-US" sz="4400" dirty="0">
-              <a:solidFill>
-                <a:schemeClr val="tx1">
-                  <a:lumMod val="75000"/>
-                  <a:lumOff val="25000"/>
-                </a:schemeClr>
-              </a:solidFill>
-            </a:endParaRPr>
-          </a:p>
-        </p:txBody>
-      </p:sp>
-      <p:sp>
-        <p:nvSpPr>
-          <p:cNvPr id="3" name="슬라이드 번호 개체 틀 2"/>
-          <p:cNvSpPr>
-            <a:spLocks noGrp="1"/>
-          </p:cNvSpPr>
-          <p:nvPr>
-            <p:ph type="sldNum" sz="quarter" idx="12"/>
-          </p:nvPr>
-        </p:nvSpPr>
-        <p:spPr/>
-        <p:txBody>
-          <a:bodyPr/>
-          <a:lstStyle/>
-          <a:p>
-            <a:fld id="{6DDAE2C3-1A0B-474A-8CE8-AE55B8D9D4B1}" type="slidenum">
-              <a:rPr lang="ko-KR" altLang="en-US" smtClean="0"/>
-              <a:pPr/>
-              <a:t>24</a:t>
-            </a:fld>
-            <a:endParaRPr lang="ko-KR" altLang="en-US" dirty="0"/>
-          </a:p>
-        </p:txBody>
-      </p:sp>
-      <p:pic>
-        <p:nvPicPr>
-          <p:cNvPr id="2" name="그림 1">
-            <a:extLst>
-              <a:ext uri="{FF2B5EF4-FFF2-40B4-BE49-F238E27FC236}">
-                <a16:creationId xmlns:a16="http://schemas.microsoft.com/office/drawing/2014/main" id="{C3BB5FF0-807B-4573-A1D8-52B1ABAF4BD0}"/>
-              </a:ext>
-            </a:extLst>
-          </p:cNvPr>
-          <p:cNvPicPr>
-            <a:picLocks noChangeAspect="1"/>
-          </p:cNvPicPr>
-          <p:nvPr/>
-        </p:nvPicPr>
-        <p:blipFill>
-          <a:blip r:embed="rId2"/>
-          <a:stretch>
-            <a:fillRect/>
-          </a:stretch>
-        </p:blipFill>
-        <p:spPr>
-          <a:xfrm>
-            <a:off x="2370137" y="1903500"/>
-            <a:ext cx="7419975" cy="4257675"/>
-          </a:xfrm>
-          <a:prstGeom prst="rect">
-            <a:avLst/>
-          </a:prstGeom>
-        </p:spPr>
-      </p:pic>
-    </p:spTree>
-    <p:extLst>
-      <p:ext uri="{BB962C8B-B14F-4D97-AF65-F5344CB8AC3E}">
-        <p14:creationId xmlns:p14="http://schemas.microsoft.com/office/powerpoint/2010/main" val="1798927978"/>
-      </p:ext>
-    </p:extLst>
-  </p:cSld>
-  <p:clrMapOvr>
-    <a:masterClrMapping/>
-  </p:clrMapOvr>
-</p:sld>
-</file>
-
-<file path=ppt/slides/slide25.xml><?xml version="1.0" encoding="utf-8"?>
-<p:sld xmlns:a="http://schemas.openxmlformats.org/drawingml/2006/main" xmlns:r="http://schemas.openxmlformats.org/officeDocument/2006/relationships" xmlns:p="http://schemas.openxmlformats.org/presentationml/2006/main">
-  <p:cSld>
-    <p:spTree>
-      <p:nvGrpSpPr>
-        <p:cNvPr id="1" name=""/>
-        <p:cNvGrpSpPr/>
-        <p:nvPr/>
-      </p:nvGrpSpPr>
-      <p:grpSpPr>
-        <a:xfrm>
-          <a:off x="0" y="0"/>
-          <a:ext cx="0" cy="0"/>
-          <a:chOff x="0" y="0"/>
-          <a:chExt cx="0" cy="0"/>
-        </a:xfrm>
-      </p:grpSpPr>
-      <p:sp>
-        <p:nvSpPr>
-          <p:cNvPr id="5" name="제목 4"/>
-          <p:cNvSpPr>
-            <a:spLocks noGrp="1"/>
-          </p:cNvSpPr>
-          <p:nvPr>
-            <p:ph type="title"/>
-          </p:nvPr>
-        </p:nvSpPr>
-        <p:spPr>
-          <a:xfrm>
-            <a:off x="608016" y="551987"/>
-            <a:ext cx="10944225" cy="1140090"/>
-          </a:xfrm>
-        </p:spPr>
-        <p:txBody>
-          <a:bodyPr>
-            <a:normAutofit fontScale="90000"/>
-          </a:bodyPr>
-          <a:lstStyle/>
-          <a:p>
-            <a:pPr algn="l"/>
-            <a:r>
-              <a:rPr lang="en-US" altLang="ko-KR" sz="4400" dirty="0">
-                <a:solidFill>
-                  <a:schemeClr val="tx1">
-                    <a:lumMod val="75000"/>
-                    <a:lumOff val="25000"/>
-                  </a:schemeClr>
-                </a:solidFill>
-                <a:latin typeface="Noto Sans CJK KR Black" pitchFamily="34" charset="-127"/>
-                <a:ea typeface="Noto Sans CJK KR Black" pitchFamily="34" charset="-127"/>
-              </a:rPr>
-              <a:t>1. </a:t>
-            </a:r>
-            <a:r>
-              <a:rPr lang="ko-KR" altLang="en-US" sz="4400" dirty="0">
-                <a:solidFill>
-                  <a:schemeClr val="tx1">
-                    <a:lumMod val="75000"/>
-                    <a:lumOff val="25000"/>
-                  </a:schemeClr>
-                </a:solidFill>
-                <a:latin typeface="Noto Sans CJK KR Black" pitchFamily="34" charset="-127"/>
-                <a:ea typeface="Noto Sans CJK KR Black" pitchFamily="34" charset="-127"/>
-              </a:rPr>
-              <a:t>기계학습</a:t>
-            </a:r>
-            <a:br>
-              <a:rPr lang="en-US" altLang="ko-KR" sz="4400" dirty="0">
-                <a:solidFill>
-                  <a:schemeClr val="tx1">
-                    <a:lumMod val="75000"/>
-                    <a:lumOff val="25000"/>
-                  </a:schemeClr>
-                </a:solidFill>
-                <a:latin typeface="Noto Sans CJK KR Black" pitchFamily="34" charset="-127"/>
-                <a:ea typeface="Noto Sans CJK KR Black" pitchFamily="34" charset="-127"/>
-              </a:rPr>
-            </a:br>
-            <a:r>
-              <a:rPr lang="ko-KR" altLang="en-US" sz="4400" dirty="0">
-                <a:solidFill>
-                  <a:schemeClr val="tx1">
-                    <a:lumMod val="75000"/>
-                    <a:lumOff val="25000"/>
-                  </a:schemeClr>
-                </a:solidFill>
-                <a:latin typeface="Noto Sans CJK KR Black" pitchFamily="34" charset="-127"/>
-                <a:ea typeface="Noto Sans CJK KR Black" pitchFamily="34" charset="-127"/>
-              </a:rPr>
-              <a:t>알고리즘</a:t>
-            </a:r>
-            <a:endParaRPr lang="ko-KR" altLang="en-US" sz="4400" dirty="0">
-              <a:solidFill>
-                <a:schemeClr val="tx1">
-                  <a:lumMod val="75000"/>
-                  <a:lumOff val="25000"/>
-                </a:schemeClr>
-              </a:solidFill>
-            </a:endParaRPr>
-          </a:p>
-        </p:txBody>
-      </p:sp>
-      <p:sp>
-        <p:nvSpPr>
-          <p:cNvPr id="3" name="슬라이드 번호 개체 틀 2"/>
-          <p:cNvSpPr>
-            <a:spLocks noGrp="1"/>
-          </p:cNvSpPr>
-          <p:nvPr>
-            <p:ph type="sldNum" sz="quarter" idx="12"/>
-          </p:nvPr>
-        </p:nvSpPr>
-        <p:spPr/>
-        <p:txBody>
-          <a:bodyPr/>
-          <a:lstStyle/>
-          <a:p>
-            <a:fld id="{6DDAE2C3-1A0B-474A-8CE8-AE55B8D9D4B1}" type="slidenum">
-              <a:rPr lang="ko-KR" altLang="en-US" smtClean="0"/>
-              <a:pPr/>
-              <a:t>25</a:t>
-            </a:fld>
-            <a:endParaRPr lang="ko-KR" altLang="en-US" dirty="0"/>
-          </a:p>
-        </p:txBody>
-      </p:sp>
-      <p:pic>
-        <p:nvPicPr>
-          <p:cNvPr id="6" name="그림 5">
-            <a:extLst>
-              <a:ext uri="{FF2B5EF4-FFF2-40B4-BE49-F238E27FC236}">
-                <a16:creationId xmlns:a16="http://schemas.microsoft.com/office/drawing/2014/main" id="{79A5DFBA-CE05-4AFE-AF6E-56F824B27E49}"/>
-              </a:ext>
-            </a:extLst>
-          </p:cNvPr>
-          <p:cNvPicPr>
-            <a:picLocks noChangeAspect="1"/>
-          </p:cNvPicPr>
-          <p:nvPr/>
-        </p:nvPicPr>
-        <p:blipFill>
-          <a:blip r:embed="rId2"/>
-          <a:stretch>
-            <a:fillRect/>
-          </a:stretch>
-        </p:blipFill>
-        <p:spPr>
-          <a:xfrm>
-            <a:off x="3847877" y="634206"/>
-            <a:ext cx="7143750" cy="5572125"/>
-          </a:xfrm>
-          <a:prstGeom prst="rect">
-            <a:avLst/>
-          </a:prstGeom>
-        </p:spPr>
-      </p:pic>
-    </p:spTree>
-    <p:extLst>
-      <p:ext uri="{BB962C8B-B14F-4D97-AF65-F5344CB8AC3E}">
-        <p14:creationId xmlns:p14="http://schemas.microsoft.com/office/powerpoint/2010/main" val="3981340834"/>
-      </p:ext>
-    </p:extLst>
-  </p:cSld>
-  <p:clrMapOvr>
-    <a:masterClrMapping/>
-  </p:clrMapOvr>
-</p:sld>
-</file>
-
-<file path=ppt/slides/slide26.xml><?xml version="1.0" encoding="utf-8"?>
-<p:sld xmlns:a="http://schemas.openxmlformats.org/drawingml/2006/main" xmlns:r="http://schemas.openxmlformats.org/officeDocument/2006/relationships" xmlns:p="http://schemas.openxmlformats.org/presentationml/2006/main">
-  <p:cSld>
-    <p:spTree>
-      <p:nvGrpSpPr>
-        <p:cNvPr id="1" name=""/>
-        <p:cNvGrpSpPr/>
-        <p:nvPr/>
-      </p:nvGrpSpPr>
-      <p:grpSpPr>
-        <a:xfrm>
-          <a:off x="0" y="0"/>
-          <a:ext cx="0" cy="0"/>
-          <a:chOff x="0" y="0"/>
-          <a:chExt cx="0" cy="0"/>
-        </a:xfrm>
-      </p:grpSpPr>
-      <p:sp>
-        <p:nvSpPr>
-          <p:cNvPr id="5" name="제목 4"/>
-          <p:cNvSpPr>
-            <a:spLocks noGrp="1"/>
-          </p:cNvSpPr>
-          <p:nvPr>
-            <p:ph type="title"/>
-          </p:nvPr>
-        </p:nvSpPr>
-        <p:spPr>
-          <a:xfrm>
-            <a:off x="608016" y="551987"/>
-            <a:ext cx="10944225" cy="1140090"/>
-          </a:xfrm>
-        </p:spPr>
-        <p:txBody>
-          <a:bodyPr>
-            <a:normAutofit fontScale="90000"/>
-          </a:bodyPr>
-          <a:lstStyle/>
-          <a:p>
-            <a:pPr algn="l"/>
-            <a:r>
-              <a:rPr lang="en-US" altLang="ko-KR" sz="4400" dirty="0">
-                <a:solidFill>
-                  <a:schemeClr val="tx1">
-                    <a:lumMod val="75000"/>
-                    <a:lumOff val="25000"/>
-                  </a:schemeClr>
-                </a:solidFill>
-                <a:latin typeface="Noto Sans CJK KR Black" pitchFamily="34" charset="-127"/>
-                <a:ea typeface="Noto Sans CJK KR Black" pitchFamily="34" charset="-127"/>
-              </a:rPr>
-              <a:t>1. </a:t>
-            </a:r>
-            <a:r>
-              <a:rPr lang="ko-KR" altLang="en-US" sz="4400" dirty="0">
-                <a:solidFill>
-                  <a:schemeClr val="tx1">
-                    <a:lumMod val="75000"/>
-                    <a:lumOff val="25000"/>
-                  </a:schemeClr>
-                </a:solidFill>
-                <a:latin typeface="Noto Sans CJK KR Black" pitchFamily="34" charset="-127"/>
-                <a:ea typeface="Noto Sans CJK KR Black" pitchFamily="34" charset="-127"/>
-              </a:rPr>
-              <a:t>기계학습</a:t>
-            </a:r>
-            <a:br>
-              <a:rPr lang="en-US" altLang="ko-KR" sz="4400" dirty="0">
-                <a:solidFill>
-                  <a:schemeClr val="tx1">
-                    <a:lumMod val="75000"/>
-                    <a:lumOff val="25000"/>
-                  </a:schemeClr>
-                </a:solidFill>
-                <a:latin typeface="Noto Sans CJK KR Black" pitchFamily="34" charset="-127"/>
-                <a:ea typeface="Noto Sans CJK KR Black" pitchFamily="34" charset="-127"/>
-              </a:rPr>
-            </a:br>
-            <a:r>
-              <a:rPr lang="ko-KR" altLang="en-US" sz="4400" dirty="0">
-                <a:solidFill>
-                  <a:schemeClr val="tx1">
-                    <a:lumMod val="75000"/>
-                    <a:lumOff val="25000"/>
-                  </a:schemeClr>
-                </a:solidFill>
-                <a:latin typeface="Noto Sans CJK KR Black" pitchFamily="34" charset="-127"/>
-                <a:ea typeface="Noto Sans CJK KR Black" pitchFamily="34" charset="-127"/>
-              </a:rPr>
-              <a:t>알고리즘</a:t>
-            </a:r>
-            <a:endParaRPr lang="ko-KR" altLang="en-US" sz="4400" dirty="0">
-              <a:solidFill>
-                <a:schemeClr val="tx1">
-                  <a:lumMod val="75000"/>
-                  <a:lumOff val="25000"/>
-                </a:schemeClr>
-              </a:solidFill>
-            </a:endParaRPr>
-          </a:p>
-        </p:txBody>
-      </p:sp>
-      <p:sp>
-        <p:nvSpPr>
-          <p:cNvPr id="3" name="슬라이드 번호 개체 틀 2"/>
-          <p:cNvSpPr>
-            <a:spLocks noGrp="1"/>
-          </p:cNvSpPr>
-          <p:nvPr>
-            <p:ph type="sldNum" sz="quarter" idx="12"/>
-          </p:nvPr>
-        </p:nvSpPr>
-        <p:spPr/>
-        <p:txBody>
-          <a:bodyPr/>
-          <a:lstStyle/>
-          <a:p>
-            <a:fld id="{6DDAE2C3-1A0B-474A-8CE8-AE55B8D9D4B1}" type="slidenum">
-              <a:rPr lang="ko-KR" altLang="en-US" smtClean="0"/>
-              <a:pPr/>
-              <a:t>26</a:t>
-            </a:fld>
-            <a:endParaRPr lang="ko-KR" altLang="en-US" dirty="0"/>
-          </a:p>
-        </p:txBody>
-      </p:sp>
-      <p:pic>
-        <p:nvPicPr>
-          <p:cNvPr id="2" name="그림 1">
-            <a:extLst>
-              <a:ext uri="{FF2B5EF4-FFF2-40B4-BE49-F238E27FC236}">
-                <a16:creationId xmlns:a16="http://schemas.microsoft.com/office/drawing/2014/main" id="{EA433723-7CBE-4DF6-B257-D1F1D59D51D2}"/>
-              </a:ext>
-            </a:extLst>
-          </p:cNvPr>
-          <p:cNvPicPr>
-            <a:picLocks noChangeAspect="1"/>
-          </p:cNvPicPr>
-          <p:nvPr/>
-        </p:nvPicPr>
-        <p:blipFill>
-          <a:blip r:embed="rId2"/>
-          <a:stretch>
-            <a:fillRect/>
-          </a:stretch>
-        </p:blipFill>
-        <p:spPr>
-          <a:xfrm>
-            <a:off x="4063901" y="1839119"/>
-            <a:ext cx="6743700" cy="3162300"/>
-          </a:xfrm>
-          <a:prstGeom prst="rect">
-            <a:avLst/>
-          </a:prstGeom>
-        </p:spPr>
-      </p:pic>
-    </p:spTree>
-    <p:extLst>
-      <p:ext uri="{BB962C8B-B14F-4D97-AF65-F5344CB8AC3E}">
-        <p14:creationId xmlns:p14="http://schemas.microsoft.com/office/powerpoint/2010/main" val="511879905"/>
-      </p:ext>
-    </p:extLst>
-  </p:cSld>
-  <p:clrMapOvr>
-    <a:masterClrMapping/>
-  </p:clrMapOvr>
-</p:sld>
-</file>
-
-<file path=ppt/slides/slide27.xml><?xml version="1.0" encoding="utf-8"?>
-<p:sld xmlns:a="http://schemas.openxmlformats.org/drawingml/2006/main" xmlns:r="http://schemas.openxmlformats.org/officeDocument/2006/relationships" xmlns:p="http://schemas.openxmlformats.org/presentationml/2006/main">
-  <p:cSld>
-    <p:spTree>
-      <p:nvGrpSpPr>
-        <p:cNvPr id="1" name=""/>
-        <p:cNvGrpSpPr/>
-        <p:nvPr/>
-      </p:nvGrpSpPr>
-      <p:grpSpPr>
-        <a:xfrm>
-          <a:off x="0" y="0"/>
-          <a:ext cx="0" cy="0"/>
-          <a:chOff x="0" y="0"/>
-          <a:chExt cx="0" cy="0"/>
-        </a:xfrm>
-      </p:grpSpPr>
-      <p:sp>
-        <p:nvSpPr>
-          <p:cNvPr id="5" name="제목 4"/>
-          <p:cNvSpPr>
-            <a:spLocks noGrp="1"/>
-          </p:cNvSpPr>
-          <p:nvPr>
-            <p:ph type="title"/>
-          </p:nvPr>
-        </p:nvSpPr>
-        <p:spPr>
-          <a:xfrm>
-            <a:off x="608016" y="551987"/>
-            <a:ext cx="10944225" cy="1140090"/>
-          </a:xfrm>
-        </p:spPr>
-        <p:txBody>
-          <a:bodyPr>
-            <a:normAutofit fontScale="90000"/>
-          </a:bodyPr>
-          <a:lstStyle/>
-          <a:p>
-            <a:pPr algn="l"/>
-            <a:r>
-              <a:rPr lang="en-US" altLang="ko-KR" sz="4400" dirty="0">
-                <a:solidFill>
-                  <a:schemeClr val="tx1">
-                    <a:lumMod val="75000"/>
-                    <a:lumOff val="25000"/>
-                  </a:schemeClr>
-                </a:solidFill>
-                <a:latin typeface="Noto Sans CJK KR Black" pitchFamily="34" charset="-127"/>
-                <a:ea typeface="Noto Sans CJK KR Black" pitchFamily="34" charset="-127"/>
-              </a:rPr>
-              <a:t>1. </a:t>
-            </a:r>
-            <a:r>
-              <a:rPr lang="ko-KR" altLang="en-US" sz="4400" dirty="0">
-                <a:solidFill>
-                  <a:schemeClr val="tx1">
-                    <a:lumMod val="75000"/>
-                    <a:lumOff val="25000"/>
-                  </a:schemeClr>
-                </a:solidFill>
-                <a:latin typeface="Noto Sans CJK KR Black" pitchFamily="34" charset="-127"/>
-                <a:ea typeface="Noto Sans CJK KR Black" pitchFamily="34" charset="-127"/>
-              </a:rPr>
-              <a:t>기계학습 </a:t>
-            </a:r>
-            <a:br>
-              <a:rPr lang="en-US" altLang="ko-KR" sz="4400" dirty="0">
-                <a:solidFill>
-                  <a:schemeClr val="tx1">
-                    <a:lumMod val="75000"/>
-                    <a:lumOff val="25000"/>
-                  </a:schemeClr>
-                </a:solidFill>
-                <a:latin typeface="Noto Sans CJK KR Black" pitchFamily="34" charset="-127"/>
-                <a:ea typeface="Noto Sans CJK KR Black" pitchFamily="34" charset="-127"/>
-              </a:rPr>
-            </a:br>
-            <a:r>
-              <a:rPr lang="ko-KR" altLang="en-US" sz="4400" dirty="0">
-                <a:solidFill>
-                  <a:schemeClr val="tx1">
-                    <a:lumMod val="75000"/>
-                    <a:lumOff val="25000"/>
-                  </a:schemeClr>
-                </a:solidFill>
-                <a:latin typeface="Noto Sans CJK KR Black" pitchFamily="34" charset="-127"/>
-                <a:ea typeface="Noto Sans CJK KR Black" pitchFamily="34" charset="-127"/>
-              </a:rPr>
-              <a:t>알고리즘</a:t>
-            </a:r>
-            <a:endParaRPr lang="ko-KR" altLang="en-US" sz="4400" dirty="0">
-              <a:solidFill>
-                <a:schemeClr val="tx1">
-                  <a:lumMod val="75000"/>
-                  <a:lumOff val="25000"/>
-                </a:schemeClr>
-              </a:solidFill>
-            </a:endParaRPr>
-          </a:p>
-        </p:txBody>
-      </p:sp>
-      <p:sp>
-        <p:nvSpPr>
-          <p:cNvPr id="3" name="슬라이드 번호 개체 틀 2"/>
-          <p:cNvSpPr>
-            <a:spLocks noGrp="1"/>
-          </p:cNvSpPr>
-          <p:nvPr>
-            <p:ph type="sldNum" sz="quarter" idx="12"/>
-          </p:nvPr>
-        </p:nvSpPr>
-        <p:spPr/>
-        <p:txBody>
-          <a:bodyPr/>
-          <a:lstStyle/>
-          <a:p>
-            <a:fld id="{6DDAE2C3-1A0B-474A-8CE8-AE55B8D9D4B1}" type="slidenum">
-              <a:rPr lang="ko-KR" altLang="en-US" smtClean="0"/>
-              <a:pPr/>
-              <a:t>27</a:t>
-            </a:fld>
-            <a:endParaRPr lang="ko-KR" altLang="en-US" dirty="0"/>
-          </a:p>
-        </p:txBody>
-      </p:sp>
-      <p:pic>
-        <p:nvPicPr>
-          <p:cNvPr id="4" name="그림 3">
-            <a:extLst>
-              <a:ext uri="{FF2B5EF4-FFF2-40B4-BE49-F238E27FC236}">
-                <a16:creationId xmlns:a16="http://schemas.microsoft.com/office/drawing/2014/main" id="{A112DCD3-9290-4424-88B6-7A21462ADA89}"/>
-              </a:ext>
-            </a:extLst>
-          </p:cNvPr>
-          <p:cNvPicPr>
-            <a:picLocks noChangeAspect="1"/>
-          </p:cNvPicPr>
-          <p:nvPr/>
-        </p:nvPicPr>
-        <p:blipFill>
-          <a:blip r:embed="rId2"/>
-          <a:stretch>
-            <a:fillRect/>
-          </a:stretch>
-        </p:blipFill>
-        <p:spPr>
-          <a:xfrm>
-            <a:off x="4279925" y="0"/>
-            <a:ext cx="7143740" cy="6840538"/>
-          </a:xfrm>
-          <a:prstGeom prst="rect">
-            <a:avLst/>
-          </a:prstGeom>
-        </p:spPr>
-      </p:pic>
-    </p:spTree>
-    <p:extLst>
-      <p:ext uri="{BB962C8B-B14F-4D97-AF65-F5344CB8AC3E}">
-        <p14:creationId xmlns:p14="http://schemas.microsoft.com/office/powerpoint/2010/main" val="4201038256"/>
-      </p:ext>
-    </p:extLst>
-  </p:cSld>
-  <p:clrMapOvr>
-    <a:masterClrMapping/>
-  </p:clrMapOvr>
-</p:sld>
-</file>
-
-<file path=ppt/slides/slide28.xml><?xml version="1.0" encoding="utf-8"?>
-<p:sld xmlns:a="http://schemas.openxmlformats.org/drawingml/2006/main" xmlns:r="http://schemas.openxmlformats.org/officeDocument/2006/relationships" xmlns:p="http://schemas.openxmlformats.org/presentationml/2006/main">
-  <p:cSld>
-    <p:spTree>
-      <p:nvGrpSpPr>
-        <p:cNvPr id="1" name=""/>
-        <p:cNvGrpSpPr/>
-        <p:nvPr/>
-      </p:nvGrpSpPr>
-      <p:grpSpPr>
-        <a:xfrm>
-          <a:off x="0" y="0"/>
-          <a:ext cx="0" cy="0"/>
-          <a:chOff x="0" y="0"/>
-          <a:chExt cx="0" cy="0"/>
-        </a:xfrm>
-      </p:grpSpPr>
-      <p:sp>
-        <p:nvSpPr>
-          <p:cNvPr id="5" name="제목 4"/>
-          <p:cNvSpPr>
-            <a:spLocks noGrp="1"/>
-          </p:cNvSpPr>
-          <p:nvPr>
-            <p:ph type="title"/>
-          </p:nvPr>
-        </p:nvSpPr>
-        <p:spPr>
-          <a:xfrm>
-            <a:off x="608016" y="551987"/>
-            <a:ext cx="10944225" cy="1140090"/>
-          </a:xfrm>
-        </p:spPr>
-        <p:txBody>
-          <a:bodyPr>
-            <a:normAutofit/>
-          </a:bodyPr>
-          <a:lstStyle/>
-          <a:p>
-            <a:pPr algn="l"/>
-            <a:r>
-              <a:rPr lang="en-US" altLang="ko-KR" sz="4400" dirty="0">
-                <a:solidFill>
-                  <a:schemeClr val="tx1">
-                    <a:lumMod val="75000"/>
-                    <a:lumOff val="25000"/>
-                  </a:schemeClr>
-                </a:solidFill>
-                <a:latin typeface="Noto Sans CJK KR Black" pitchFamily="34" charset="-127"/>
-                <a:ea typeface="Noto Sans CJK KR Black" pitchFamily="34" charset="-127"/>
-              </a:rPr>
-              <a:t>1. </a:t>
-            </a:r>
-            <a:r>
-              <a:rPr lang="ko-KR" altLang="en-US" sz="4400" dirty="0">
-                <a:solidFill>
-                  <a:schemeClr val="tx1">
-                    <a:lumMod val="75000"/>
-                    <a:lumOff val="25000"/>
-                  </a:schemeClr>
-                </a:solidFill>
-                <a:latin typeface="Noto Sans CJK KR Black" pitchFamily="34" charset="-127"/>
-                <a:ea typeface="Noto Sans CJK KR Black" pitchFamily="34" charset="-127"/>
-              </a:rPr>
-              <a:t>기계학습 알고리즘</a:t>
-            </a:r>
-            <a:endParaRPr lang="ko-KR" altLang="en-US" sz="4400" dirty="0">
-              <a:solidFill>
-                <a:schemeClr val="tx1">
-                  <a:lumMod val="75000"/>
-                  <a:lumOff val="25000"/>
-                </a:schemeClr>
-              </a:solidFill>
-            </a:endParaRPr>
-          </a:p>
-        </p:txBody>
-      </p:sp>
-      <p:sp>
-        <p:nvSpPr>
-          <p:cNvPr id="3" name="슬라이드 번호 개체 틀 2"/>
-          <p:cNvSpPr>
-            <a:spLocks noGrp="1"/>
-          </p:cNvSpPr>
-          <p:nvPr>
-            <p:ph type="sldNum" sz="quarter" idx="12"/>
-          </p:nvPr>
-        </p:nvSpPr>
-        <p:spPr/>
-        <p:txBody>
-          <a:bodyPr/>
-          <a:lstStyle/>
-          <a:p>
-            <a:fld id="{6DDAE2C3-1A0B-474A-8CE8-AE55B8D9D4B1}" type="slidenum">
-              <a:rPr lang="ko-KR" altLang="en-US" smtClean="0"/>
-              <a:pPr/>
-              <a:t>28</a:t>
-            </a:fld>
-            <a:endParaRPr lang="ko-KR" altLang="en-US" dirty="0"/>
-          </a:p>
-        </p:txBody>
-      </p:sp>
-      <p:pic>
-        <p:nvPicPr>
-          <p:cNvPr id="4" name="그림 3">
-            <a:extLst>
-              <a:ext uri="{FF2B5EF4-FFF2-40B4-BE49-F238E27FC236}">
-                <a16:creationId xmlns:a16="http://schemas.microsoft.com/office/drawing/2014/main" id="{D4589BCC-D13A-4485-9CF7-2B87139B31DD}"/>
-              </a:ext>
-            </a:extLst>
-          </p:cNvPr>
-          <p:cNvPicPr>
-            <a:picLocks noChangeAspect="1"/>
-          </p:cNvPicPr>
-          <p:nvPr/>
-        </p:nvPicPr>
-        <p:blipFill>
-          <a:blip r:embed="rId2"/>
-          <a:stretch>
-            <a:fillRect/>
-          </a:stretch>
-        </p:blipFill>
-        <p:spPr>
-          <a:xfrm>
-            <a:off x="1484312" y="1692077"/>
-            <a:ext cx="9191625" cy="4171950"/>
-          </a:xfrm>
-          <a:prstGeom prst="rect">
-            <a:avLst/>
-          </a:prstGeom>
-        </p:spPr>
-      </p:pic>
-    </p:spTree>
-    <p:extLst>
-      <p:ext uri="{BB962C8B-B14F-4D97-AF65-F5344CB8AC3E}">
-        <p14:creationId xmlns:p14="http://schemas.microsoft.com/office/powerpoint/2010/main" val="3370882647"/>
-      </p:ext>
-    </p:extLst>
-  </p:cSld>
-  <p:clrMapOvr>
-    <a:masterClrMapping/>
-  </p:clrMapOvr>
-</p:sld>
-</file>
-
-<file path=ppt/slides/slide29.xml><?xml version="1.0" encoding="utf-8"?>
-<p:sld xmlns:a="http://schemas.openxmlformats.org/drawingml/2006/main" xmlns:r="http://schemas.openxmlformats.org/officeDocument/2006/relationships" xmlns:p="http://schemas.openxmlformats.org/presentationml/2006/main">
-  <p:cSld>
-    <p:spTree>
-      <p:nvGrpSpPr>
-        <p:cNvPr id="1" name=""/>
-        <p:cNvGrpSpPr/>
-        <p:nvPr/>
-      </p:nvGrpSpPr>
-      <p:grpSpPr>
-        <a:xfrm>
-          <a:off x="0" y="0"/>
-          <a:ext cx="0" cy="0"/>
-          <a:chOff x="0" y="0"/>
-          <a:chExt cx="0" cy="0"/>
-        </a:xfrm>
-      </p:grpSpPr>
-      <p:sp>
-        <p:nvSpPr>
-          <p:cNvPr id="5" name="제목 4"/>
-          <p:cNvSpPr>
-            <a:spLocks noGrp="1"/>
-          </p:cNvSpPr>
-          <p:nvPr>
-            <p:ph type="title"/>
-          </p:nvPr>
-        </p:nvSpPr>
-        <p:spPr>
-          <a:xfrm>
-            <a:off x="608016" y="551987"/>
-            <a:ext cx="10944225" cy="1140090"/>
-          </a:xfrm>
-        </p:spPr>
-        <p:txBody>
-          <a:bodyPr>
-            <a:normAutofit/>
-          </a:bodyPr>
-          <a:lstStyle/>
-          <a:p>
-            <a:pPr algn="l"/>
-            <a:r>
-              <a:rPr lang="en-US" altLang="ko-KR" sz="4400" dirty="0">
-                <a:solidFill>
-                  <a:schemeClr val="tx1">
-                    <a:lumMod val="75000"/>
-                    <a:lumOff val="25000"/>
-                  </a:schemeClr>
-                </a:solidFill>
-                <a:latin typeface="Noto Sans CJK KR Black" pitchFamily="34" charset="-127"/>
-                <a:ea typeface="Noto Sans CJK KR Black" pitchFamily="34" charset="-127"/>
-              </a:rPr>
-              <a:t>1. </a:t>
-            </a:r>
-            <a:r>
-              <a:rPr lang="ko-KR" altLang="en-US" sz="4400" dirty="0">
-                <a:solidFill>
-                  <a:schemeClr val="tx1">
-                    <a:lumMod val="75000"/>
-                    <a:lumOff val="25000"/>
-                  </a:schemeClr>
-                </a:solidFill>
-                <a:latin typeface="Noto Sans CJK KR Black" pitchFamily="34" charset="-127"/>
-                <a:ea typeface="Noto Sans CJK KR Black" pitchFamily="34" charset="-127"/>
-              </a:rPr>
-              <a:t>기계학습 알고리즘</a:t>
-            </a:r>
-            <a:endParaRPr lang="ko-KR" altLang="en-US" sz="4400" dirty="0">
-              <a:solidFill>
-                <a:schemeClr val="tx1">
-                  <a:lumMod val="75000"/>
-                  <a:lumOff val="25000"/>
-                </a:schemeClr>
-              </a:solidFill>
-            </a:endParaRPr>
-          </a:p>
-        </p:txBody>
-      </p:sp>
-      <p:sp>
-        <p:nvSpPr>
-          <p:cNvPr id="3" name="슬라이드 번호 개체 틀 2"/>
-          <p:cNvSpPr>
-            <a:spLocks noGrp="1"/>
-          </p:cNvSpPr>
-          <p:nvPr>
-            <p:ph type="sldNum" sz="quarter" idx="12"/>
-          </p:nvPr>
-        </p:nvSpPr>
-        <p:spPr/>
-        <p:txBody>
-          <a:bodyPr/>
-          <a:lstStyle/>
-          <a:p>
-            <a:fld id="{6DDAE2C3-1A0B-474A-8CE8-AE55B8D9D4B1}" type="slidenum">
-              <a:rPr lang="ko-KR" altLang="en-US" smtClean="0"/>
-              <a:pPr/>
-              <a:t>29</a:t>
-            </a:fld>
-            <a:endParaRPr lang="ko-KR" altLang="en-US" dirty="0"/>
-          </a:p>
-        </p:txBody>
-      </p:sp>
-      <p:pic>
-        <p:nvPicPr>
-          <p:cNvPr id="2" name="그림 1">
-            <a:extLst>
-              <a:ext uri="{FF2B5EF4-FFF2-40B4-BE49-F238E27FC236}">
-                <a16:creationId xmlns:a16="http://schemas.microsoft.com/office/drawing/2014/main" id="{9843E7C7-CCA6-47F7-9CF6-43921D60BC41}"/>
-              </a:ext>
-            </a:extLst>
-          </p:cNvPr>
-          <p:cNvPicPr>
-            <a:picLocks noChangeAspect="1"/>
-          </p:cNvPicPr>
-          <p:nvPr/>
-        </p:nvPicPr>
-        <p:blipFill>
-          <a:blip r:embed="rId2"/>
-          <a:stretch>
-            <a:fillRect/>
-          </a:stretch>
-        </p:blipFill>
-        <p:spPr>
-          <a:xfrm>
-            <a:off x="1431925" y="1592274"/>
-            <a:ext cx="9296400" cy="5229225"/>
-          </a:xfrm>
-          <a:prstGeom prst="rect">
-            <a:avLst/>
-          </a:prstGeom>
-        </p:spPr>
-      </p:pic>
-    </p:spTree>
-    <p:extLst>
-      <p:ext uri="{BB962C8B-B14F-4D97-AF65-F5344CB8AC3E}">
-        <p14:creationId xmlns:p14="http://schemas.microsoft.com/office/powerpoint/2010/main" val="1677175301"/>
-      </p:ext>
-    </p:extLst>
-  </p:cSld>
-  <p:clrMapOvr>
-    <a:masterClrMapping/>
-  </p:clrMapOvr>
-</p:sld>
-</file>
-
-<file path=ppt/slides/slide3.xml><?xml version="1.0" encoding="utf-8"?>
-<p:sld xmlns:a="http://schemas.openxmlformats.org/drawingml/2006/main" xmlns:r="http://schemas.openxmlformats.org/officeDocument/2006/relationships" xmlns:p="http://schemas.openxmlformats.org/presentationml/2006/main">
-  <p:cSld>
-    <p:spTree>
-      <p:nvGrpSpPr>
-        <p:cNvPr id="1" name=""/>
-        <p:cNvGrpSpPr/>
-        <p:nvPr/>
-      </p:nvGrpSpPr>
-      <p:grpSpPr>
-        <a:xfrm>
-          <a:off x="0" y="0"/>
-          <a:ext cx="0" cy="0"/>
-          <a:chOff x="0" y="0"/>
-          <a:chExt cx="0" cy="0"/>
-        </a:xfrm>
-      </p:grpSpPr>
-      <p:sp>
-        <p:nvSpPr>
-          <p:cNvPr id="15" name="슬라이드 번호 개체 틀 14"/>
-          <p:cNvSpPr>
-            <a:spLocks noGrp="1"/>
-          </p:cNvSpPr>
-          <p:nvPr>
-            <p:ph type="sldNum" sz="quarter" idx="12"/>
-          </p:nvPr>
-        </p:nvSpPr>
-        <p:spPr/>
-        <p:txBody>
-          <a:bodyPr/>
-          <a:lstStyle/>
-          <a:p>
-            <a:fld id="{6DDAE2C3-1A0B-474A-8CE8-AE55B8D9D4B1}" type="slidenum">
-              <a:rPr lang="ko-KR" altLang="en-US" smtClean="0"/>
-              <a:pPr/>
-              <a:t>3</a:t>
-            </a:fld>
-            <a:endParaRPr lang="ko-KR" altLang="en-US" dirty="0"/>
-          </a:p>
-        </p:txBody>
-      </p:sp>
-      <p:pic>
-        <p:nvPicPr>
-          <p:cNvPr id="6" name="그림 5">
-            <a:extLst>
-              <a:ext uri="{FF2B5EF4-FFF2-40B4-BE49-F238E27FC236}">
-                <a16:creationId xmlns:a16="http://schemas.microsoft.com/office/drawing/2014/main" id="{5CF4E63F-5081-4A97-BA4E-F8EE26C94771}"/>
-              </a:ext>
-            </a:extLst>
-          </p:cNvPr>
-          <p:cNvPicPr>
-            <a:picLocks noChangeAspect="1"/>
-          </p:cNvPicPr>
-          <p:nvPr/>
-        </p:nvPicPr>
-        <p:blipFill>
-          <a:blip r:embed="rId2"/>
-          <a:stretch>
-            <a:fillRect/>
-          </a:stretch>
-        </p:blipFill>
-        <p:spPr>
-          <a:xfrm>
-            <a:off x="1759645" y="827981"/>
-            <a:ext cx="3390900" cy="5438775"/>
-          </a:xfrm>
-          <a:prstGeom prst="rect">
-            <a:avLst/>
-          </a:prstGeom>
-        </p:spPr>
-      </p:pic>
-      <p:pic>
-        <p:nvPicPr>
-          <p:cNvPr id="7" name="그림 6">
-            <a:extLst>
-              <a:ext uri="{FF2B5EF4-FFF2-40B4-BE49-F238E27FC236}">
-                <a16:creationId xmlns:a16="http://schemas.microsoft.com/office/drawing/2014/main" id="{4F67391D-844B-4748-8931-73FFC64838A1}"/>
-              </a:ext>
-            </a:extLst>
-          </p:cNvPr>
-          <p:cNvPicPr>
-            <a:picLocks noChangeAspect="1"/>
-          </p:cNvPicPr>
-          <p:nvPr/>
-        </p:nvPicPr>
-        <p:blipFill>
-          <a:blip r:embed="rId3"/>
-          <a:stretch>
-            <a:fillRect/>
-          </a:stretch>
-        </p:blipFill>
-        <p:spPr>
-          <a:xfrm>
-            <a:off x="5720085" y="1761430"/>
-            <a:ext cx="5667375" cy="3571875"/>
-          </a:xfrm>
-          <a:prstGeom prst="rect">
-            <a:avLst/>
-          </a:prstGeom>
-        </p:spPr>
-      </p:pic>
-    </p:spTree>
-    <p:extLst>
-      <p:ext uri="{BB962C8B-B14F-4D97-AF65-F5344CB8AC3E}">
-        <p14:creationId xmlns:p14="http://schemas.microsoft.com/office/powerpoint/2010/main" val="2877754834"/>
-      </p:ext>
-    </p:extLst>
-  </p:cSld>
-  <p:clrMapOvr>
-    <a:masterClrMapping/>
-  </p:clrMapOvr>
-</p:sld>
-</file>
-
-<file path=ppt/slides/slide30.xml><?xml version="1.0" encoding="utf-8"?>
-<p:sld xmlns:a="http://schemas.openxmlformats.org/drawingml/2006/main" xmlns:r="http://schemas.openxmlformats.org/officeDocument/2006/relationships" xmlns:p="http://schemas.openxmlformats.org/presentationml/2006/main">
-  <p:cSld>
-    <p:spTree>
-      <p:nvGrpSpPr>
-        <p:cNvPr id="1" name=""/>
-        <p:cNvGrpSpPr/>
-        <p:nvPr/>
-      </p:nvGrpSpPr>
-      <p:grpSpPr>
-        <a:xfrm>
-          <a:off x="0" y="0"/>
-          <a:ext cx="0" cy="0"/>
-          <a:chOff x="0" y="0"/>
-          <a:chExt cx="0" cy="0"/>
-        </a:xfrm>
-      </p:grpSpPr>
-      <p:sp>
-        <p:nvSpPr>
-          <p:cNvPr id="5" name="제목 4"/>
-          <p:cNvSpPr>
-            <a:spLocks noGrp="1"/>
-          </p:cNvSpPr>
-          <p:nvPr>
-            <p:ph type="title"/>
-          </p:nvPr>
-        </p:nvSpPr>
-        <p:spPr>
-          <a:xfrm>
-            <a:off x="608016" y="551987"/>
-            <a:ext cx="10944225" cy="1140090"/>
-          </a:xfrm>
-        </p:spPr>
-        <p:txBody>
-          <a:bodyPr>
-            <a:normAutofit/>
-          </a:bodyPr>
-          <a:lstStyle/>
-          <a:p>
-            <a:pPr algn="l"/>
-            <a:r>
-              <a:rPr lang="en-US" altLang="ko-KR" sz="4400" dirty="0">
-                <a:solidFill>
-                  <a:schemeClr val="tx1">
-                    <a:lumMod val="75000"/>
-                    <a:lumOff val="25000"/>
-                  </a:schemeClr>
-                </a:solidFill>
-                <a:latin typeface="Noto Sans CJK KR Black" pitchFamily="34" charset="-127"/>
-                <a:ea typeface="Noto Sans CJK KR Black" pitchFamily="34" charset="-127"/>
-              </a:rPr>
-              <a:t>1. </a:t>
-            </a:r>
-            <a:r>
-              <a:rPr lang="ko-KR" altLang="en-US" sz="4400" dirty="0">
-                <a:solidFill>
-                  <a:schemeClr val="tx1">
-                    <a:lumMod val="75000"/>
-                    <a:lumOff val="25000"/>
-                  </a:schemeClr>
-                </a:solidFill>
-                <a:latin typeface="Noto Sans CJK KR Black" pitchFamily="34" charset="-127"/>
-                <a:ea typeface="Noto Sans CJK KR Black" pitchFamily="34" charset="-127"/>
-              </a:rPr>
-              <a:t>기계학습 알고리즘</a:t>
-            </a:r>
-            <a:endParaRPr lang="ko-KR" altLang="en-US" sz="4400" dirty="0">
-              <a:solidFill>
-                <a:schemeClr val="tx1">
-                  <a:lumMod val="75000"/>
-                  <a:lumOff val="25000"/>
-                </a:schemeClr>
-              </a:solidFill>
-            </a:endParaRPr>
-          </a:p>
-        </p:txBody>
-      </p:sp>
-      <p:sp>
-        <p:nvSpPr>
-          <p:cNvPr id="3" name="슬라이드 번호 개체 틀 2"/>
-          <p:cNvSpPr>
-            <a:spLocks noGrp="1"/>
-          </p:cNvSpPr>
-          <p:nvPr>
-            <p:ph type="sldNum" sz="quarter" idx="12"/>
-          </p:nvPr>
-        </p:nvSpPr>
-        <p:spPr/>
-        <p:txBody>
-          <a:bodyPr/>
-          <a:lstStyle/>
-          <a:p>
-            <a:fld id="{6DDAE2C3-1A0B-474A-8CE8-AE55B8D9D4B1}" type="slidenum">
-              <a:rPr lang="ko-KR" altLang="en-US" smtClean="0"/>
-              <a:pPr/>
-              <a:t>30</a:t>
-            </a:fld>
-            <a:endParaRPr lang="ko-KR" altLang="en-US" dirty="0"/>
-          </a:p>
-        </p:txBody>
-      </p:sp>
-      <p:pic>
-        <p:nvPicPr>
-          <p:cNvPr id="2" name="그림 1">
-            <a:extLst>
-              <a:ext uri="{FF2B5EF4-FFF2-40B4-BE49-F238E27FC236}">
-                <a16:creationId xmlns:a16="http://schemas.microsoft.com/office/drawing/2014/main" id="{8C0B53B6-91CD-4674-AD8B-229D8AB36492}"/>
-              </a:ext>
-            </a:extLst>
-          </p:cNvPr>
-          <p:cNvPicPr>
-            <a:picLocks noChangeAspect="1"/>
-          </p:cNvPicPr>
-          <p:nvPr/>
-        </p:nvPicPr>
-        <p:blipFill>
-          <a:blip r:embed="rId2"/>
-          <a:stretch>
-            <a:fillRect/>
-          </a:stretch>
-        </p:blipFill>
-        <p:spPr>
-          <a:xfrm>
-            <a:off x="319485" y="1551075"/>
-            <a:ext cx="7505700" cy="4962525"/>
-          </a:xfrm>
-          <a:prstGeom prst="rect">
-            <a:avLst/>
-          </a:prstGeom>
-        </p:spPr>
-      </p:pic>
-      <p:pic>
-        <p:nvPicPr>
-          <p:cNvPr id="4" name="그림 3">
-            <a:extLst>
-              <a:ext uri="{FF2B5EF4-FFF2-40B4-BE49-F238E27FC236}">
-                <a16:creationId xmlns:a16="http://schemas.microsoft.com/office/drawing/2014/main" id="{6FC8C0FF-56DC-42A2-8B16-0A08674CEB15}"/>
-              </a:ext>
-            </a:extLst>
-          </p:cNvPr>
-          <p:cNvPicPr>
-            <a:picLocks noChangeAspect="1"/>
-          </p:cNvPicPr>
-          <p:nvPr/>
-        </p:nvPicPr>
-        <p:blipFill>
-          <a:blip r:embed="rId3"/>
-          <a:stretch>
-            <a:fillRect/>
-          </a:stretch>
-        </p:blipFill>
-        <p:spPr>
-          <a:xfrm>
-            <a:off x="7742630" y="2717359"/>
-            <a:ext cx="4391025" cy="1809750"/>
-          </a:xfrm>
-          <a:prstGeom prst="rect">
-            <a:avLst/>
-          </a:prstGeom>
-        </p:spPr>
-      </p:pic>
-    </p:spTree>
-    <p:extLst>
-      <p:ext uri="{BB962C8B-B14F-4D97-AF65-F5344CB8AC3E}">
-        <p14:creationId xmlns:p14="http://schemas.microsoft.com/office/powerpoint/2010/main" val="3120240796"/>
-      </p:ext>
-    </p:extLst>
-  </p:cSld>
-  <p:clrMapOvr>
-    <a:masterClrMapping/>
-  </p:clrMapOvr>
-</p:sld>
-</file>
-
-<file path=ppt/slides/slide31.xml><?xml version="1.0" encoding="utf-8"?>
-<p:sld xmlns:a="http://schemas.openxmlformats.org/drawingml/2006/main" xmlns:r="http://schemas.openxmlformats.org/officeDocument/2006/relationships" xmlns:p="http://schemas.openxmlformats.org/presentationml/2006/main">
-  <p:cSld>
-    <p:spTree>
-      <p:nvGrpSpPr>
-        <p:cNvPr id="1" name=""/>
-        <p:cNvGrpSpPr/>
-        <p:nvPr/>
-      </p:nvGrpSpPr>
-      <p:grpSpPr>
-        <a:xfrm>
-          <a:off x="0" y="0"/>
-          <a:ext cx="0" cy="0"/>
-          <a:chOff x="0" y="0"/>
-          <a:chExt cx="0" cy="0"/>
-        </a:xfrm>
-      </p:grpSpPr>
-      <p:sp>
-        <p:nvSpPr>
-          <p:cNvPr id="5" name="제목 4"/>
-          <p:cNvSpPr>
-            <a:spLocks noGrp="1"/>
-          </p:cNvSpPr>
-          <p:nvPr>
-            <p:ph type="title"/>
-          </p:nvPr>
-        </p:nvSpPr>
-        <p:spPr>
-          <a:xfrm>
-            <a:off x="608016" y="551987"/>
-            <a:ext cx="10944225" cy="1140090"/>
-          </a:xfrm>
-        </p:spPr>
-        <p:txBody>
-          <a:bodyPr>
-            <a:normAutofit/>
-          </a:bodyPr>
-          <a:lstStyle/>
-          <a:p>
-            <a:pPr algn="l"/>
-            <a:r>
-              <a:rPr lang="en-US" altLang="ko-KR" sz="4400" dirty="0">
-                <a:solidFill>
-                  <a:schemeClr val="tx1">
-                    <a:lumMod val="75000"/>
-                    <a:lumOff val="25000"/>
-                  </a:schemeClr>
-                </a:solidFill>
-                <a:latin typeface="Noto Sans CJK KR Black" pitchFamily="34" charset="-127"/>
-                <a:ea typeface="Noto Sans CJK KR Black" pitchFamily="34" charset="-127"/>
-              </a:rPr>
-              <a:t>1. </a:t>
-            </a:r>
-            <a:r>
-              <a:rPr lang="ko-KR" altLang="en-US" sz="4400" dirty="0">
-                <a:solidFill>
-                  <a:schemeClr val="tx1">
-                    <a:lumMod val="75000"/>
-                    <a:lumOff val="25000"/>
-                  </a:schemeClr>
-                </a:solidFill>
-                <a:latin typeface="Noto Sans CJK KR Black" pitchFamily="34" charset="-127"/>
-                <a:ea typeface="Noto Sans CJK KR Black" pitchFamily="34" charset="-127"/>
-              </a:rPr>
-              <a:t>기계학습 알고리즘</a:t>
-            </a:r>
-            <a:endParaRPr lang="ko-KR" altLang="en-US" sz="4400" dirty="0">
-              <a:solidFill>
-                <a:schemeClr val="tx1">
-                  <a:lumMod val="75000"/>
-                  <a:lumOff val="25000"/>
-                </a:schemeClr>
-              </a:solidFill>
-            </a:endParaRPr>
-          </a:p>
-        </p:txBody>
-      </p:sp>
-      <p:sp>
-        <p:nvSpPr>
-          <p:cNvPr id="3" name="슬라이드 번호 개체 틀 2"/>
-          <p:cNvSpPr>
-            <a:spLocks noGrp="1"/>
-          </p:cNvSpPr>
-          <p:nvPr>
-            <p:ph type="sldNum" sz="quarter" idx="12"/>
-          </p:nvPr>
-        </p:nvSpPr>
-        <p:spPr/>
-        <p:txBody>
-          <a:bodyPr/>
-          <a:lstStyle/>
-          <a:p>
-            <a:fld id="{6DDAE2C3-1A0B-474A-8CE8-AE55B8D9D4B1}" type="slidenum">
-              <a:rPr lang="ko-KR" altLang="en-US" smtClean="0"/>
-              <a:pPr/>
-              <a:t>31</a:t>
-            </a:fld>
-            <a:endParaRPr lang="ko-KR" altLang="en-US" dirty="0"/>
-          </a:p>
-        </p:txBody>
-      </p:sp>
-      <p:pic>
-        <p:nvPicPr>
-          <p:cNvPr id="6" name="그림 5">
-            <a:extLst>
-              <a:ext uri="{FF2B5EF4-FFF2-40B4-BE49-F238E27FC236}">
-                <a16:creationId xmlns:a16="http://schemas.microsoft.com/office/drawing/2014/main" id="{6BA1C568-8E57-4042-937F-6368A591AA3E}"/>
-              </a:ext>
-            </a:extLst>
-          </p:cNvPr>
-          <p:cNvPicPr>
-            <a:picLocks noChangeAspect="1"/>
-          </p:cNvPicPr>
-          <p:nvPr/>
-        </p:nvPicPr>
-        <p:blipFill>
-          <a:blip r:embed="rId2"/>
-          <a:stretch>
-            <a:fillRect/>
-          </a:stretch>
-        </p:blipFill>
-        <p:spPr>
-          <a:xfrm>
-            <a:off x="2436812" y="1980109"/>
-            <a:ext cx="7286625" cy="3971925"/>
-          </a:xfrm>
-          <a:prstGeom prst="rect">
-            <a:avLst/>
-          </a:prstGeom>
-        </p:spPr>
-      </p:pic>
-    </p:spTree>
-    <p:extLst>
-      <p:ext uri="{BB962C8B-B14F-4D97-AF65-F5344CB8AC3E}">
-        <p14:creationId xmlns:p14="http://schemas.microsoft.com/office/powerpoint/2010/main" val="2840780450"/>
-      </p:ext>
-    </p:extLst>
-  </p:cSld>
-  <p:clrMapOvr>
-    <a:masterClrMapping/>
-  </p:clrMapOvr>
-</p:sld>
-</file>
-
-<file path=ppt/slides/slide32.xml><?xml version="1.0" encoding="utf-8"?>
-<p:sld xmlns:a="http://schemas.openxmlformats.org/drawingml/2006/main" xmlns:r="http://schemas.openxmlformats.org/officeDocument/2006/relationships" xmlns:p="http://schemas.openxmlformats.org/presentationml/2006/main">
-  <p:cSld>
-    <p:spTree>
-      <p:nvGrpSpPr>
-        <p:cNvPr id="1" name=""/>
-        <p:cNvGrpSpPr/>
-        <p:nvPr/>
-      </p:nvGrpSpPr>
-      <p:grpSpPr>
-        <a:xfrm>
-          <a:off x="0" y="0"/>
-          <a:ext cx="0" cy="0"/>
-          <a:chOff x="0" y="0"/>
-          <a:chExt cx="0" cy="0"/>
-        </a:xfrm>
-      </p:grpSpPr>
-      <p:sp>
-        <p:nvSpPr>
-          <p:cNvPr id="5" name="제목 4"/>
-          <p:cNvSpPr>
-            <a:spLocks noGrp="1"/>
-          </p:cNvSpPr>
-          <p:nvPr>
-            <p:ph type="title"/>
-          </p:nvPr>
-        </p:nvSpPr>
-        <p:spPr>
-          <a:xfrm>
             <a:off x="608012" y="2700189"/>
             <a:ext cx="10944225" cy="1140090"/>
           </a:xfrm>
@@ -8220,7 +5358,7 @@
               <a:t>1. </a:t>
             </a:r>
             <a:r>
-              <a:rPr lang="ko-KR" altLang="en-US" sz="2400" dirty="0" err="1">
+              <a:rPr lang="ko-KR" altLang="en-US" sz="2400" dirty="0">
                 <a:solidFill>
                   <a:schemeClr val="tx1">
                     <a:lumMod val="75000"/>
@@ -8230,10 +5368,10 @@
                 <a:latin typeface="Noto Sans CJK KR Black" pitchFamily="34" charset="-127"/>
                 <a:ea typeface="Noto Sans CJK KR Black" pitchFamily="34" charset="-127"/>
               </a:rPr>
-              <a:t>다중공선성이</a:t>
-            </a:r>
-            <a:r>
-              <a:rPr lang="ko-KR" altLang="en-US" sz="2400" dirty="0">
+              <a:t>회귀분석</a:t>
+            </a:r>
+            <a:r>
+              <a:rPr lang="en-US" altLang="ko-KR" sz="2400" dirty="0">
                 <a:solidFill>
                   <a:schemeClr val="tx1">
                     <a:lumMod val="75000"/>
@@ -8243,10 +5381,10 @@
                 <a:latin typeface="Noto Sans CJK KR Black" pitchFamily="34" charset="-127"/>
                 <a:ea typeface="Noto Sans CJK KR Black" pitchFamily="34" charset="-127"/>
               </a:rPr>
-              <a:t> 발생하는 이유를 설명하고</a:t>
-            </a:r>
-            <a:r>
-              <a:rPr lang="en-US" altLang="ko-KR" sz="2400" dirty="0">
+              <a:t>(Linear Model)</a:t>
+            </a:r>
+            <a:r>
+              <a:rPr lang="ko-KR" altLang="en-US" sz="2400" dirty="0">
                 <a:solidFill>
                   <a:schemeClr val="tx1">
                     <a:lumMod val="75000"/>
@@ -8256,10 +5394,10 @@
                 <a:latin typeface="Noto Sans CJK KR Black" pitchFamily="34" charset="-127"/>
                 <a:ea typeface="Noto Sans CJK KR Black" pitchFamily="34" charset="-127"/>
               </a:rPr>
-              <a:t>, </a:t>
-            </a:r>
-            <a:r>
-              <a:rPr lang="ko-KR" altLang="en-US" sz="2400" dirty="0">
+              <a:t>과 신경망분석</a:t>
+            </a:r>
+            <a:r>
+              <a:rPr lang="en-US" altLang="ko-KR" sz="2400" dirty="0">
                 <a:solidFill>
                   <a:schemeClr val="tx1">
                     <a:lumMod val="75000"/>
@@ -8269,10 +5407,10 @@
                 <a:latin typeface="Noto Sans CJK KR Black" pitchFamily="34" charset="-127"/>
                 <a:ea typeface="Noto Sans CJK KR Black" pitchFamily="34" charset="-127"/>
               </a:rPr>
-              <a:t>어떠한 단점이 생기는지 최소 </a:t>
-            </a:r>
-            <a:r>
-              <a:rPr lang="en-US" altLang="ko-KR" sz="2400" dirty="0">
+              <a:t>(Neural Network)</a:t>
+            </a:r>
+            <a:r>
+              <a:rPr lang="ko-KR" altLang="en-US" sz="2400" dirty="0">
                 <a:solidFill>
                   <a:schemeClr val="tx1">
                     <a:lumMod val="75000"/>
@@ -8282,10 +5420,10 @@
                 <a:latin typeface="Noto Sans CJK KR Black" pitchFamily="34" charset="-127"/>
                 <a:ea typeface="Noto Sans CJK KR Black" pitchFamily="34" charset="-127"/>
               </a:rPr>
-              <a:t>2</a:t>
-            </a:r>
-            <a:r>
-              <a:rPr lang="ko-KR" altLang="en-US" sz="2400" dirty="0">
+              <a:t>의 비용함수</a:t>
+            </a:r>
+            <a:r>
+              <a:rPr lang="en-US" altLang="ko-KR" sz="2400" dirty="0">
                 <a:solidFill>
                   <a:schemeClr val="tx1">
                     <a:lumMod val="75000"/>
@@ -8295,7 +5433,20 @@
                 <a:latin typeface="Noto Sans CJK KR Black" pitchFamily="34" charset="-127"/>
                 <a:ea typeface="Noto Sans CJK KR Black" pitchFamily="34" charset="-127"/>
               </a:rPr>
-              <a:t>가지를 설명하라</a:t>
+              <a:t>(Cost)</a:t>
+            </a:r>
+            <a:r>
+              <a:rPr lang="ko-KR" altLang="en-US" sz="2400" dirty="0">
+                <a:solidFill>
+                  <a:schemeClr val="tx1">
+                    <a:lumMod val="75000"/>
+                    <a:lumOff val="25000"/>
+                  </a:schemeClr>
+                </a:solidFill>
+                <a:latin typeface="Noto Sans CJK KR Black" pitchFamily="34" charset="-127"/>
+                <a:ea typeface="Noto Sans CJK KR Black" pitchFamily="34" charset="-127"/>
+              </a:rPr>
+              <a:t>는 각각 무엇이며 차이를 설명하라</a:t>
             </a:r>
             <a:r>
               <a:rPr lang="en-US" altLang="ko-KR" sz="2400" dirty="0">
@@ -8334,7 +5485,7 @@
                 <a:ea typeface="Noto Sans CJK KR Black" pitchFamily="34" charset="-127"/>
               </a:rPr>
             </a:br>
-            <a:br>
+            <a:r>
               <a:rPr lang="en-US" altLang="ko-KR" sz="2400" dirty="0">
                 <a:solidFill>
                   <a:schemeClr val="tx1">
@@ -8345,9 +5496,10 @@
                 <a:latin typeface="Noto Sans CJK KR Black" pitchFamily="34" charset="-127"/>
                 <a:ea typeface="Noto Sans CJK KR Black" pitchFamily="34" charset="-127"/>
               </a:rPr>
-            </a:br>
-            <a:r>
-              <a:rPr lang="en-US" altLang="ko-KR" sz="2400" dirty="0">
+              <a:t>2. Bias</a:t>
+            </a:r>
+            <a:r>
+              <a:rPr lang="ko-KR" altLang="en-US" sz="2400" dirty="0">
                 <a:solidFill>
                   <a:schemeClr val="tx1">
                     <a:lumMod val="75000"/>
@@ -8357,10 +5509,10 @@
                 <a:latin typeface="Noto Sans CJK KR Black" pitchFamily="34" charset="-127"/>
                 <a:ea typeface="Noto Sans CJK KR Black" pitchFamily="34" charset="-127"/>
               </a:rPr>
-              <a:t>2. Ridge </a:t>
-            </a:r>
-            <a:r>
-              <a:rPr lang="ko-KR" altLang="en-US" sz="2400" dirty="0">
+              <a:t>와 </a:t>
+            </a:r>
+            <a:r>
+              <a:rPr lang="en-US" altLang="ko-KR" sz="2400" dirty="0">
                 <a:solidFill>
                   <a:schemeClr val="tx1">
                     <a:lumMod val="75000"/>
@@ -8370,10 +5522,10 @@
                 <a:latin typeface="Noto Sans CJK KR Black" pitchFamily="34" charset="-127"/>
                 <a:ea typeface="Noto Sans CJK KR Black" pitchFamily="34" charset="-127"/>
               </a:rPr>
-              <a:t>회귀분석과 </a:t>
-            </a:r>
-            <a:r>
-              <a:rPr lang="en-US" altLang="ko-KR" sz="2400" dirty="0">
+              <a:t>Variance</a:t>
+            </a:r>
+            <a:r>
+              <a:rPr lang="ko-KR" altLang="en-US" sz="2400" dirty="0">
                 <a:solidFill>
                   <a:schemeClr val="tx1">
                     <a:lumMod val="75000"/>
@@ -8383,10 +5535,10 @@
                 <a:latin typeface="Noto Sans CJK KR Black" pitchFamily="34" charset="-127"/>
                 <a:ea typeface="Noto Sans CJK KR Black" pitchFamily="34" charset="-127"/>
               </a:rPr>
-              <a:t>Lasso </a:t>
-            </a:r>
-            <a:r>
-              <a:rPr lang="ko-KR" altLang="en-US" sz="2400" dirty="0">
+              <a:t>의 차이는 무엇인가</a:t>
+            </a:r>
+            <a:r>
+              <a:rPr lang="en-US" altLang="ko-KR" sz="2400" dirty="0">
                 <a:solidFill>
                   <a:schemeClr val="tx1">
                     <a:lumMod val="75000"/>
@@ -8396,10 +5548,10 @@
                 <a:latin typeface="Noto Sans CJK KR Black" pitchFamily="34" charset="-127"/>
                 <a:ea typeface="Noto Sans CJK KR Black" pitchFamily="34" charset="-127"/>
               </a:rPr>
-              <a:t>회귀분석의 차이를 설명하고</a:t>
-            </a:r>
-            <a:r>
-              <a:rPr lang="en-US" altLang="ko-KR" sz="2400" dirty="0">
+              <a:t>? </a:t>
+            </a:r>
+            <a:r>
+              <a:rPr lang="ko-KR" altLang="en-US" sz="2400" dirty="0">
                 <a:solidFill>
                   <a:schemeClr val="tx1">
                     <a:lumMod val="75000"/>
@@ -8409,10 +5561,10 @@
                 <a:latin typeface="Noto Sans CJK KR Black" pitchFamily="34" charset="-127"/>
                 <a:ea typeface="Noto Sans CJK KR Black" pitchFamily="34" charset="-127"/>
               </a:rPr>
-              <a:t>, </a:t>
-            </a:r>
-            <a:r>
-              <a:rPr lang="ko-KR" altLang="en-US" sz="2400" dirty="0">
+              <a:t>그리고 복잡한 모형을 사용하게 될 때 </a:t>
+            </a:r>
+            <a:r>
+              <a:rPr lang="en-US" altLang="ko-KR" sz="2400" dirty="0">
                 <a:solidFill>
                   <a:schemeClr val="tx1">
                     <a:lumMod val="75000"/>
@@ -8422,10 +5574,10 @@
                 <a:latin typeface="Noto Sans CJK KR Black" pitchFamily="34" charset="-127"/>
                 <a:ea typeface="Noto Sans CJK KR Black" pitchFamily="34" charset="-127"/>
               </a:rPr>
-              <a:t>추정된 계수는 어떤 특성이 있는지 설명하라</a:t>
-            </a:r>
-            <a:r>
-              <a:rPr lang="en-US" altLang="ko-KR" sz="2400" dirty="0">
+              <a:t>Train</a:t>
+            </a:r>
+            <a:r>
+              <a:rPr lang="ko-KR" altLang="en-US" sz="2400" dirty="0">
                 <a:solidFill>
                   <a:schemeClr val="tx1">
                     <a:lumMod val="75000"/>
@@ -8435,7 +5587,46 @@
                 <a:latin typeface="Noto Sans CJK KR Black" pitchFamily="34" charset="-127"/>
                 <a:ea typeface="Noto Sans CJK KR Black" pitchFamily="34" charset="-127"/>
               </a:rPr>
-              <a:t>.</a:t>
+              <a:t>과 </a:t>
+            </a:r>
+            <a:r>
+              <a:rPr lang="en-US" altLang="ko-KR" sz="2400" dirty="0">
+                <a:solidFill>
+                  <a:schemeClr val="tx1">
+                    <a:lumMod val="75000"/>
+                    <a:lumOff val="25000"/>
+                  </a:schemeClr>
+                </a:solidFill>
+                <a:latin typeface="Noto Sans CJK KR Black" pitchFamily="34" charset="-127"/>
+                <a:ea typeface="Noto Sans CJK KR Black" pitchFamily="34" charset="-127"/>
+              </a:rPr>
+              <a:t>Test </a:t>
+            </a:r>
+            <a:r>
+              <a:rPr lang="ko-KR" altLang="en-US" sz="2400" dirty="0">
+                <a:solidFill>
+                  <a:schemeClr val="tx1">
+                    <a:lumMod val="75000"/>
+                    <a:lumOff val="25000"/>
+                  </a:schemeClr>
+                </a:solidFill>
+                <a:latin typeface="Noto Sans CJK KR Black" pitchFamily="34" charset="-127"/>
+                <a:ea typeface="Noto Sans CJK KR Black" pitchFamily="34" charset="-127"/>
+              </a:rPr>
+              <a:t>에러는 어떻게 되는가</a:t>
+            </a:r>
+            <a:r>
+              <a:rPr lang="en-US" altLang="ko-KR" sz="2400" dirty="0">
+                <a:solidFill>
+                  <a:schemeClr val="tx1">
+                    <a:lumMod val="75000"/>
+                    <a:lumOff val="25000"/>
+                  </a:schemeClr>
+                </a:solidFill>
+                <a:latin typeface="Noto Sans CJK KR Black" pitchFamily="34" charset="-127"/>
+                <a:ea typeface="Noto Sans CJK KR Black" pitchFamily="34" charset="-127"/>
+              </a:rPr>
+              <a:t>? </a:t>
             </a:r>
             <a:br>
               <a:rPr lang="en-US" altLang="ko-KR" sz="2400" dirty="0">
@@ -8461,7 +5652,7 @@
                 <a:ea typeface="Noto Sans CJK KR Black" pitchFamily="34" charset="-127"/>
               </a:rPr>
             </a:br>
-            <a:br>
+            <a:r>
               <a:rPr lang="en-US" altLang="ko-KR" sz="2400" dirty="0">
                 <a:solidFill>
                   <a:schemeClr val="tx1">
@@ -8472,9 +5663,10 @@
                 <a:latin typeface="Noto Sans CJK KR Black" pitchFamily="34" charset="-127"/>
                 <a:ea typeface="Noto Sans CJK KR Black" pitchFamily="34" charset="-127"/>
               </a:rPr>
-            </a:br>
-            <a:r>
-              <a:rPr lang="en-US" altLang="ko-KR" sz="2400" dirty="0">
+              <a:t>3. </a:t>
+            </a:r>
+            <a:r>
+              <a:rPr lang="ko-KR" altLang="en-US" sz="2400" dirty="0" err="1">
                 <a:solidFill>
                   <a:schemeClr val="tx1">
                     <a:lumMod val="75000"/>
@@ -8484,7 +5676,7 @@
                 <a:latin typeface="Noto Sans CJK KR Black" pitchFamily="34" charset="-127"/>
                 <a:ea typeface="Noto Sans CJK KR Black" pitchFamily="34" charset="-127"/>
               </a:rPr>
-              <a:t>3. Bagging</a:t>
+              <a:t>다중공선성이</a:t>
             </a:r>
             <a:r>
               <a:rPr lang="ko-KR" altLang="en-US" sz="2400" dirty="0">
@@ -8497,7 +5689,7 @@
                 <a:latin typeface="Noto Sans CJK KR Black" pitchFamily="34" charset="-127"/>
                 <a:ea typeface="Noto Sans CJK KR Black" pitchFamily="34" charset="-127"/>
               </a:rPr>
-              <a:t>과 </a:t>
+              <a:t> 발생하는 이유를 설명하고</a:t>
             </a:r>
             <a:r>
               <a:rPr lang="en-US" altLang="ko-KR" sz="2400" dirty="0">
@@ -8510,7 +5702,7 @@
                 <a:latin typeface="Noto Sans CJK KR Black" pitchFamily="34" charset="-127"/>
                 <a:ea typeface="Noto Sans CJK KR Black" pitchFamily="34" charset="-127"/>
               </a:rPr>
-              <a:t>Boosting</a:t>
+              <a:t>, </a:t>
             </a:r>
             <a:r>
               <a:rPr lang="ko-KR" altLang="en-US" sz="2400" dirty="0">
@@ -8523,7 +5715,7 @@
                 <a:latin typeface="Noto Sans CJK KR Black" pitchFamily="34" charset="-127"/>
                 <a:ea typeface="Noto Sans CJK KR Black" pitchFamily="34" charset="-127"/>
               </a:rPr>
-              <a:t>의 차이를 설명하고</a:t>
+              <a:t>어떠한 단점이 생기는지 최소 </a:t>
             </a:r>
             <a:r>
               <a:rPr lang="en-US" altLang="ko-KR" sz="2400" dirty="0">
@@ -8536,7 +5728,7 @@
                 <a:latin typeface="Noto Sans CJK KR Black" pitchFamily="34" charset="-127"/>
                 <a:ea typeface="Noto Sans CJK KR Black" pitchFamily="34" charset="-127"/>
               </a:rPr>
-              <a:t>, </a:t>
+              <a:t>2</a:t>
             </a:r>
             <a:r>
               <a:rPr lang="ko-KR" altLang="en-US" sz="2400" dirty="0">
@@ -8549,7 +5741,7 @@
                 <a:latin typeface="Noto Sans CJK KR Black" pitchFamily="34" charset="-127"/>
                 <a:ea typeface="Noto Sans CJK KR Black" pitchFamily="34" charset="-127"/>
               </a:rPr>
-              <a:t>각각의 대표적인 알고리즘을 설명하라</a:t>
+              <a:t>가지를 설명하라</a:t>
             </a:r>
             <a:r>
               <a:rPr lang="en-US" altLang="ko-KR" sz="2400" dirty="0">
@@ -8564,18 +5756,6 @@
               </a:rPr>
               <a:t>.</a:t>
             </a:r>
-            <a:br>
-              <a:rPr lang="en-US" altLang="ko-KR" sz="2400" dirty="0">
-                <a:solidFill>
-                  <a:schemeClr val="tx1">
-                    <a:lumMod val="75000"/>
-                    <a:lumOff val="25000"/>
-                  </a:schemeClr>
-                </a:solidFill>
-                <a:latin typeface="Noto Sans CJK KR Black" pitchFamily="34" charset="-127"/>
-                <a:ea typeface="Noto Sans CJK KR Black" pitchFamily="34" charset="-127"/>
-              </a:rPr>
-            </a:br>
             <a:endParaRPr lang="ko-KR" altLang="en-US" sz="3200" dirty="0">
               <a:solidFill>
                 <a:schemeClr val="tx1">
@@ -8605,7 +5785,7 @@
             <a:fld id="{6DDAE2C3-1A0B-474A-8CE8-AE55B8D9D4B1}" type="slidenum">
               <a:rPr lang="ko-KR" altLang="en-US" smtClean="0"/>
               <a:pPr/>
-              <a:t>32</a:t>
+              <a:t>18</a:t>
             </a:fld>
             <a:endParaRPr lang="ko-KR" altLang="en-US" dirty="0"/>
           </a:p>
@@ -8624,7 +5804,7 @@
 </p:sld>
 </file>
 
-<file path=ppt/slides/slide33.xml><?xml version="1.0" encoding="utf-8"?>
+<file path=ppt/slides/slide19.xml><?xml version="1.0" encoding="utf-8"?>
 <p:sld xmlns:a="http://schemas.openxmlformats.org/drawingml/2006/main" xmlns:r="http://schemas.openxmlformats.org/officeDocument/2006/relationships" xmlns:p="http://schemas.openxmlformats.org/presentationml/2006/main">
   <p:cSld>
     <p:spTree>
@@ -8810,6 +5990,567 @@
 </p:sld>
 </file>
 
+<file path=ppt/slides/slide2.xml><?xml version="1.0" encoding="utf-8"?>
+<p:sld xmlns:a="http://schemas.openxmlformats.org/drawingml/2006/main" xmlns:r="http://schemas.openxmlformats.org/officeDocument/2006/relationships" xmlns:p="http://schemas.openxmlformats.org/presentationml/2006/main">
+  <p:cSld>
+    <p:bg>
+      <p:bgPr>
+        <a:solidFill>
+          <a:schemeClr val="bg1">
+            <a:lumMod val="65000"/>
+          </a:schemeClr>
+        </a:solidFill>
+        <a:effectLst/>
+      </p:bgPr>
+    </p:bg>
+    <p:spTree>
+      <p:nvGrpSpPr>
+        <p:cNvPr id="1" name=""/>
+        <p:cNvGrpSpPr/>
+        <p:nvPr/>
+      </p:nvGrpSpPr>
+      <p:grpSpPr>
+        <a:xfrm>
+          <a:off x="0" y="0"/>
+          <a:ext cx="0" cy="0"/>
+          <a:chOff x="0" y="0"/>
+          <a:chExt cx="0" cy="0"/>
+        </a:xfrm>
+      </p:grpSpPr>
+      <p:pic>
+        <p:nvPicPr>
+          <p:cNvPr id="2" name="그림 1">
+            <a:extLst>
+              <a:ext uri="{FF2B5EF4-FFF2-40B4-BE49-F238E27FC236}">
+                <a16:creationId xmlns:a16="http://schemas.microsoft.com/office/drawing/2014/main" id="{3F85ADDA-B560-464B-BDDF-77E1D39C222C}"/>
+              </a:ext>
+            </a:extLst>
+          </p:cNvPr>
+          <p:cNvPicPr>
+            <a:picLocks noChangeAspect="1"/>
+          </p:cNvPicPr>
+          <p:nvPr/>
+        </p:nvPicPr>
+        <p:blipFill>
+          <a:blip r:embed="rId3"/>
+          <a:stretch>
+            <a:fillRect/>
+          </a:stretch>
+        </p:blipFill>
+        <p:spPr>
+          <a:xfrm>
+            <a:off x="4423024" y="15081"/>
+            <a:ext cx="7724775" cy="6810375"/>
+          </a:xfrm>
+          <a:prstGeom prst="rect">
+            <a:avLst/>
+          </a:prstGeom>
+        </p:spPr>
+      </p:pic>
+      <p:sp>
+        <p:nvSpPr>
+          <p:cNvPr id="5" name="슬라이드 번호 개체 틀 3">
+            <a:extLst>
+              <a:ext uri="{FF2B5EF4-FFF2-40B4-BE49-F238E27FC236}">
+                <a16:creationId xmlns:a16="http://schemas.microsoft.com/office/drawing/2014/main" id="{FD142860-410A-4F4E-92DC-DC5FC1E8F9C8}"/>
+              </a:ext>
+            </a:extLst>
+          </p:cNvPr>
+          <p:cNvSpPr>
+            <a:spLocks noGrp="1"/>
+          </p:cNvSpPr>
+          <p:nvPr>
+            <p:ph type="sldNum" sz="quarter" idx="12"/>
+          </p:nvPr>
+        </p:nvSpPr>
+        <p:spPr>
+          <a:xfrm>
+            <a:off x="9160679" y="6372598"/>
+            <a:ext cx="2837392" cy="364195"/>
+          </a:xfrm>
+        </p:spPr>
+        <p:txBody>
+          <a:bodyPr/>
+          <a:lstStyle/>
+          <a:p>
+            <a:pPr marL="0" marR="0" lvl="0" indent="0" algn="r" defTabSz="1107796" rtl="0" eaLnBrk="1" fontAlgn="auto" latinLnBrk="1" hangingPunct="1">
+              <a:lnSpc>
+                <a:spcPct val="100000"/>
+              </a:lnSpc>
+              <a:spcBef>
+                <a:spcPts val="0"/>
+              </a:spcBef>
+              <a:spcAft>
+                <a:spcPts val="0"/>
+              </a:spcAft>
+              <a:buClrTx/>
+              <a:buSzTx/>
+              <a:buFontTx/>
+              <a:buNone/>
+              <a:tabLst/>
+              <a:defRPr/>
+            </a:pPr>
+            <a:fld id="{6DDAE2C3-1A0B-474A-8CE8-AE55B8D9D4B1}" type="slidenum">
+              <a:rPr kumimoji="0" lang="ko-KR" altLang="en-US" sz="900" b="0" i="0" u="none" strike="noStrike" kern="1200" cap="none" spc="0" normalizeH="0" baseline="0" noProof="0" smtClean="0">
+                <a:ln>
+                  <a:noFill/>
+                </a:ln>
+                <a:solidFill>
+                  <a:prstClr val="black">
+                    <a:tint val="75000"/>
+                  </a:prstClr>
+                </a:solidFill>
+                <a:effectLst/>
+                <a:uLnTx/>
+                <a:uFillTx/>
+                <a:ea typeface="Noto Sans CJK KR Bold" panose="020B0800000000000000" pitchFamily="34" charset="-127"/>
+                <a:cs typeface="+mn-cs"/>
+              </a:rPr>
+              <a:pPr marL="0" marR="0" lvl="0" indent="0" algn="r" defTabSz="1107796" rtl="0" eaLnBrk="1" fontAlgn="auto" latinLnBrk="1" hangingPunct="1">
+                <a:lnSpc>
+                  <a:spcPct val="100000"/>
+                </a:lnSpc>
+                <a:spcBef>
+                  <a:spcPts val="0"/>
+                </a:spcBef>
+                <a:spcAft>
+                  <a:spcPts val="0"/>
+                </a:spcAft>
+                <a:buClrTx/>
+                <a:buSzTx/>
+                <a:buFontTx/>
+                <a:buNone/>
+                <a:tabLst/>
+                <a:defRPr/>
+              </a:pPr>
+              <a:t>2</a:t>
+            </a:fld>
+            <a:endParaRPr kumimoji="0" lang="ko-KR" altLang="en-US" sz="900" b="0" i="0" u="none" strike="noStrike" kern="1200" cap="none" spc="0" normalizeH="0" baseline="0" noProof="0" dirty="0">
+              <a:ln>
+                <a:noFill/>
+              </a:ln>
+              <a:solidFill>
+                <a:prstClr val="black">
+                  <a:tint val="75000"/>
+                </a:prstClr>
+              </a:solidFill>
+              <a:effectLst/>
+              <a:uLnTx/>
+              <a:uFillTx/>
+              <a:ea typeface="Noto Sans CJK KR Bold" panose="020B0800000000000000" pitchFamily="34" charset="-127"/>
+              <a:cs typeface="+mn-cs"/>
+            </a:endParaRPr>
+          </a:p>
+        </p:txBody>
+      </p:sp>
+      <p:sp>
+        <p:nvSpPr>
+          <p:cNvPr id="6" name="TextBox 5">
+            <a:extLst>
+              <a:ext uri="{FF2B5EF4-FFF2-40B4-BE49-F238E27FC236}">
+                <a16:creationId xmlns:a16="http://schemas.microsoft.com/office/drawing/2014/main" id="{E4D60102-B1D1-4963-AAA4-EA2400320AB9}"/>
+              </a:ext>
+            </a:extLst>
+          </p:cNvPr>
+          <p:cNvSpPr txBox="1"/>
+          <p:nvPr/>
+        </p:nvSpPr>
+        <p:spPr>
+          <a:xfrm>
+            <a:off x="542135" y="855851"/>
+            <a:ext cx="11298630" cy="2708434"/>
+          </a:xfrm>
+          <a:prstGeom prst="rect">
+            <a:avLst/>
+          </a:prstGeom>
+          <a:noFill/>
+        </p:spPr>
+        <p:txBody>
+          <a:bodyPr wrap="square" lIns="0" tIns="0" rIns="0" bIns="0" rtlCol="0" anchor="t">
+            <a:spAutoFit/>
+          </a:bodyPr>
+          <a:lstStyle/>
+          <a:p>
+            <a:pPr marL="0" marR="0" lvl="0" indent="0" algn="l" defTabSz="1107796" rtl="0" eaLnBrk="1" fontAlgn="auto" latinLnBrk="1" hangingPunct="1">
+              <a:lnSpc>
+                <a:spcPct val="100000"/>
+              </a:lnSpc>
+              <a:spcBef>
+                <a:spcPts val="0"/>
+              </a:spcBef>
+              <a:spcAft>
+                <a:spcPts val="0"/>
+              </a:spcAft>
+              <a:buClrTx/>
+              <a:buSzTx/>
+              <a:buFontTx/>
+              <a:buNone/>
+              <a:tabLst/>
+              <a:defRPr/>
+            </a:pPr>
+            <a:r>
+              <a:rPr kumimoji="0" lang="en-US" altLang="ko-KR" sz="4400" b="0" i="0" u="none" strike="noStrike" kern="1200" cap="none" spc="0" normalizeH="0" baseline="0" noProof="0" dirty="0">
+                <a:ln>
+                  <a:noFill/>
+                </a:ln>
+                <a:solidFill>
+                  <a:prstClr val="white"/>
+                </a:solidFill>
+                <a:effectLst/>
+                <a:uLnTx/>
+                <a:uFillTx/>
+                <a:latin typeface="Noto Sans CJK KR Black" panose="020B0A00000000000000" pitchFamily="34" charset="-127"/>
+                <a:ea typeface="Noto Sans CJK KR Black" panose="020B0A00000000000000" pitchFamily="34" charset="-127"/>
+                <a:cs typeface="+mn-cs"/>
+              </a:rPr>
+              <a:t>5</a:t>
+            </a:r>
+            <a:r>
+              <a:rPr kumimoji="0" lang="ko-KR" altLang="en-US" sz="4400" b="0" i="0" u="none" strike="noStrike" kern="1200" cap="none" spc="0" normalizeH="0" baseline="0" noProof="0" dirty="0">
+                <a:ln>
+                  <a:noFill/>
+                </a:ln>
+                <a:solidFill>
+                  <a:prstClr val="white"/>
+                </a:solidFill>
+                <a:effectLst/>
+                <a:uLnTx/>
+                <a:uFillTx/>
+                <a:latin typeface="Noto Sans CJK KR Black" panose="020B0A00000000000000" pitchFamily="34" charset="-127"/>
+                <a:ea typeface="Noto Sans CJK KR Black" panose="020B0A00000000000000" pitchFamily="34" charset="-127"/>
+                <a:cs typeface="+mn-cs"/>
+              </a:rPr>
+              <a:t>주차 </a:t>
+            </a:r>
+            <a:endParaRPr kumimoji="0" lang="en-US" altLang="ko-KR" sz="4400" b="0" i="0" u="none" strike="noStrike" kern="1200" cap="none" spc="0" normalizeH="0" baseline="0" noProof="0" dirty="0">
+              <a:ln>
+                <a:noFill/>
+              </a:ln>
+              <a:solidFill>
+                <a:prstClr val="white"/>
+              </a:solidFill>
+              <a:effectLst/>
+              <a:uLnTx/>
+              <a:uFillTx/>
+              <a:latin typeface="Noto Sans CJK KR Black" panose="020B0A00000000000000" pitchFamily="34" charset="-127"/>
+              <a:ea typeface="Noto Sans CJK KR Black" panose="020B0A00000000000000" pitchFamily="34" charset="-127"/>
+              <a:cs typeface="+mn-cs"/>
+            </a:endParaRPr>
+          </a:p>
+          <a:p>
+            <a:pPr marL="0" marR="0" lvl="0" indent="0" algn="l" defTabSz="1107796" rtl="0" eaLnBrk="1" fontAlgn="auto" latinLnBrk="1" hangingPunct="1">
+              <a:lnSpc>
+                <a:spcPct val="100000"/>
+              </a:lnSpc>
+              <a:spcBef>
+                <a:spcPts val="0"/>
+              </a:spcBef>
+              <a:spcAft>
+                <a:spcPts val="0"/>
+              </a:spcAft>
+              <a:buClrTx/>
+              <a:buSzTx/>
+              <a:buFontTx/>
+              <a:buNone/>
+              <a:tabLst/>
+              <a:defRPr/>
+            </a:pPr>
+            <a:r>
+              <a:rPr kumimoji="0" lang="ko-KR" altLang="en-US" sz="4400" b="0" i="0" u="none" strike="noStrike" kern="1200" cap="none" spc="0" normalizeH="0" baseline="0" noProof="0" dirty="0">
+                <a:ln>
+                  <a:noFill/>
+                </a:ln>
+                <a:solidFill>
+                  <a:prstClr val="white"/>
+                </a:solidFill>
+                <a:effectLst/>
+                <a:uLnTx/>
+                <a:uFillTx/>
+                <a:latin typeface="Noto Sans CJK KR Black" panose="020B0A00000000000000" pitchFamily="34" charset="-127"/>
+                <a:ea typeface="Noto Sans CJK KR Black" panose="020B0A00000000000000" pitchFamily="34" charset="-127"/>
+                <a:cs typeface="+mn-cs"/>
+              </a:rPr>
+              <a:t>강의의 목적</a:t>
+            </a:r>
+            <a:endParaRPr kumimoji="0" lang="en-US" altLang="ko-KR" sz="4400" b="0" i="0" u="none" strike="noStrike" kern="1200" cap="none" spc="0" normalizeH="0" baseline="0" noProof="0" dirty="0">
+              <a:ln>
+                <a:noFill/>
+              </a:ln>
+              <a:solidFill>
+                <a:prstClr val="white"/>
+              </a:solidFill>
+              <a:effectLst/>
+              <a:uLnTx/>
+              <a:uFillTx/>
+              <a:latin typeface="Noto Sans CJK KR Black" panose="020B0A00000000000000" pitchFamily="34" charset="-127"/>
+              <a:ea typeface="Noto Sans CJK KR Black" panose="020B0A00000000000000" pitchFamily="34" charset="-127"/>
+              <a:cs typeface="+mn-cs"/>
+            </a:endParaRPr>
+          </a:p>
+          <a:p>
+            <a:pPr marL="0" marR="0" lvl="0" indent="0" algn="l" defTabSz="1107796" rtl="0" eaLnBrk="1" fontAlgn="auto" latinLnBrk="1" hangingPunct="1">
+              <a:lnSpc>
+                <a:spcPct val="100000"/>
+              </a:lnSpc>
+              <a:spcBef>
+                <a:spcPts val="0"/>
+              </a:spcBef>
+              <a:spcAft>
+                <a:spcPts val="0"/>
+              </a:spcAft>
+              <a:buClrTx/>
+              <a:buSzTx/>
+              <a:buFontTx/>
+              <a:buNone/>
+              <a:tabLst/>
+              <a:defRPr/>
+            </a:pPr>
+            <a:endParaRPr kumimoji="0" lang="en-US" altLang="ko-KR" sz="4400" b="0" i="0" u="none" strike="noStrike" kern="1200" cap="none" spc="0" normalizeH="0" baseline="0" noProof="0" dirty="0">
+              <a:ln>
+                <a:noFill/>
+              </a:ln>
+              <a:solidFill>
+                <a:prstClr val="white"/>
+              </a:solidFill>
+              <a:effectLst/>
+              <a:uLnTx/>
+              <a:uFillTx/>
+              <a:latin typeface="Noto Sans CJK KR Black" panose="020B0A00000000000000" pitchFamily="34" charset="-127"/>
+              <a:ea typeface="Noto Sans CJK KR Black" panose="020B0A00000000000000" pitchFamily="34" charset="-127"/>
+              <a:cs typeface="+mn-cs"/>
+            </a:endParaRPr>
+          </a:p>
+          <a:p>
+            <a:pPr marL="0" marR="0" lvl="0" indent="0" algn="l" defTabSz="1107796" rtl="0" eaLnBrk="1" fontAlgn="auto" latinLnBrk="1" hangingPunct="1">
+              <a:lnSpc>
+                <a:spcPct val="100000"/>
+              </a:lnSpc>
+              <a:spcBef>
+                <a:spcPts val="0"/>
+              </a:spcBef>
+              <a:spcAft>
+                <a:spcPts val="0"/>
+              </a:spcAft>
+              <a:buClrTx/>
+              <a:buSzTx/>
+              <a:buFontTx/>
+              <a:buNone/>
+              <a:tabLst/>
+              <a:defRPr/>
+            </a:pPr>
+            <a:endParaRPr kumimoji="0" lang="en-US" altLang="ko-KR" sz="4400" b="0" i="0" u="none" strike="noStrike" kern="1200" cap="none" spc="0" normalizeH="0" baseline="0" noProof="0" dirty="0">
+              <a:ln>
+                <a:noFill/>
+              </a:ln>
+              <a:solidFill>
+                <a:prstClr val="white"/>
+              </a:solidFill>
+              <a:effectLst/>
+              <a:uLnTx/>
+              <a:uFillTx/>
+              <a:latin typeface="Noto Sans CJK KR Black" panose="020B0A00000000000000" pitchFamily="34" charset="-127"/>
+              <a:ea typeface="Noto Sans CJK KR Black" panose="020B0A00000000000000" pitchFamily="34" charset="-127"/>
+              <a:cs typeface="+mn-cs"/>
+            </a:endParaRPr>
+          </a:p>
+        </p:txBody>
+      </p:sp>
+      <p:sp>
+        <p:nvSpPr>
+          <p:cNvPr id="7" name="TextBox 6">
+            <a:extLst>
+              <a:ext uri="{FF2B5EF4-FFF2-40B4-BE49-F238E27FC236}">
+                <a16:creationId xmlns:a16="http://schemas.microsoft.com/office/drawing/2014/main" id="{6CFF4F43-C036-4E6F-B642-467B0A6413FE}"/>
+              </a:ext>
+            </a:extLst>
+          </p:cNvPr>
+          <p:cNvSpPr txBox="1"/>
+          <p:nvPr/>
+        </p:nvSpPr>
+        <p:spPr>
+          <a:xfrm>
+            <a:off x="4783981" y="611957"/>
+            <a:ext cx="7056784" cy="216726"/>
+          </a:xfrm>
+          <a:prstGeom prst="rect">
+            <a:avLst/>
+          </a:prstGeom>
+          <a:noFill/>
+        </p:spPr>
+        <p:txBody>
+          <a:bodyPr wrap="square" lIns="0" tIns="0" rIns="0" bIns="0" rtlCol="0" anchor="t">
+            <a:spAutoFit/>
+          </a:bodyPr>
+          <a:lstStyle/>
+          <a:p>
+            <a:pPr marL="0" marR="0" lvl="0" indent="0" algn="l" defTabSz="1107796" rtl="0" eaLnBrk="1" fontAlgn="auto" latinLnBrk="1" hangingPunct="1">
+              <a:lnSpc>
+                <a:spcPct val="150000"/>
+              </a:lnSpc>
+              <a:spcBef>
+                <a:spcPts val="0"/>
+              </a:spcBef>
+              <a:spcAft>
+                <a:spcPts val="0"/>
+              </a:spcAft>
+              <a:buClrTx/>
+              <a:buSzTx/>
+              <a:buFontTx/>
+              <a:buNone/>
+              <a:tabLst/>
+              <a:defRPr/>
+            </a:pPr>
+            <a:endParaRPr kumimoji="0" lang="en-US" altLang="ko-KR" sz="1050" b="0" i="0" u="none" strike="noStrike" kern="1200" cap="none" spc="0" normalizeH="0" baseline="0" noProof="0" dirty="0">
+              <a:ln>
+                <a:noFill/>
+              </a:ln>
+              <a:solidFill>
+                <a:prstClr val="white"/>
+              </a:solidFill>
+              <a:effectLst/>
+              <a:uLnTx/>
+              <a:uFillTx/>
+              <a:latin typeface="Noto Sans CJK KR Medium" panose="020B0600000000000000" pitchFamily="34" charset="-127"/>
+              <a:ea typeface="Noto Sans CJK KR Medium" panose="020B0600000000000000" pitchFamily="34" charset="-127"/>
+              <a:cs typeface="+mn-cs"/>
+            </a:endParaRPr>
+          </a:p>
+        </p:txBody>
+      </p:sp>
+      <p:sp>
+        <p:nvSpPr>
+          <p:cNvPr id="4" name="TextBox 3">
+            <a:extLst>
+              <a:ext uri="{FF2B5EF4-FFF2-40B4-BE49-F238E27FC236}">
+                <a16:creationId xmlns:a16="http://schemas.microsoft.com/office/drawing/2014/main" id="{19B31AAF-43A9-467F-A682-A1470A682AD3}"/>
+              </a:ext>
+            </a:extLst>
+          </p:cNvPr>
+          <p:cNvSpPr txBox="1"/>
+          <p:nvPr/>
+        </p:nvSpPr>
+        <p:spPr>
+          <a:xfrm>
+            <a:off x="4495949" y="4432537"/>
+            <a:ext cx="3672408" cy="2304256"/>
+          </a:xfrm>
+          <a:prstGeom prst="rect">
+            <a:avLst/>
+          </a:prstGeom>
+          <a:noFill/>
+          <a:ln w="38100">
+            <a:solidFill>
+              <a:srgbClr val="FF0000"/>
+            </a:solidFill>
+          </a:ln>
+        </p:spPr>
+        <p:txBody>
+          <a:bodyPr wrap="square" rtlCol="0">
+            <a:spAutoFit/>
+          </a:bodyPr>
+          <a:lstStyle/>
+          <a:p>
+            <a:endParaRPr lang="ko-KR" altLang="en-US" dirty="0"/>
+          </a:p>
+        </p:txBody>
+      </p:sp>
+    </p:spTree>
+    <p:extLst>
+      <p:ext uri="{BB962C8B-B14F-4D97-AF65-F5344CB8AC3E}">
+        <p14:creationId xmlns:p14="http://schemas.microsoft.com/office/powerpoint/2010/main" val="2038914197"/>
+      </p:ext>
+    </p:extLst>
+  </p:cSld>
+  <p:clrMapOvr>
+    <a:masterClrMapping/>
+  </p:clrMapOvr>
+</p:sld>
+</file>
+
+<file path=ppt/slides/slide3.xml><?xml version="1.0" encoding="utf-8"?>
+<p:sld xmlns:a="http://schemas.openxmlformats.org/drawingml/2006/main" xmlns:r="http://schemas.openxmlformats.org/officeDocument/2006/relationships" xmlns:p="http://schemas.openxmlformats.org/presentationml/2006/main">
+  <p:cSld>
+    <p:spTree>
+      <p:nvGrpSpPr>
+        <p:cNvPr id="1" name=""/>
+        <p:cNvGrpSpPr/>
+        <p:nvPr/>
+      </p:nvGrpSpPr>
+      <p:grpSpPr>
+        <a:xfrm>
+          <a:off x="0" y="0"/>
+          <a:ext cx="0" cy="0"/>
+          <a:chOff x="0" y="0"/>
+          <a:chExt cx="0" cy="0"/>
+        </a:xfrm>
+      </p:grpSpPr>
+      <p:sp>
+        <p:nvSpPr>
+          <p:cNvPr id="15" name="슬라이드 번호 개체 틀 14"/>
+          <p:cNvSpPr>
+            <a:spLocks noGrp="1"/>
+          </p:cNvSpPr>
+          <p:nvPr>
+            <p:ph type="sldNum" sz="quarter" idx="12"/>
+          </p:nvPr>
+        </p:nvSpPr>
+        <p:spPr/>
+        <p:txBody>
+          <a:bodyPr/>
+          <a:lstStyle/>
+          <a:p>
+            <a:fld id="{6DDAE2C3-1A0B-474A-8CE8-AE55B8D9D4B1}" type="slidenum">
+              <a:rPr lang="ko-KR" altLang="en-US" smtClean="0"/>
+              <a:pPr/>
+              <a:t>3</a:t>
+            </a:fld>
+            <a:endParaRPr lang="ko-KR" altLang="en-US" dirty="0"/>
+          </a:p>
+        </p:txBody>
+      </p:sp>
+      <p:pic>
+        <p:nvPicPr>
+          <p:cNvPr id="2" name="그림 1">
+            <a:extLst>
+              <a:ext uri="{FF2B5EF4-FFF2-40B4-BE49-F238E27FC236}">
+                <a16:creationId xmlns:a16="http://schemas.microsoft.com/office/drawing/2014/main" id="{137442BA-597F-49FC-A45E-E00FB99330BB}"/>
+              </a:ext>
+            </a:extLst>
+          </p:cNvPr>
+          <p:cNvPicPr>
+            <a:picLocks noChangeAspect="1"/>
+          </p:cNvPicPr>
+          <p:nvPr/>
+        </p:nvPicPr>
+        <p:blipFill>
+          <a:blip r:embed="rId2"/>
+          <a:stretch>
+            <a:fillRect/>
+          </a:stretch>
+        </p:blipFill>
+        <p:spPr>
+          <a:xfrm>
+            <a:off x="4565650" y="1681956"/>
+            <a:ext cx="3028950" cy="3476625"/>
+          </a:xfrm>
+          <a:prstGeom prst="rect">
+            <a:avLst/>
+          </a:prstGeom>
+        </p:spPr>
+      </p:pic>
+    </p:spTree>
+    <p:extLst>
+      <p:ext uri="{BB962C8B-B14F-4D97-AF65-F5344CB8AC3E}">
+        <p14:creationId xmlns:p14="http://schemas.microsoft.com/office/powerpoint/2010/main" val="2877754834"/>
+      </p:ext>
+    </p:extLst>
+  </p:cSld>
+  <p:clrMapOvr>
+    <a:masterClrMapping/>
+  </p:clrMapOvr>
+</p:sld>
+</file>
+
 <file path=ppt/slides/slide4.xml><?xml version="1.0" encoding="utf-8"?>
 <p:sld xmlns:a="http://schemas.openxmlformats.org/drawingml/2006/main" xmlns:r="http://schemas.openxmlformats.org/officeDocument/2006/relationships" xmlns:p="http://schemas.openxmlformats.org/presentationml/2006/main">
   <p:cSld>
@@ -8845,7 +6586,7 @@
         </p:spPr>
         <p:txBody>
           <a:bodyPr>
-            <a:normAutofit/>
+            <a:normAutofit fontScale="90000"/>
           </a:bodyPr>
           <a:lstStyle/>
           <a:p>
@@ -8874,7 +6615,32 @@
                 <a:latin typeface="Noto Sans CJK KR Black" pitchFamily="34" charset="-127"/>
                 <a:ea typeface="Noto Sans CJK KR Black" pitchFamily="34" charset="-127"/>
               </a:rPr>
-              <a:t>시계열 분석</a:t>
+              <a:t>시계열 </a:t>
+            </a:r>
+            <a:br>
+              <a:rPr lang="en-US" altLang="ko-KR" sz="4400" dirty="0">
+                <a:solidFill>
+                  <a:schemeClr val="tx1">
+                    <a:lumMod val="75000"/>
+                    <a:lumOff val="25000"/>
+                  </a:schemeClr>
+                </a:solidFill>
+                <a:latin typeface="Noto Sans CJK KR Black" pitchFamily="34" charset="-127"/>
+                <a:ea typeface="Noto Sans CJK KR Black" pitchFamily="34" charset="-127"/>
+              </a:rPr>
+            </a:br>
+            <a:r>
+              <a:rPr lang="ko-KR" altLang="en-US" sz="4400" dirty="0">
+                <a:solidFill>
+                  <a:schemeClr val="tx1">
+                    <a:lumMod val="75000"/>
+                    <a:lumOff val="25000"/>
+                  </a:schemeClr>
+                </a:solidFill>
+                <a:latin typeface="Noto Sans CJK KR Black" pitchFamily="34" charset="-127"/>
+                <a:ea typeface="Noto Sans CJK KR Black" pitchFamily="34" charset="-127"/>
+              </a:rPr>
+              <a:t>분석</a:t>
             </a:r>
             <a:endParaRPr lang="ko-KR" altLang="en-US" sz="4400" dirty="0">
               <a:solidFill>
@@ -8916,7 +6682,7 @@
           <p:cNvPr id="2" name="그림 1">
             <a:extLst>
               <a:ext uri="{FF2B5EF4-FFF2-40B4-BE49-F238E27FC236}">
-                <a16:creationId xmlns:a16="http://schemas.microsoft.com/office/drawing/2014/main" id="{763FD5DE-0E65-41B2-A2E1-B6F049DFEB69}"/>
+                <a16:creationId xmlns:a16="http://schemas.microsoft.com/office/drawing/2014/main" id="{16C19AC7-BAA3-4F16-90E6-D8B648F2EA49}"/>
               </a:ext>
             </a:extLst>
           </p:cNvPr>
@@ -8933,8 +6699,8 @@
         </p:blipFill>
         <p:spPr>
           <a:xfrm>
-            <a:off x="2084386" y="1631886"/>
-            <a:ext cx="7991475" cy="5191125"/>
+            <a:off x="3997071" y="630793"/>
+            <a:ext cx="8001000" cy="5753100"/>
           </a:xfrm>
           <a:prstGeom prst="rect">
             <a:avLst/>
@@ -8944,7 +6710,7 @@
     </p:spTree>
     <p:extLst>
       <p:ext uri="{BB962C8B-B14F-4D97-AF65-F5344CB8AC3E}">
-        <p14:creationId xmlns:p14="http://schemas.microsoft.com/office/powerpoint/2010/main" val="957076208"/>
+        <p14:creationId xmlns:p14="http://schemas.microsoft.com/office/powerpoint/2010/main" val="2046635771"/>
       </p:ext>
     </p:extLst>
   </p:cSld>
@@ -9060,7 +6826,7 @@
           <p:cNvPr id="2" name="그림 1">
             <a:extLst>
               <a:ext uri="{FF2B5EF4-FFF2-40B4-BE49-F238E27FC236}">
-                <a16:creationId xmlns:a16="http://schemas.microsoft.com/office/drawing/2014/main" id="{7FBA5C46-3D2F-46A2-900A-DD48DE4E16B4}"/>
+                <a16:creationId xmlns:a16="http://schemas.microsoft.com/office/drawing/2014/main" id="{E0AE5659-91C0-40FC-BAB3-7D900655732E}"/>
               </a:ext>
             </a:extLst>
           </p:cNvPr>
@@ -9077,8 +6843,8 @@
         </p:blipFill>
         <p:spPr>
           <a:xfrm>
-            <a:off x="2560637" y="2696369"/>
-            <a:ext cx="7038975" cy="1447800"/>
+            <a:off x="1851024" y="1921293"/>
+            <a:ext cx="8458200" cy="4210050"/>
           </a:xfrm>
           <a:prstGeom prst="rect">
             <a:avLst/>
@@ -9088,7 +6854,7 @@
     </p:spTree>
     <p:extLst>
       <p:ext uri="{BB962C8B-B14F-4D97-AF65-F5344CB8AC3E}">
-        <p14:creationId xmlns:p14="http://schemas.microsoft.com/office/powerpoint/2010/main" val="3246411210"/>
+        <p14:creationId xmlns:p14="http://schemas.microsoft.com/office/powerpoint/2010/main" val="2891482321"/>
       </p:ext>
     </p:extLst>
   </p:cSld>
@@ -9127,13 +6893,13 @@
         </p:nvSpPr>
         <p:spPr>
           <a:xfrm>
-            <a:off x="608012" y="539949"/>
+            <a:off x="319485" y="683965"/>
             <a:ext cx="10944225" cy="1140090"/>
           </a:xfrm>
         </p:spPr>
         <p:txBody>
           <a:bodyPr>
-            <a:normAutofit/>
+            <a:normAutofit fontScale="90000"/>
           </a:bodyPr>
           <a:lstStyle/>
           <a:p>
@@ -9162,7 +6928,32 @@
                 <a:latin typeface="Noto Sans CJK KR Black" pitchFamily="34" charset="-127"/>
                 <a:ea typeface="Noto Sans CJK KR Black" pitchFamily="34" charset="-127"/>
               </a:rPr>
-              <a:t>시계열 분석</a:t>
+              <a:t>시계열</a:t>
+            </a:r>
+            <a:br>
+              <a:rPr lang="en-US" altLang="ko-KR" sz="4400" dirty="0">
+                <a:solidFill>
+                  <a:schemeClr val="tx1">
+                    <a:lumMod val="75000"/>
+                    <a:lumOff val="25000"/>
+                  </a:schemeClr>
+                </a:solidFill>
+                <a:latin typeface="Noto Sans CJK KR Black" pitchFamily="34" charset="-127"/>
+                <a:ea typeface="Noto Sans CJK KR Black" pitchFamily="34" charset="-127"/>
+              </a:rPr>
+            </a:br>
+            <a:r>
+              <a:rPr lang="ko-KR" altLang="en-US" sz="4400" dirty="0">
+                <a:solidFill>
+                  <a:schemeClr val="tx1">
+                    <a:lumMod val="75000"/>
+                    <a:lumOff val="25000"/>
+                  </a:schemeClr>
+                </a:solidFill>
+                <a:latin typeface="Noto Sans CJK KR Black" pitchFamily="34" charset="-127"/>
+                <a:ea typeface="Noto Sans CJK KR Black" pitchFamily="34" charset="-127"/>
+              </a:rPr>
+              <a:t> 분석</a:t>
             </a:r>
             <a:endParaRPr lang="ko-KR" altLang="en-US" sz="4400" dirty="0">
               <a:solidFill>
@@ -9204,7 +6995,7 @@
           <p:cNvPr id="2" name="그림 1">
             <a:extLst>
               <a:ext uri="{FF2B5EF4-FFF2-40B4-BE49-F238E27FC236}">
-                <a16:creationId xmlns:a16="http://schemas.microsoft.com/office/drawing/2014/main" id="{1D485D62-8083-4629-9C3C-6DDC8DCAB4A2}"/>
+                <a16:creationId xmlns:a16="http://schemas.microsoft.com/office/drawing/2014/main" id="{F16BA6CA-9C7E-497A-94E5-0C8F2E773E65}"/>
               </a:ext>
             </a:extLst>
           </p:cNvPr>
@@ -9221,8 +7012,8 @@
         </p:blipFill>
         <p:spPr>
           <a:xfrm>
-            <a:off x="4711973" y="0"/>
-            <a:ext cx="7112511" cy="6840538"/>
+            <a:off x="2730500" y="252936"/>
+            <a:ext cx="9429750" cy="6286500"/>
           </a:xfrm>
           <a:prstGeom prst="rect">
             <a:avLst/>
@@ -9232,7 +7023,7 @@
     </p:spTree>
     <p:extLst>
       <p:ext uri="{BB962C8B-B14F-4D97-AF65-F5344CB8AC3E}">
-        <p14:creationId xmlns:p14="http://schemas.microsoft.com/office/powerpoint/2010/main" val="1226727300"/>
+        <p14:creationId xmlns:p14="http://schemas.microsoft.com/office/powerpoint/2010/main" val="2520880966"/>
       </p:ext>
     </p:extLst>
   </p:cSld>
@@ -9277,7 +7068,7 @@
         </p:spPr>
         <p:txBody>
           <a:bodyPr>
-            <a:normAutofit fontScale="90000"/>
+            <a:normAutofit/>
           </a:bodyPr>
           <a:lstStyle/>
           <a:p>
@@ -9306,32 +7097,7 @@
                 <a:latin typeface="Noto Sans CJK KR Black" pitchFamily="34" charset="-127"/>
                 <a:ea typeface="Noto Sans CJK KR Black" pitchFamily="34" charset="-127"/>
               </a:rPr>
-              <a:t>시계열 </a:t>
-            </a:r>
-            <a:br>
-              <a:rPr lang="en-US" altLang="ko-KR" sz="4400" dirty="0">
-                <a:solidFill>
-                  <a:schemeClr val="tx1">
-                    <a:lumMod val="75000"/>
-                    <a:lumOff val="25000"/>
-                  </a:schemeClr>
-                </a:solidFill>
-                <a:latin typeface="Noto Sans CJK KR Black" pitchFamily="34" charset="-127"/>
-                <a:ea typeface="Noto Sans CJK KR Black" pitchFamily="34" charset="-127"/>
-              </a:rPr>
-            </a:br>
-            <a:r>
-              <a:rPr lang="ko-KR" altLang="en-US" sz="4400" dirty="0">
-                <a:solidFill>
-                  <a:schemeClr val="tx1">
-                    <a:lumMod val="75000"/>
-                    <a:lumOff val="25000"/>
-                  </a:schemeClr>
-                </a:solidFill>
-                <a:latin typeface="Noto Sans CJK KR Black" pitchFamily="34" charset="-127"/>
-                <a:ea typeface="Noto Sans CJK KR Black" pitchFamily="34" charset="-127"/>
-              </a:rPr>
-              <a:t>분석</a:t>
+              <a:t>시계열 분석</a:t>
             </a:r>
             <a:endParaRPr lang="ko-KR" altLang="en-US" sz="4400" dirty="0">
               <a:solidFill>
@@ -9373,7 +7139,7 @@
           <p:cNvPr id="2" name="그림 1">
             <a:extLst>
               <a:ext uri="{FF2B5EF4-FFF2-40B4-BE49-F238E27FC236}">
-                <a16:creationId xmlns:a16="http://schemas.microsoft.com/office/drawing/2014/main" id="{BCDAF3F1-D511-4CD9-8F3F-3A49C30AE126}"/>
+                <a16:creationId xmlns:a16="http://schemas.microsoft.com/office/drawing/2014/main" id="{0014DEB9-298D-43C9-849A-3CBA3225AAE1}"/>
               </a:ext>
             </a:extLst>
           </p:cNvPr>
@@ -9390,8 +7156,8 @@
         </p:blipFill>
         <p:spPr>
           <a:xfrm>
-            <a:off x="3940175" y="144370"/>
-            <a:ext cx="8220075" cy="6410325"/>
+            <a:off x="5504061" y="0"/>
+            <a:ext cx="4936388" cy="6840538"/>
           </a:xfrm>
           <a:prstGeom prst="rect">
             <a:avLst/>
@@ -9401,7 +7167,7 @@
     </p:spTree>
     <p:extLst>
       <p:ext uri="{BB962C8B-B14F-4D97-AF65-F5344CB8AC3E}">
-        <p14:creationId xmlns:p14="http://schemas.microsoft.com/office/powerpoint/2010/main" val="3061122883"/>
+        <p14:creationId xmlns:p14="http://schemas.microsoft.com/office/powerpoint/2010/main" val="3164457100"/>
       </p:ext>
     </p:extLst>
   </p:cSld>
@@ -9517,7 +7283,7 @@
           <p:cNvPr id="2" name="그림 1">
             <a:extLst>
               <a:ext uri="{FF2B5EF4-FFF2-40B4-BE49-F238E27FC236}">
-                <a16:creationId xmlns:a16="http://schemas.microsoft.com/office/drawing/2014/main" id="{EDB00A33-E6AE-42B4-8F68-3A531ABA67B9}"/>
+                <a16:creationId xmlns:a16="http://schemas.microsoft.com/office/drawing/2014/main" id="{2A0D922B-2802-4818-8989-1A73692EE1E5}"/>
               </a:ext>
             </a:extLst>
           </p:cNvPr>
@@ -9534,8 +7300,8 @@
         </p:blipFill>
         <p:spPr>
           <a:xfrm>
-            <a:off x="2012949" y="1662329"/>
-            <a:ext cx="8134350" cy="5067300"/>
+            <a:off x="2151061" y="1665315"/>
+            <a:ext cx="7858125" cy="4667250"/>
           </a:xfrm>
           <a:prstGeom prst="rect">
             <a:avLst/>
@@ -9545,7 +7311,7 @@
     </p:spTree>
     <p:extLst>
       <p:ext uri="{BB962C8B-B14F-4D97-AF65-F5344CB8AC3E}">
-        <p14:creationId xmlns:p14="http://schemas.microsoft.com/office/powerpoint/2010/main" val="1316906789"/>
+        <p14:creationId xmlns:p14="http://schemas.microsoft.com/office/powerpoint/2010/main" val="3447290098"/>
       </p:ext>
     </p:extLst>
   </p:cSld>
@@ -9661,7 +7427,7 @@
           <p:cNvPr id="2" name="그림 1">
             <a:extLst>
               <a:ext uri="{FF2B5EF4-FFF2-40B4-BE49-F238E27FC236}">
-                <a16:creationId xmlns:a16="http://schemas.microsoft.com/office/drawing/2014/main" id="{E2885BFB-3005-4C7E-B401-182E6E62D384}"/>
+                <a16:creationId xmlns:a16="http://schemas.microsoft.com/office/drawing/2014/main" id="{0B1CFA12-79FE-4C89-9A90-7E66AC65F245}"/>
               </a:ext>
             </a:extLst>
           </p:cNvPr>
@@ -9678,8 +7444,8 @@
         </p:blipFill>
         <p:spPr>
           <a:xfrm>
-            <a:off x="2179636" y="1392238"/>
-            <a:ext cx="7800975" cy="5448300"/>
+            <a:off x="2055811" y="1490976"/>
+            <a:ext cx="8048625" cy="5324475"/>
           </a:xfrm>
           <a:prstGeom prst="rect">
             <a:avLst/>
@@ -9689,7 +7455,7 @@
     </p:spTree>
     <p:extLst>
       <p:ext uri="{BB962C8B-B14F-4D97-AF65-F5344CB8AC3E}">
-        <p14:creationId xmlns:p14="http://schemas.microsoft.com/office/powerpoint/2010/main" val="1916119711"/>
+        <p14:creationId xmlns:p14="http://schemas.microsoft.com/office/powerpoint/2010/main" val="4258336835"/>
       </p:ext>
     </p:extLst>
   </p:cSld>
